--- a/演示文稿2.pptx
+++ b/演示文稿2.pptx
@@ -7,6 +7,19 @@
   <p:sldIdLst>
     <p:sldId id="256" r:id="rId2"/>
     <p:sldId id="257" r:id="rId3"/>
+    <p:sldId id="270" r:id="rId4"/>
+    <p:sldId id="258" r:id="rId5"/>
+    <p:sldId id="259" r:id="rId6"/>
+    <p:sldId id="267" r:id="rId7"/>
+    <p:sldId id="268" r:id="rId8"/>
+    <p:sldId id="271" r:id="rId9"/>
+    <p:sldId id="260" r:id="rId10"/>
+    <p:sldId id="261" r:id="rId11"/>
+    <p:sldId id="263" r:id="rId12"/>
+    <p:sldId id="262" r:id="rId13"/>
+    <p:sldId id="264" r:id="rId14"/>
+    <p:sldId id="265" r:id="rId15"/>
+    <p:sldId id="269" r:id="rId16"/>
   </p:sldIdLst>
   <p:sldSz cx="9144000" cy="6858000" type="screen4x3"/>
   <p:notesSz cx="6858000" cy="9144000"/>
@@ -105,7 +118,316 @@
       </a:defRPr>
     </a:lvl9pPr>
   </p:defaultTextStyle>
+  <p:extLst>
+    <p:ext uri="{521415D9-36F7-43E2-AB2F-B90AF26B5E84}">
+      <p14:sectionLst xmlns:p14="http://schemas.microsoft.com/office/powerpoint/2010/main">
+        <p14:section name="默认节" id="{84BF02F9-C4A2-2E4A-A2D5-BCC7251A534B}">
+          <p14:sldIdLst>
+            <p14:sldId id="256"/>
+            <p14:sldId id="257"/>
+            <p14:sldId id="270"/>
+            <p14:sldId id="258"/>
+            <p14:sldId id="259"/>
+            <p14:sldId id="267"/>
+            <p14:sldId id="268"/>
+            <p14:sldId id="271"/>
+            <p14:sldId id="260"/>
+            <p14:sldId id="261"/>
+            <p14:sldId id="263"/>
+            <p14:sldId id="262"/>
+            <p14:sldId id="264"/>
+            <p14:sldId id="265"/>
+            <p14:sldId id="269"/>
+          </p14:sldIdLst>
+        </p14:section>
+      </p14:sectionLst>
+    </p:ext>
+  </p:extLst>
 </p:presentation>
+</file>
+
+<file path=ppt/charts/chart1.xml><?xml version="1.0" encoding="utf-8"?>
+<c:chartSpace xmlns:c="http://schemas.openxmlformats.org/drawingml/2006/chart" xmlns:a="http://schemas.openxmlformats.org/drawingml/2006/main" xmlns:r="http://schemas.openxmlformats.org/officeDocument/2006/relationships">
+  <c:date1904 val="0"/>
+  <c:lang val="zh-CN"/>
+  <c:roundedCorners val="0"/>
+  <mc:AlternateContent xmlns:mc="http://schemas.openxmlformats.org/markup-compatibility/2006">
+    <mc:Choice xmlns:c14="http://schemas.microsoft.com/office/drawing/2007/8/2/chart" Requires="c14">
+      <c14:style val="118"/>
+    </mc:Choice>
+    <mc:Fallback>
+      <c:style val="18"/>
+    </mc:Fallback>
+  </mc:AlternateContent>
+  <c:chart>
+    <c:autoTitleDeleted val="0"/>
+    <c:plotArea>
+      <c:layout/>
+      <c:lineChart>
+        <c:grouping val="standard"/>
+        <c:varyColors val="0"/>
+        <c:ser>
+          <c:idx val="0"/>
+          <c:order val="0"/>
+          <c:tx>
+            <c:strRef>
+              <c:f>工作表1!$B$1</c:f>
+              <c:strCache>
+                <c:ptCount val="1"/>
+                <c:pt idx="0">
+                  <c:v>异步处理</c:v>
+                </c:pt>
+              </c:strCache>
+            </c:strRef>
+          </c:tx>
+          <c:marker>
+            <c:symbol val="none"/>
+          </c:marker>
+          <c:cat>
+            <c:strRef>
+              <c:f>工作表1!$A$2:$A$11</c:f>
+              <c:strCache>
+                <c:ptCount val="10"/>
+                <c:pt idx="0">
+                  <c:v>测试 1</c:v>
+                </c:pt>
+                <c:pt idx="1">
+                  <c:v>测试 2</c:v>
+                </c:pt>
+                <c:pt idx="2">
+                  <c:v>测试 3</c:v>
+                </c:pt>
+                <c:pt idx="3">
+                  <c:v>测试 4</c:v>
+                </c:pt>
+                <c:pt idx="4">
+                  <c:v>测试 5</c:v>
+                </c:pt>
+                <c:pt idx="5">
+                  <c:v>测试 6</c:v>
+                </c:pt>
+                <c:pt idx="6">
+                  <c:v>测试 7</c:v>
+                </c:pt>
+                <c:pt idx="7">
+                  <c:v>测试 8</c:v>
+                </c:pt>
+                <c:pt idx="8">
+                  <c:v>测试 9</c:v>
+                </c:pt>
+                <c:pt idx="9">
+                  <c:v>测试 10</c:v>
+                </c:pt>
+              </c:strCache>
+            </c:strRef>
+          </c:cat>
+          <c:val>
+            <c:numRef>
+              <c:f>工作表1!$B$2:$B$11</c:f>
+              <c:numCache>
+                <c:formatCode>General</c:formatCode>
+                <c:ptCount val="10"/>
+                <c:pt idx="0">
+                  <c:v>1337.41</c:v>
+                </c:pt>
+                <c:pt idx="1">
+                  <c:v>1560.25</c:v>
+                </c:pt>
+                <c:pt idx="2">
+                  <c:v>1596.17</c:v>
+                </c:pt>
+                <c:pt idx="3">
+                  <c:v>1551.93</c:v>
+                </c:pt>
+                <c:pt idx="4">
+                  <c:v>1608.0</c:v>
+                </c:pt>
+                <c:pt idx="5">
+                  <c:v>1484.94</c:v>
+                </c:pt>
+                <c:pt idx="6">
+                  <c:v>1609.75</c:v>
+                </c:pt>
+                <c:pt idx="7">
+                  <c:v>1696.45</c:v>
+                </c:pt>
+                <c:pt idx="8">
+                  <c:v>1643.79</c:v>
+                </c:pt>
+                <c:pt idx="9">
+                  <c:v>1796.23</c:v>
+                </c:pt>
+              </c:numCache>
+            </c:numRef>
+          </c:val>
+          <c:smooth val="0"/>
+        </c:ser>
+        <c:ser>
+          <c:idx val="1"/>
+          <c:order val="1"/>
+          <c:tx>
+            <c:strRef>
+              <c:f>工作表1!$C$1</c:f>
+              <c:strCache>
+                <c:ptCount val="1"/>
+                <c:pt idx="0">
+                  <c:v>同步处理</c:v>
+                </c:pt>
+              </c:strCache>
+            </c:strRef>
+          </c:tx>
+          <c:marker>
+            <c:symbol val="none"/>
+          </c:marker>
+          <c:cat>
+            <c:strRef>
+              <c:f>工作表1!$A$2:$A$11</c:f>
+              <c:strCache>
+                <c:ptCount val="10"/>
+                <c:pt idx="0">
+                  <c:v>测试 1</c:v>
+                </c:pt>
+                <c:pt idx="1">
+                  <c:v>测试 2</c:v>
+                </c:pt>
+                <c:pt idx="2">
+                  <c:v>测试 3</c:v>
+                </c:pt>
+                <c:pt idx="3">
+                  <c:v>测试 4</c:v>
+                </c:pt>
+                <c:pt idx="4">
+                  <c:v>测试 5</c:v>
+                </c:pt>
+                <c:pt idx="5">
+                  <c:v>测试 6</c:v>
+                </c:pt>
+                <c:pt idx="6">
+                  <c:v>测试 7</c:v>
+                </c:pt>
+                <c:pt idx="7">
+                  <c:v>测试 8</c:v>
+                </c:pt>
+                <c:pt idx="8">
+                  <c:v>测试 9</c:v>
+                </c:pt>
+                <c:pt idx="9">
+                  <c:v>测试 10</c:v>
+                </c:pt>
+              </c:strCache>
+            </c:strRef>
+          </c:cat>
+          <c:val>
+            <c:numRef>
+              <c:f>工作表1!$C$2:$C$11</c:f>
+              <c:numCache>
+                <c:formatCode>General</c:formatCode>
+                <c:ptCount val="10"/>
+                <c:pt idx="0">
+                  <c:v>616.53</c:v>
+                </c:pt>
+                <c:pt idx="1">
+                  <c:v>894.11</c:v>
+                </c:pt>
+                <c:pt idx="2">
+                  <c:v>813.62</c:v>
+                </c:pt>
+                <c:pt idx="3">
+                  <c:v>342.68</c:v>
+                </c:pt>
+                <c:pt idx="4">
+                  <c:v>560.8199999999999</c:v>
+                </c:pt>
+                <c:pt idx="5">
+                  <c:v>709.51</c:v>
+                </c:pt>
+                <c:pt idx="6">
+                  <c:v>820.17</c:v>
+                </c:pt>
+                <c:pt idx="7">
+                  <c:v>809.3399999999999</c:v>
+                </c:pt>
+                <c:pt idx="8">
+                  <c:v>766.91</c:v>
+                </c:pt>
+                <c:pt idx="9">
+                  <c:v>823.78</c:v>
+                </c:pt>
+              </c:numCache>
+            </c:numRef>
+          </c:val>
+          <c:smooth val="0"/>
+        </c:ser>
+        <c:dLbls>
+          <c:showLegendKey val="0"/>
+          <c:showVal val="0"/>
+          <c:showCatName val="0"/>
+          <c:showSerName val="0"/>
+          <c:showPercent val="0"/>
+          <c:showBubbleSize val="0"/>
+        </c:dLbls>
+        <c:marker val="1"/>
+        <c:smooth val="0"/>
+        <c:axId val="2124236008"/>
+        <c:axId val="2124238792"/>
+      </c:lineChart>
+      <c:catAx>
+        <c:axId val="2124236008"/>
+        <c:scaling>
+          <c:orientation val="minMax"/>
+        </c:scaling>
+        <c:delete val="0"/>
+        <c:axPos val="b"/>
+        <c:majorTickMark val="out"/>
+        <c:minorTickMark val="none"/>
+        <c:tickLblPos val="nextTo"/>
+        <c:crossAx val="2124238792"/>
+        <c:crosses val="autoZero"/>
+        <c:auto val="1"/>
+        <c:lblAlgn val="ctr"/>
+        <c:lblOffset val="100"/>
+        <c:noMultiLvlLbl val="0"/>
+      </c:catAx>
+      <c:valAx>
+        <c:axId val="2124238792"/>
+        <c:scaling>
+          <c:orientation val="minMax"/>
+        </c:scaling>
+        <c:delete val="0"/>
+        <c:axPos val="l"/>
+        <c:majorGridlines/>
+        <c:numFmt formatCode="General" sourceLinked="1"/>
+        <c:majorTickMark val="out"/>
+        <c:minorTickMark val="none"/>
+        <c:tickLblPos val="nextTo"/>
+        <c:crossAx val="2124236008"/>
+        <c:crosses val="autoZero"/>
+        <c:crossBetween val="between"/>
+      </c:valAx>
+    </c:plotArea>
+    <c:legend>
+      <c:legendPos val="r"/>
+      <c:layout/>
+      <c:overlay val="0"/>
+    </c:legend>
+    <c:plotVisOnly val="1"/>
+    <c:dispBlanksAs val="gap"/>
+    <c:showDLblsOverMax val="0"/>
+  </c:chart>
+  <c:txPr>
+    <a:bodyPr/>
+    <a:lstStyle/>
+    <a:p>
+      <a:pPr>
+        <a:defRPr sz="1800"/>
+      </a:pPr>
+      <a:endParaRPr lang="zh-CN"/>
+    </a:p>
+  </c:txPr>
+  <c:externalData r:id="rId1">
+    <c:autoUpdate val="0"/>
+  </c:externalData>
+</c:chartSpace>
 </file>
 
 <file path=ppt/slideLayouts/slideLayout1.xml><?xml version="1.0" encoding="utf-8"?>
@@ -289,7 +611,7 @@
           <a:p>
             <a:fld id="{35CD3CBF-F0F6-9241-8A5F-BE64095346A6}" type="datetimeFigureOut">
               <a:rPr kumimoji="1" lang="zh-CN" altLang="en-US" smtClean="0"/>
-              <a:t>3/27/16</a:t>
+              <a:t>3/31/16</a:t>
             </a:fld>
             <a:endParaRPr kumimoji="1" lang="zh-CN" altLang="en-US"/>
           </a:p>
@@ -459,7 +781,7 @@
           <a:p>
             <a:fld id="{35CD3CBF-F0F6-9241-8A5F-BE64095346A6}" type="datetimeFigureOut">
               <a:rPr kumimoji="1" lang="zh-CN" altLang="en-US" smtClean="0"/>
-              <a:t>3/27/16</a:t>
+              <a:t>3/31/16</a:t>
             </a:fld>
             <a:endParaRPr kumimoji="1" lang="zh-CN" altLang="en-US"/>
           </a:p>
@@ -639,7 +961,7 @@
           <a:p>
             <a:fld id="{35CD3CBF-F0F6-9241-8A5F-BE64095346A6}" type="datetimeFigureOut">
               <a:rPr kumimoji="1" lang="zh-CN" altLang="en-US" smtClean="0"/>
-              <a:t>3/27/16</a:t>
+              <a:t>3/31/16</a:t>
             </a:fld>
             <a:endParaRPr kumimoji="1" lang="zh-CN" altLang="en-US"/>
           </a:p>
@@ -809,7 +1131,7 @@
           <a:p>
             <a:fld id="{35CD3CBF-F0F6-9241-8A5F-BE64095346A6}" type="datetimeFigureOut">
               <a:rPr kumimoji="1" lang="zh-CN" altLang="en-US" smtClean="0"/>
-              <a:t>3/27/16</a:t>
+              <a:t>3/31/16</a:t>
             </a:fld>
             <a:endParaRPr kumimoji="1" lang="zh-CN" altLang="en-US"/>
           </a:p>
@@ -1055,7 +1377,7 @@
           <a:p>
             <a:fld id="{35CD3CBF-F0F6-9241-8A5F-BE64095346A6}" type="datetimeFigureOut">
               <a:rPr kumimoji="1" lang="zh-CN" altLang="en-US" smtClean="0"/>
-              <a:t>3/27/16</a:t>
+              <a:t>3/31/16</a:t>
             </a:fld>
             <a:endParaRPr kumimoji="1" lang="zh-CN" altLang="en-US"/>
           </a:p>
@@ -1343,7 +1665,7 @@
           <a:p>
             <a:fld id="{35CD3CBF-F0F6-9241-8A5F-BE64095346A6}" type="datetimeFigureOut">
               <a:rPr kumimoji="1" lang="zh-CN" altLang="en-US" smtClean="0"/>
-              <a:t>3/27/16</a:t>
+              <a:t>3/31/16</a:t>
             </a:fld>
             <a:endParaRPr kumimoji="1" lang="zh-CN" altLang="en-US"/>
           </a:p>
@@ -1765,7 +2087,7 @@
           <a:p>
             <a:fld id="{35CD3CBF-F0F6-9241-8A5F-BE64095346A6}" type="datetimeFigureOut">
               <a:rPr kumimoji="1" lang="zh-CN" altLang="en-US" smtClean="0"/>
-              <a:t>3/27/16</a:t>
+              <a:t>3/31/16</a:t>
             </a:fld>
             <a:endParaRPr kumimoji="1" lang="zh-CN" altLang="en-US"/>
           </a:p>
@@ -1883,7 +2205,7 @@
           <a:p>
             <a:fld id="{35CD3CBF-F0F6-9241-8A5F-BE64095346A6}" type="datetimeFigureOut">
               <a:rPr kumimoji="1" lang="zh-CN" altLang="en-US" smtClean="0"/>
-              <a:t>3/27/16</a:t>
+              <a:t>3/31/16</a:t>
             </a:fld>
             <a:endParaRPr kumimoji="1" lang="zh-CN" altLang="en-US"/>
           </a:p>
@@ -1978,7 +2300,7 @@
           <a:p>
             <a:fld id="{35CD3CBF-F0F6-9241-8A5F-BE64095346A6}" type="datetimeFigureOut">
               <a:rPr kumimoji="1" lang="zh-CN" altLang="en-US" smtClean="0"/>
-              <a:t>3/27/16</a:t>
+              <a:t>3/31/16</a:t>
             </a:fld>
             <a:endParaRPr kumimoji="1" lang="zh-CN" altLang="en-US"/>
           </a:p>
@@ -2255,7 +2577,7 @@
           <a:p>
             <a:fld id="{35CD3CBF-F0F6-9241-8A5F-BE64095346A6}" type="datetimeFigureOut">
               <a:rPr kumimoji="1" lang="zh-CN" altLang="en-US" smtClean="0"/>
-              <a:t>3/27/16</a:t>
+              <a:t>3/31/16</a:t>
             </a:fld>
             <a:endParaRPr kumimoji="1" lang="zh-CN" altLang="en-US"/>
           </a:p>
@@ -2508,7 +2830,7 @@
           <a:p>
             <a:fld id="{35CD3CBF-F0F6-9241-8A5F-BE64095346A6}" type="datetimeFigureOut">
               <a:rPr kumimoji="1" lang="zh-CN" altLang="en-US" smtClean="0"/>
-              <a:t>3/27/16</a:t>
+              <a:t>3/31/16</a:t>
             </a:fld>
             <a:endParaRPr kumimoji="1" lang="zh-CN" altLang="en-US"/>
           </a:p>
@@ -2721,7 +3043,7 @@
           <a:p>
             <a:fld id="{35CD3CBF-F0F6-9241-8A5F-BE64095346A6}" type="datetimeFigureOut">
               <a:rPr kumimoji="1" lang="zh-CN" altLang="en-US" smtClean="0"/>
-              <a:t>3/27/16</a:t>
+              <a:t>3/31/16</a:t>
             </a:fld>
             <a:endParaRPr kumimoji="1" lang="zh-CN" altLang="en-US"/>
           </a:p>
@@ -3159,6 +3481,820 @@
 </p:sld>
 </file>
 
+<file path=ppt/slides/slide10.xml><?xml version="1.0" encoding="utf-8"?>
+<p:sld xmlns:a="http://schemas.openxmlformats.org/drawingml/2006/main" xmlns:r="http://schemas.openxmlformats.org/officeDocument/2006/relationships" xmlns:p="http://schemas.openxmlformats.org/presentationml/2006/main">
+  <p:cSld>
+    <p:spTree>
+      <p:nvGrpSpPr>
+        <p:cNvPr id="1" name=""/>
+        <p:cNvGrpSpPr/>
+        <p:nvPr/>
+      </p:nvGrpSpPr>
+      <p:grpSpPr>
+        <a:xfrm>
+          <a:off x="0" y="0"/>
+          <a:ext cx="0" cy="0"/>
+          <a:chOff x="0" y="0"/>
+          <a:chExt cx="0" cy="0"/>
+        </a:xfrm>
+      </p:grpSpPr>
+      <p:sp>
+        <p:nvSpPr>
+          <p:cNvPr id="2" name="标题 1"/>
+          <p:cNvSpPr>
+            <a:spLocks noGrp="1"/>
+          </p:cNvSpPr>
+          <p:nvPr>
+            <p:ph type="title"/>
+          </p:nvPr>
+        </p:nvSpPr>
+        <p:spPr/>
+        <p:txBody>
+          <a:bodyPr/>
+          <a:lstStyle/>
+          <a:p>
+            <a:r>
+              <a:rPr kumimoji="1" lang="zh-CN" altLang="en-US" dirty="0" smtClean="0"/>
+              <a:t>集群实现</a:t>
+            </a:r>
+            <a:endParaRPr kumimoji="1" lang="zh-CN" altLang="en-US" dirty="0"/>
+          </a:p>
+        </p:txBody>
+      </p:sp>
+      <p:sp>
+        <p:nvSpPr>
+          <p:cNvPr id="3" name="内容占位符 2"/>
+          <p:cNvSpPr>
+            <a:spLocks noGrp="1"/>
+          </p:cNvSpPr>
+          <p:nvPr>
+            <p:ph idx="1"/>
+          </p:nvPr>
+        </p:nvSpPr>
+        <p:spPr/>
+        <p:txBody>
+          <a:bodyPr/>
+          <a:lstStyle/>
+          <a:p>
+            <a:r>
+              <a:rPr kumimoji="1" lang="zh-CN" altLang="en-US" dirty="0" smtClean="0"/>
+              <a:t>单线程</a:t>
+            </a:r>
+            <a:r>
+              <a:rPr kumimoji="1" lang="en-US" altLang="zh-CN" dirty="0" smtClean="0"/>
+              <a:t>-</a:t>
+            </a:r>
+            <a:r>
+              <a:rPr kumimoji="1" lang="zh-CN" altLang="en-US" dirty="0" smtClean="0"/>
+              <a:t>多核服务器</a:t>
+            </a:r>
+            <a:endParaRPr kumimoji="1" lang="en-US" altLang="zh-CN" dirty="0" smtClean="0"/>
+          </a:p>
+          <a:p>
+            <a:r>
+              <a:rPr kumimoji="1" lang="zh-CN" altLang="en-US" dirty="0" smtClean="0"/>
+              <a:t>引入</a:t>
+            </a:r>
+            <a:r>
+              <a:rPr kumimoji="1" lang="en-US" altLang="zh-CN" dirty="0" smtClean="0"/>
+              <a:t>cluster</a:t>
+            </a:r>
+          </a:p>
+          <a:p>
+            <a:r>
+              <a:rPr kumimoji="1" lang="zh-CN" altLang="en-US" dirty="0" smtClean="0"/>
+              <a:t>多台机器</a:t>
+            </a:r>
+            <a:r>
+              <a:rPr kumimoji="1" lang="en-US" altLang="zh-CN" dirty="0" smtClean="0"/>
+              <a:t>cluster</a:t>
+            </a:r>
+            <a:r>
+              <a:rPr kumimoji="1" lang="zh-CN" altLang="en-US" dirty="0" smtClean="0"/>
+              <a:t>，负载均衡</a:t>
+            </a:r>
+            <a:endParaRPr kumimoji="1" lang="en-US" altLang="zh-CN" dirty="0" smtClean="0"/>
+          </a:p>
+          <a:p>
+            <a:r>
+              <a:rPr kumimoji="1" lang="en-US" altLang="zh-CN" dirty="0" err="1" smtClean="0"/>
+              <a:t>Cluster.js</a:t>
+            </a:r>
+            <a:endParaRPr kumimoji="1" lang="en-US" altLang="zh-CN" dirty="0" smtClean="0"/>
+          </a:p>
+          <a:p>
+            <a:endParaRPr kumimoji="1" lang="zh-CN" altLang="en-US" dirty="0"/>
+          </a:p>
+        </p:txBody>
+      </p:sp>
+    </p:spTree>
+    <p:extLst>
+      <p:ext uri="{BB962C8B-B14F-4D97-AF65-F5344CB8AC3E}">
+        <p14:creationId xmlns:p14="http://schemas.microsoft.com/office/powerpoint/2010/main" val="4251629299"/>
+      </p:ext>
+    </p:extLst>
+  </p:cSld>
+  <p:clrMapOvr>
+    <a:masterClrMapping/>
+  </p:clrMapOvr>
+</p:sld>
+</file>
+
+<file path=ppt/slides/slide11.xml><?xml version="1.0" encoding="utf-8"?>
+<p:sld xmlns:a="http://schemas.openxmlformats.org/drawingml/2006/main" xmlns:r="http://schemas.openxmlformats.org/officeDocument/2006/relationships" xmlns:p="http://schemas.openxmlformats.org/presentationml/2006/main">
+  <p:cSld>
+    <p:spTree>
+      <p:nvGrpSpPr>
+        <p:cNvPr id="1" name=""/>
+        <p:cNvGrpSpPr/>
+        <p:nvPr/>
+      </p:nvGrpSpPr>
+      <p:grpSpPr>
+        <a:xfrm>
+          <a:off x="0" y="0"/>
+          <a:ext cx="0" cy="0"/>
+          <a:chOff x="0" y="0"/>
+          <a:chExt cx="0" cy="0"/>
+        </a:xfrm>
+      </p:grpSpPr>
+      <p:sp>
+        <p:nvSpPr>
+          <p:cNvPr id="2" name="标题 1"/>
+          <p:cNvSpPr>
+            <a:spLocks noGrp="1"/>
+          </p:cNvSpPr>
+          <p:nvPr>
+            <p:ph type="title"/>
+          </p:nvPr>
+        </p:nvSpPr>
+        <p:spPr/>
+        <p:txBody>
+          <a:bodyPr/>
+          <a:lstStyle/>
+          <a:p>
+            <a:r>
+              <a:rPr kumimoji="1" lang="en-US" altLang="zh-CN" dirty="0" err="1"/>
+              <a:t>s</a:t>
+            </a:r>
+            <a:r>
+              <a:rPr kumimoji="1" lang="en-US" altLang="zh-CN" dirty="0" err="1" smtClean="0"/>
+              <a:t>ocket.io</a:t>
+            </a:r>
+            <a:endParaRPr kumimoji="1" lang="zh-CN" altLang="en-US" dirty="0"/>
+          </a:p>
+        </p:txBody>
+      </p:sp>
+      <p:sp>
+        <p:nvSpPr>
+          <p:cNvPr id="3" name="内容占位符 2"/>
+          <p:cNvSpPr>
+            <a:spLocks noGrp="1"/>
+          </p:cNvSpPr>
+          <p:nvPr>
+            <p:ph idx="1"/>
+          </p:nvPr>
+        </p:nvSpPr>
+        <p:spPr/>
+        <p:txBody>
+          <a:bodyPr/>
+          <a:lstStyle/>
+          <a:p>
+            <a:r>
+              <a:rPr kumimoji="1" lang="zh-CN" altLang="en-US" dirty="0" smtClean="0"/>
+              <a:t>长连接需求</a:t>
+            </a:r>
+            <a:endParaRPr kumimoji="1" lang="en-US" altLang="zh-CN" dirty="0" smtClean="0"/>
+          </a:p>
+          <a:p>
+            <a:r>
+              <a:rPr kumimoji="1" lang="zh-CN" altLang="en-US" dirty="0" smtClean="0"/>
+              <a:t>绑定</a:t>
+            </a:r>
+            <a:r>
+              <a:rPr kumimoji="1" lang="en-US" altLang="zh-CN" dirty="0" smtClean="0"/>
+              <a:t>web</a:t>
+            </a:r>
+            <a:r>
+              <a:rPr kumimoji="1" lang="zh-CN" altLang="en-US" dirty="0" smtClean="0"/>
+              <a:t>服务</a:t>
+            </a:r>
+            <a:endParaRPr kumimoji="1" lang="en-US" altLang="zh-CN" dirty="0" smtClean="0"/>
+          </a:p>
+          <a:p>
+            <a:r>
+              <a:rPr kumimoji="1" lang="zh-CN" altLang="en-US" dirty="0" smtClean="0"/>
+              <a:t>独立服务</a:t>
+            </a:r>
+            <a:endParaRPr kumimoji="1" lang="en-US" altLang="zh-CN" dirty="0" smtClean="0"/>
+          </a:p>
+          <a:p>
+            <a:r>
+              <a:rPr kumimoji="1" lang="zh-CN" altLang="en-US" dirty="0" smtClean="0"/>
+              <a:t>事件驱动</a:t>
+            </a:r>
+            <a:r>
+              <a:rPr kumimoji="1" lang="en-US" altLang="zh-CN" dirty="0" smtClean="0"/>
+              <a:t>, emit</a:t>
+            </a:r>
+          </a:p>
+          <a:p>
+            <a:r>
+              <a:rPr kumimoji="1" lang="zh-CN" altLang="en-US" dirty="0" smtClean="0"/>
+              <a:t>连接数问题</a:t>
+            </a:r>
+            <a:r>
+              <a:rPr kumimoji="1" lang="en-US" altLang="zh-CN" dirty="0" smtClean="0"/>
+              <a:t>(</a:t>
+            </a:r>
+            <a:r>
+              <a:rPr lang="en-US" altLang="zh-CN" dirty="0" err="1"/>
+              <a:t>ulimit</a:t>
+            </a:r>
+            <a:r>
+              <a:rPr lang="en-US" altLang="zh-CN" dirty="0"/>
+              <a:t> -n</a:t>
+            </a:r>
+            <a:r>
+              <a:rPr kumimoji="1" lang="en-US" altLang="zh-CN" dirty="0" smtClean="0"/>
+              <a:t>)</a:t>
+            </a:r>
+          </a:p>
+          <a:p>
+            <a:r>
+              <a:rPr kumimoji="1" lang="zh-CN" altLang="en-US" dirty="0" smtClean="0"/>
+              <a:t>部署多节点问题（</a:t>
+            </a:r>
+            <a:r>
+              <a:rPr kumimoji="1" lang="en-US" altLang="zh-CN" dirty="0" smtClean="0"/>
+              <a:t>cluster</a:t>
+            </a:r>
+            <a:r>
+              <a:rPr kumimoji="1" lang="zh-CN" altLang="en-US" dirty="0" smtClean="0"/>
+              <a:t>问题，负载）</a:t>
+            </a:r>
+            <a:endParaRPr kumimoji="1" lang="en-US" altLang="zh-CN" dirty="0" smtClean="0"/>
+          </a:p>
+          <a:p>
+            <a:r>
+              <a:rPr kumimoji="1" lang="en-US" altLang="zh-CN" dirty="0" err="1" smtClean="0"/>
+              <a:t>socketExample.js</a:t>
+            </a:r>
+            <a:endParaRPr kumimoji="1" lang="zh-CN" altLang="en-US" dirty="0"/>
+          </a:p>
+        </p:txBody>
+      </p:sp>
+    </p:spTree>
+    <p:extLst>
+      <p:ext uri="{BB962C8B-B14F-4D97-AF65-F5344CB8AC3E}">
+        <p14:creationId xmlns:p14="http://schemas.microsoft.com/office/powerpoint/2010/main" val="304035340"/>
+      </p:ext>
+    </p:extLst>
+  </p:cSld>
+  <p:clrMapOvr>
+    <a:masterClrMapping/>
+  </p:clrMapOvr>
+</p:sld>
+</file>
+
+<file path=ppt/slides/slide12.xml><?xml version="1.0" encoding="utf-8"?>
+<p:sld xmlns:a="http://schemas.openxmlformats.org/drawingml/2006/main" xmlns:r="http://schemas.openxmlformats.org/officeDocument/2006/relationships" xmlns:p="http://schemas.openxmlformats.org/presentationml/2006/main">
+  <p:cSld>
+    <p:spTree>
+      <p:nvGrpSpPr>
+        <p:cNvPr id="1" name=""/>
+        <p:cNvGrpSpPr/>
+        <p:nvPr/>
+      </p:nvGrpSpPr>
+      <p:grpSpPr>
+        <a:xfrm>
+          <a:off x="0" y="0"/>
+          <a:ext cx="0" cy="0"/>
+          <a:chOff x="0" y="0"/>
+          <a:chExt cx="0" cy="0"/>
+        </a:xfrm>
+      </p:grpSpPr>
+      <p:sp>
+        <p:nvSpPr>
+          <p:cNvPr id="2" name="标题 1"/>
+          <p:cNvSpPr>
+            <a:spLocks noGrp="1"/>
+          </p:cNvSpPr>
+          <p:nvPr>
+            <p:ph type="title"/>
+          </p:nvPr>
+        </p:nvSpPr>
+        <p:spPr/>
+        <p:txBody>
+          <a:bodyPr/>
+          <a:lstStyle/>
+          <a:p>
+            <a:r>
+              <a:rPr kumimoji="1" lang="zh-CN" altLang="en-US" dirty="0" smtClean="0"/>
+              <a:t>单元测试</a:t>
+            </a:r>
+            <a:endParaRPr kumimoji="1" lang="zh-CN" altLang="en-US" dirty="0"/>
+          </a:p>
+        </p:txBody>
+      </p:sp>
+      <p:sp>
+        <p:nvSpPr>
+          <p:cNvPr id="3" name="内容占位符 2"/>
+          <p:cNvSpPr>
+            <a:spLocks noGrp="1"/>
+          </p:cNvSpPr>
+          <p:nvPr>
+            <p:ph idx="1"/>
+          </p:nvPr>
+        </p:nvSpPr>
+        <p:spPr/>
+        <p:txBody>
+          <a:bodyPr/>
+          <a:lstStyle/>
+          <a:p>
+            <a:r>
+              <a:rPr kumimoji="1" lang="en-US" altLang="en-US" dirty="0" smtClean="0"/>
+              <a:t>Mocha</a:t>
+            </a:r>
+            <a:r>
+              <a:rPr kumimoji="1" lang="zh-CN" altLang="en-US" dirty="0" smtClean="0"/>
+              <a:t>：</a:t>
+            </a:r>
+            <a:r>
+              <a:rPr kumimoji="1" lang="en-US" altLang="zh-CN" dirty="0" err="1" smtClean="0"/>
+              <a:t>mocha.js</a:t>
+            </a:r>
+            <a:endParaRPr kumimoji="1" lang="en-US" altLang="en-US" dirty="0" smtClean="0"/>
+          </a:p>
+          <a:p>
+            <a:r>
+              <a:rPr kumimoji="1" lang="en-US" altLang="zh-CN" dirty="0" err="1"/>
+              <a:t>a</a:t>
+            </a:r>
+            <a:r>
+              <a:rPr kumimoji="1" lang="en-US" altLang="zh-CN" dirty="0" err="1" smtClean="0"/>
+              <a:t>pi</a:t>
+            </a:r>
+            <a:r>
+              <a:rPr kumimoji="1" lang="zh-CN" altLang="en-US" dirty="0" smtClean="0"/>
+              <a:t>测试</a:t>
+            </a:r>
+            <a:endParaRPr kumimoji="1" lang="en-US" altLang="zh-CN" dirty="0" smtClean="0"/>
+          </a:p>
+          <a:p>
+            <a:r>
+              <a:rPr kumimoji="1" lang="zh-CN" altLang="en-US" dirty="0" smtClean="0"/>
+              <a:t>自动化</a:t>
+            </a:r>
+            <a:r>
+              <a:rPr kumimoji="1" lang="en-US" altLang="zh-CN" dirty="0" smtClean="0"/>
+              <a:t>(</a:t>
+            </a:r>
+            <a:r>
+              <a:rPr kumimoji="1" lang="en-US" altLang="zh-CN" dirty="0" err="1" smtClean="0"/>
+              <a:t>checkin</a:t>
+            </a:r>
+            <a:r>
+              <a:rPr kumimoji="1" lang="en-US" altLang="zh-CN" dirty="0" smtClean="0"/>
+              <a:t>, </a:t>
+            </a:r>
+            <a:r>
+              <a:rPr kumimoji="1" lang="en-US" altLang="zh-CN" dirty="0" err="1" smtClean="0"/>
+              <a:t>crontab</a:t>
+            </a:r>
+            <a:r>
+              <a:rPr kumimoji="1" lang="en-US" altLang="zh-CN" dirty="0" smtClean="0"/>
+              <a:t> and report)</a:t>
+            </a:r>
+            <a:endParaRPr kumimoji="1" lang="en-US" altLang="en-US" dirty="0" smtClean="0"/>
+          </a:p>
+          <a:p>
+            <a:endParaRPr kumimoji="1" lang="zh-CN" altLang="en-US" dirty="0"/>
+          </a:p>
+        </p:txBody>
+      </p:sp>
+    </p:spTree>
+    <p:extLst>
+      <p:ext uri="{BB962C8B-B14F-4D97-AF65-F5344CB8AC3E}">
+        <p14:creationId xmlns:p14="http://schemas.microsoft.com/office/powerpoint/2010/main" val="2009781946"/>
+      </p:ext>
+    </p:extLst>
+  </p:cSld>
+  <p:clrMapOvr>
+    <a:masterClrMapping/>
+  </p:clrMapOvr>
+</p:sld>
+</file>
+
+<file path=ppt/slides/slide13.xml><?xml version="1.0" encoding="utf-8"?>
+<p:sld xmlns:a="http://schemas.openxmlformats.org/drawingml/2006/main" xmlns:r="http://schemas.openxmlformats.org/officeDocument/2006/relationships" xmlns:p="http://schemas.openxmlformats.org/presentationml/2006/main">
+  <p:cSld>
+    <p:spTree>
+      <p:nvGrpSpPr>
+        <p:cNvPr id="1" name=""/>
+        <p:cNvGrpSpPr/>
+        <p:nvPr/>
+      </p:nvGrpSpPr>
+      <p:grpSpPr>
+        <a:xfrm>
+          <a:off x="0" y="0"/>
+          <a:ext cx="0" cy="0"/>
+          <a:chOff x="0" y="0"/>
+          <a:chExt cx="0" cy="0"/>
+        </a:xfrm>
+      </p:grpSpPr>
+      <p:sp>
+        <p:nvSpPr>
+          <p:cNvPr id="2" name="标题 1"/>
+          <p:cNvSpPr>
+            <a:spLocks noGrp="1"/>
+          </p:cNvSpPr>
+          <p:nvPr>
+            <p:ph type="title"/>
+          </p:nvPr>
+        </p:nvSpPr>
+        <p:spPr/>
+        <p:txBody>
+          <a:bodyPr/>
+          <a:lstStyle/>
+          <a:p>
+            <a:r>
+              <a:rPr kumimoji="1" lang="zh-CN" altLang="en-US" dirty="0" smtClean="0"/>
+              <a:t>调试</a:t>
+            </a:r>
+            <a:endParaRPr kumimoji="1" lang="zh-CN" altLang="en-US" dirty="0"/>
+          </a:p>
+        </p:txBody>
+      </p:sp>
+      <p:sp>
+        <p:nvSpPr>
+          <p:cNvPr id="3" name="内容占位符 2"/>
+          <p:cNvSpPr>
+            <a:spLocks noGrp="1"/>
+          </p:cNvSpPr>
+          <p:nvPr>
+            <p:ph idx="1"/>
+          </p:nvPr>
+        </p:nvSpPr>
+        <p:spPr/>
+        <p:txBody>
+          <a:bodyPr/>
+          <a:lstStyle/>
+          <a:p>
+            <a:r>
+              <a:rPr lang="en-US" altLang="zh-CN" dirty="0"/>
+              <a:t>node-</a:t>
+            </a:r>
+            <a:r>
+              <a:rPr lang="en-US" altLang="zh-CN" dirty="0" smtClean="0"/>
+              <a:t>inspector</a:t>
+            </a:r>
+          </a:p>
+          <a:p>
+            <a:r>
+              <a:rPr lang="en-US" altLang="zh-CN" dirty="0"/>
+              <a:t>node --debug </a:t>
+            </a:r>
+            <a:r>
+              <a:rPr lang="en-US" altLang="zh-CN" dirty="0" err="1" smtClean="0"/>
+              <a:t>app.js</a:t>
+            </a:r>
+            <a:endParaRPr lang="en-US" altLang="zh-CN" dirty="0" smtClean="0"/>
+          </a:p>
+          <a:p>
+            <a:r>
+              <a:rPr kumimoji="1" lang="tr-TR" altLang="zh-CN" dirty="0">
+                <a:hlinkClick r:id="rId2"/>
+              </a:rPr>
+              <a:t>http://127.0.0.1:8080/debug?port=</a:t>
+            </a:r>
+            <a:r>
+              <a:rPr kumimoji="1" lang="tr-TR" altLang="zh-CN" dirty="0" smtClean="0">
+                <a:hlinkClick r:id="rId2"/>
+              </a:rPr>
+              <a:t>5858</a:t>
+            </a:r>
+            <a:endParaRPr kumimoji="1" lang="tr-TR" altLang="zh-CN" dirty="0" smtClean="0"/>
+          </a:p>
+          <a:p>
+            <a:endParaRPr kumimoji="1" lang="zh-CN" altLang="en-US" dirty="0"/>
+          </a:p>
+        </p:txBody>
+      </p:sp>
+      <p:pic>
+        <p:nvPicPr>
+          <p:cNvPr id="4" name="图片 3"/>
+          <p:cNvPicPr>
+            <a:picLocks noChangeAspect="1"/>
+          </p:cNvPicPr>
+          <p:nvPr/>
+        </p:nvPicPr>
+        <p:blipFill>
+          <a:blip r:embed="rId3"/>
+          <a:stretch>
+            <a:fillRect/>
+          </a:stretch>
+        </p:blipFill>
+        <p:spPr>
+          <a:xfrm>
+            <a:off x="774701" y="3454400"/>
+            <a:ext cx="5003800" cy="3172394"/>
+          </a:xfrm>
+          <a:prstGeom prst="rect">
+            <a:avLst/>
+          </a:prstGeom>
+        </p:spPr>
+      </p:pic>
+    </p:spTree>
+    <p:extLst>
+      <p:ext uri="{BB962C8B-B14F-4D97-AF65-F5344CB8AC3E}">
+        <p14:creationId xmlns:p14="http://schemas.microsoft.com/office/powerpoint/2010/main" val="818466071"/>
+      </p:ext>
+    </p:extLst>
+  </p:cSld>
+  <p:clrMapOvr>
+    <a:masterClrMapping/>
+  </p:clrMapOvr>
+</p:sld>
+</file>
+
+<file path=ppt/slides/slide14.xml><?xml version="1.0" encoding="utf-8"?>
+<p:sld xmlns:a="http://schemas.openxmlformats.org/drawingml/2006/main" xmlns:r="http://schemas.openxmlformats.org/officeDocument/2006/relationships" xmlns:p="http://schemas.openxmlformats.org/presentationml/2006/main">
+  <p:cSld>
+    <p:spTree>
+      <p:nvGrpSpPr>
+        <p:cNvPr id="1" name=""/>
+        <p:cNvGrpSpPr/>
+        <p:nvPr/>
+      </p:nvGrpSpPr>
+      <p:grpSpPr>
+        <a:xfrm>
+          <a:off x="0" y="0"/>
+          <a:ext cx="0" cy="0"/>
+          <a:chOff x="0" y="0"/>
+          <a:chExt cx="0" cy="0"/>
+        </a:xfrm>
+      </p:grpSpPr>
+      <p:sp>
+        <p:nvSpPr>
+          <p:cNvPr id="2" name="标题 1"/>
+          <p:cNvSpPr>
+            <a:spLocks noGrp="1"/>
+          </p:cNvSpPr>
+          <p:nvPr>
+            <p:ph type="title"/>
+          </p:nvPr>
+        </p:nvSpPr>
+        <p:spPr/>
+        <p:txBody>
+          <a:bodyPr/>
+          <a:lstStyle/>
+          <a:p>
+            <a:r>
+              <a:rPr kumimoji="1" lang="en-US" altLang="zh-CN" dirty="0" err="1" smtClean="0"/>
+              <a:t>node.js</a:t>
+            </a:r>
+            <a:r>
+              <a:rPr kumimoji="1" lang="zh-CN" altLang="en-US" dirty="0" smtClean="0"/>
+              <a:t>的一些坑</a:t>
+            </a:r>
+            <a:endParaRPr kumimoji="1" lang="zh-CN" altLang="en-US" dirty="0"/>
+          </a:p>
+        </p:txBody>
+      </p:sp>
+      <p:sp>
+        <p:nvSpPr>
+          <p:cNvPr id="3" name="内容占位符 2"/>
+          <p:cNvSpPr>
+            <a:spLocks noGrp="1"/>
+          </p:cNvSpPr>
+          <p:nvPr>
+            <p:ph idx="1"/>
+          </p:nvPr>
+        </p:nvSpPr>
+        <p:spPr/>
+        <p:txBody>
+          <a:bodyPr/>
+          <a:lstStyle/>
+          <a:p>
+            <a:r>
+              <a:rPr kumimoji="1" lang="en-US" altLang="zh-CN" dirty="0" err="1" smtClean="0"/>
+              <a:t>uncaughtException</a:t>
+            </a:r>
+            <a:endParaRPr kumimoji="1" lang="en-US" altLang="zh-CN" dirty="0" smtClean="0"/>
+          </a:p>
+          <a:p>
+            <a:r>
+              <a:rPr kumimoji="1" lang="en-US" altLang="zh-CN" dirty="0" smtClean="0"/>
+              <a:t>System killed /</a:t>
+            </a:r>
+            <a:r>
+              <a:rPr kumimoji="1" lang="en-US" altLang="zh-CN" dirty="0" err="1" smtClean="0"/>
+              <a:t>var</a:t>
+            </a:r>
+            <a:r>
+              <a:rPr kumimoji="1" lang="en-US" altLang="zh-CN" dirty="0" smtClean="0"/>
+              <a:t>/log/messages</a:t>
+            </a:r>
+          </a:p>
+          <a:p>
+            <a:r>
+              <a:rPr kumimoji="1" lang="en-US" altLang="zh-CN" dirty="0" err="1"/>
+              <a:t>p</a:t>
+            </a:r>
+            <a:r>
+              <a:rPr kumimoji="1" lang="en-US" altLang="zh-CN" dirty="0" err="1" smtClean="0"/>
+              <a:t>stack</a:t>
+            </a:r>
+            <a:endParaRPr kumimoji="1" lang="en-US" altLang="zh-CN" dirty="0" smtClean="0"/>
+          </a:p>
+          <a:p>
+            <a:r>
+              <a:rPr kumimoji="1" lang="en-US" altLang="zh-CN" dirty="0" err="1" smtClean="0"/>
+              <a:t>Heapdump</a:t>
+            </a:r>
+            <a:r>
+              <a:rPr kumimoji="1" lang="en-US" altLang="zh-CN" dirty="0" smtClean="0"/>
+              <a:t> </a:t>
+            </a:r>
+            <a:r>
+              <a:rPr kumimoji="1" lang="zh-CN" altLang="en-US" dirty="0" smtClean="0"/>
+              <a:t>内存泄露分析</a:t>
+            </a:r>
+            <a:endParaRPr kumimoji="1" lang="en-US" altLang="zh-CN" dirty="0" smtClean="0"/>
+          </a:p>
+          <a:p>
+            <a:r>
+              <a:rPr kumimoji="1" lang="zh-CN" altLang="en-US" dirty="0" smtClean="0"/>
+              <a:t>闭包问题</a:t>
+            </a:r>
+            <a:r>
+              <a:rPr kumimoji="1" lang="en-US" altLang="zh-CN" dirty="0" smtClean="0"/>
+              <a:t>:</a:t>
+            </a:r>
+            <a:r>
+              <a:rPr kumimoji="1" lang="en-US" altLang="zh-CN" dirty="0" err="1" smtClean="0"/>
+              <a:t>closures.js</a:t>
+            </a:r>
+            <a:endParaRPr kumimoji="1" lang="en-US" altLang="zh-CN" dirty="0" smtClean="0"/>
+          </a:p>
+        </p:txBody>
+      </p:sp>
+    </p:spTree>
+    <p:extLst>
+      <p:ext uri="{BB962C8B-B14F-4D97-AF65-F5344CB8AC3E}">
+        <p14:creationId xmlns:p14="http://schemas.microsoft.com/office/powerpoint/2010/main" val="2970422303"/>
+      </p:ext>
+    </p:extLst>
+  </p:cSld>
+  <p:clrMapOvr>
+    <a:masterClrMapping/>
+  </p:clrMapOvr>
+</p:sld>
+</file>
+
+<file path=ppt/slides/slide15.xml><?xml version="1.0" encoding="utf-8"?>
+<p:sld xmlns:a="http://schemas.openxmlformats.org/drawingml/2006/main" xmlns:r="http://schemas.openxmlformats.org/officeDocument/2006/relationships" xmlns:p="http://schemas.openxmlformats.org/presentationml/2006/main">
+  <p:cSld>
+    <p:spTree>
+      <p:nvGrpSpPr>
+        <p:cNvPr id="1" name=""/>
+        <p:cNvGrpSpPr/>
+        <p:nvPr/>
+      </p:nvGrpSpPr>
+      <p:grpSpPr>
+        <a:xfrm>
+          <a:off x="0" y="0"/>
+          <a:ext cx="0" cy="0"/>
+          <a:chOff x="0" y="0"/>
+          <a:chExt cx="0" cy="0"/>
+        </a:xfrm>
+      </p:grpSpPr>
+      <p:sp>
+        <p:nvSpPr>
+          <p:cNvPr id="2" name="标题 1"/>
+          <p:cNvSpPr>
+            <a:spLocks noGrp="1"/>
+          </p:cNvSpPr>
+          <p:nvPr>
+            <p:ph type="title"/>
+          </p:nvPr>
+        </p:nvSpPr>
+        <p:spPr/>
+        <p:txBody>
+          <a:bodyPr>
+            <a:normAutofit/>
+          </a:bodyPr>
+          <a:lstStyle/>
+          <a:p>
+            <a:r>
+              <a:rPr kumimoji="1" lang="zh-CN" altLang="en-US" dirty="0" smtClean="0"/>
+              <a:t>可引入本币的建议</a:t>
+            </a:r>
+            <a:endParaRPr kumimoji="1" lang="zh-CN" altLang="en-US" dirty="0"/>
+          </a:p>
+        </p:txBody>
+      </p:sp>
+      <p:sp>
+        <p:nvSpPr>
+          <p:cNvPr id="3" name="内容占位符 2"/>
+          <p:cNvSpPr>
+            <a:spLocks noGrp="1"/>
+          </p:cNvSpPr>
+          <p:nvPr>
+            <p:ph idx="1"/>
+          </p:nvPr>
+        </p:nvSpPr>
+        <p:spPr/>
+        <p:txBody>
+          <a:bodyPr/>
+          <a:lstStyle/>
+          <a:p>
+            <a:r>
+              <a:rPr kumimoji="1" lang="en-US" altLang="en-US" dirty="0" smtClean="0"/>
+              <a:t>多个独立条件的验证（并发）</a:t>
+            </a:r>
+          </a:p>
+          <a:p>
+            <a:r>
+              <a:rPr kumimoji="1" lang="en-US" altLang="en-US" dirty="0" smtClean="0"/>
+              <a:t>大规模接入服务（资源消耗低</a:t>
+            </a:r>
+            <a:r>
+              <a:rPr kumimoji="1" lang="en-US" altLang="en-US" dirty="0" smtClean="0"/>
+              <a:t>，性能</a:t>
+            </a:r>
+            <a:r>
+              <a:rPr kumimoji="1" lang="en-US" altLang="en-US" dirty="0" smtClean="0"/>
+              <a:t>）</a:t>
+            </a:r>
+          </a:p>
+          <a:p>
+            <a:r>
+              <a:rPr kumimoji="1" lang="zh-CN" altLang="en-US" dirty="0" smtClean="0"/>
+              <a:t>查询类开发效率</a:t>
+            </a:r>
+            <a:endParaRPr kumimoji="1" lang="en-US" altLang="zh-CN" dirty="0" smtClean="0"/>
+          </a:p>
+          <a:p>
+            <a:r>
+              <a:rPr kumimoji="1" lang="en-US" altLang="zh-CN" dirty="0" smtClean="0"/>
+              <a:t>Web</a:t>
+            </a:r>
+            <a:r>
+              <a:rPr kumimoji="1" lang="zh-CN" altLang="en-US" dirty="0" smtClean="0"/>
+              <a:t> </a:t>
+            </a:r>
+            <a:r>
+              <a:rPr kumimoji="1" lang="en-US" altLang="zh-CN" dirty="0" smtClean="0"/>
+              <a:t>API</a:t>
+            </a:r>
+            <a:r>
+              <a:rPr kumimoji="1" lang="zh-CN" altLang="en-US" dirty="0" smtClean="0"/>
+              <a:t>，前后端业务逻辑分离</a:t>
+            </a:r>
+            <a:endParaRPr kumimoji="1" lang="en-US" altLang="zh-CN" dirty="0" smtClean="0"/>
+          </a:p>
+          <a:p>
+            <a:r>
+              <a:rPr kumimoji="1" lang="en-US" altLang="en-US" dirty="0" smtClean="0"/>
+              <a:t>HTML</a:t>
+            </a:r>
+            <a:r>
+              <a:rPr kumimoji="1" lang="en-US" altLang="zh-CN" dirty="0" smtClean="0"/>
+              <a:t>5</a:t>
+            </a:r>
+            <a:r>
+              <a:rPr kumimoji="1" lang="zh-CN" altLang="en-US" dirty="0" smtClean="0"/>
+              <a:t>，</a:t>
+            </a:r>
+            <a:r>
+              <a:rPr kumimoji="1" lang="en-US" altLang="zh-CN" dirty="0" smtClean="0"/>
+              <a:t>SPA</a:t>
+            </a:r>
+            <a:r>
+              <a:rPr kumimoji="1" lang="zh-CN" altLang="en-US" dirty="0" smtClean="0"/>
+              <a:t>前后端代码统一</a:t>
+            </a:r>
+            <a:endParaRPr kumimoji="1" lang="en-US" altLang="en-US" dirty="0" smtClean="0"/>
+          </a:p>
+          <a:p>
+            <a:endParaRPr kumimoji="1" lang="zh-CN" altLang="en-US" dirty="0"/>
+          </a:p>
+        </p:txBody>
+      </p:sp>
+    </p:spTree>
+    <p:extLst>
+      <p:ext uri="{BB962C8B-B14F-4D97-AF65-F5344CB8AC3E}">
+        <p14:creationId xmlns:p14="http://schemas.microsoft.com/office/powerpoint/2010/main" val="4095755232"/>
+      </p:ext>
+    </p:extLst>
+  </p:cSld>
+  <p:clrMapOvr>
+    <a:masterClrMapping/>
+  </p:clrMapOvr>
+</p:sld>
+</file>
+
 <file path=ppt/slides/slide2.xml><?xml version="1.0" encoding="utf-8"?>
 <p:sld xmlns:a="http://schemas.openxmlformats.org/drawingml/2006/main" xmlns:r="http://schemas.openxmlformats.org/officeDocument/2006/relationships" xmlns:p="http://schemas.openxmlformats.org/presentationml/2006/main">
   <p:cSld>
@@ -3230,6 +4366,25 @@
               <a:rPr kumimoji="1" lang="en-US" altLang="en-US" dirty="0" err="1" smtClean="0"/>
               <a:t>构建于JavaScript上</a:t>
             </a:r>
+            <a:endParaRPr kumimoji="1" lang="en-US" altLang="en-US" dirty="0" smtClean="0"/>
+          </a:p>
+          <a:p>
+            <a:r>
+              <a:rPr kumimoji="1" lang="en-US" altLang="zh-CN" dirty="0" smtClean="0"/>
+              <a:t>Chrome</a:t>
+            </a:r>
+            <a:r>
+              <a:rPr kumimoji="1" lang="zh-CN" altLang="en-US" dirty="0" smtClean="0"/>
+              <a:t>的</a:t>
+            </a:r>
+            <a:r>
+              <a:rPr kumimoji="1" lang="en-US" altLang="zh-CN" dirty="0" smtClean="0"/>
+              <a:t>V8</a:t>
+            </a:r>
+            <a:r>
+              <a:rPr kumimoji="1" lang="zh-CN" altLang="en-US" dirty="0" smtClean="0"/>
+              <a:t>引擎作为内核</a:t>
+            </a:r>
             <a:endParaRPr kumimoji="1" lang="en-US" altLang="zh-CN" dirty="0" smtClean="0"/>
           </a:p>
           <a:p>
@@ -3250,6 +4405,28 @@
             <a:r>
               <a:rPr kumimoji="1" lang="zh-CN" altLang="en-US" dirty="0" smtClean="0"/>
               <a:t>事件触发</a:t>
+            </a:r>
+            <a:endParaRPr kumimoji="1" lang="en-US" altLang="zh-CN" dirty="0" smtClean="0"/>
+          </a:p>
+          <a:p>
+            <a:r>
+              <a:rPr kumimoji="1" lang="zh-CN" altLang="en-US" dirty="0" smtClean="0"/>
+              <a:t>简单，快</a:t>
+            </a:r>
+            <a:endParaRPr kumimoji="1" lang="en-US" altLang="zh-CN" dirty="0" smtClean="0"/>
+          </a:p>
+          <a:p>
+            <a:r>
+              <a:rPr kumimoji="1" lang="zh-CN" altLang="en-US" dirty="0" smtClean="0"/>
+              <a:t>示例代码</a:t>
+            </a:r>
+            <a:r>
+              <a:rPr kumimoji="1" lang="en-US" altLang="zh-CN" dirty="0" smtClean="0"/>
+              <a:t>:</a:t>
+            </a:r>
+            <a:r>
+              <a:rPr kumimoji="1" lang="en-US" altLang="zh-CN" dirty="0" err="1" smtClean="0"/>
+              <a:t>firstTest.js</a:t>
             </a:r>
             <a:endParaRPr kumimoji="1" lang="zh-CN" altLang="en-US" dirty="0"/>
           </a:p>
@@ -3259,6 +4436,955 @@
     <p:extLst>
       <p:ext uri="{BB962C8B-B14F-4D97-AF65-F5344CB8AC3E}">
         <p14:creationId xmlns:p14="http://schemas.microsoft.com/office/powerpoint/2010/main" val="2198223169"/>
+      </p:ext>
+    </p:extLst>
+  </p:cSld>
+  <p:clrMapOvr>
+    <a:masterClrMapping/>
+  </p:clrMapOvr>
+</p:sld>
+</file>
+
+<file path=ppt/slides/slide3.xml><?xml version="1.0" encoding="utf-8"?>
+<p:sld xmlns:a="http://schemas.openxmlformats.org/drawingml/2006/main" xmlns:r="http://schemas.openxmlformats.org/officeDocument/2006/relationships" xmlns:p="http://schemas.openxmlformats.org/presentationml/2006/main">
+  <p:cSld>
+    <p:spTree>
+      <p:nvGrpSpPr>
+        <p:cNvPr id="1" name=""/>
+        <p:cNvGrpSpPr/>
+        <p:nvPr/>
+      </p:nvGrpSpPr>
+      <p:grpSpPr>
+        <a:xfrm>
+          <a:off x="0" y="0"/>
+          <a:ext cx="0" cy="0"/>
+          <a:chOff x="0" y="0"/>
+          <a:chExt cx="0" cy="0"/>
+        </a:xfrm>
+      </p:grpSpPr>
+      <p:sp>
+        <p:nvSpPr>
+          <p:cNvPr id="2" name="标题 1"/>
+          <p:cNvSpPr>
+            <a:spLocks noGrp="1"/>
+          </p:cNvSpPr>
+          <p:nvPr>
+            <p:ph type="title"/>
+          </p:nvPr>
+        </p:nvSpPr>
+        <p:spPr/>
+        <p:txBody>
+          <a:bodyPr/>
+          <a:lstStyle/>
+          <a:p>
+            <a:r>
+              <a:rPr kumimoji="1" lang="en-US" altLang="zh-CN" dirty="0" err="1" smtClean="0"/>
+              <a:t>node.js</a:t>
+            </a:r>
+            <a:r>
+              <a:rPr kumimoji="1" lang="zh-CN" altLang="en-US" dirty="0" smtClean="0"/>
+              <a:t>用来做什么？</a:t>
+            </a:r>
+            <a:endParaRPr kumimoji="1" lang="zh-CN" altLang="en-US" dirty="0"/>
+          </a:p>
+        </p:txBody>
+      </p:sp>
+      <p:sp>
+        <p:nvSpPr>
+          <p:cNvPr id="3" name="内容占位符 2"/>
+          <p:cNvSpPr>
+            <a:spLocks noGrp="1"/>
+          </p:cNvSpPr>
+          <p:nvPr>
+            <p:ph idx="1"/>
+          </p:nvPr>
+        </p:nvSpPr>
+        <p:spPr/>
+        <p:txBody>
+          <a:bodyPr/>
+          <a:lstStyle/>
+          <a:p>
+            <a:r>
+              <a:rPr kumimoji="1" lang="zh-CN" altLang="en-US" dirty="0" smtClean="0"/>
+              <a:t>适合做什么</a:t>
+            </a:r>
+            <a:endParaRPr kumimoji="1" lang="en-US" altLang="zh-CN" dirty="0" smtClean="0"/>
+          </a:p>
+          <a:p>
+            <a:r>
+              <a:rPr kumimoji="1" lang="zh-CN" altLang="en-US" dirty="0" smtClean="0"/>
+              <a:t>不适合做什么</a:t>
+            </a:r>
+            <a:endParaRPr kumimoji="1" lang="zh-CN" altLang="en-US" dirty="0"/>
+          </a:p>
+        </p:txBody>
+      </p:sp>
+    </p:spTree>
+    <p:extLst>
+      <p:ext uri="{BB962C8B-B14F-4D97-AF65-F5344CB8AC3E}">
+        <p14:creationId xmlns:p14="http://schemas.microsoft.com/office/powerpoint/2010/main" val="808015901"/>
+      </p:ext>
+    </p:extLst>
+  </p:cSld>
+  <p:clrMapOvr>
+    <a:masterClrMapping/>
+  </p:clrMapOvr>
+</p:sld>
+</file>
+
+<file path=ppt/slides/slide4.xml><?xml version="1.0" encoding="utf-8"?>
+<p:sld xmlns:a="http://schemas.openxmlformats.org/drawingml/2006/main" xmlns:r="http://schemas.openxmlformats.org/officeDocument/2006/relationships" xmlns:p="http://schemas.openxmlformats.org/presentationml/2006/main">
+  <p:cSld>
+    <p:spTree>
+      <p:nvGrpSpPr>
+        <p:cNvPr id="1" name=""/>
+        <p:cNvGrpSpPr/>
+        <p:nvPr/>
+      </p:nvGrpSpPr>
+      <p:grpSpPr>
+        <a:xfrm>
+          <a:off x="0" y="0"/>
+          <a:ext cx="0" cy="0"/>
+          <a:chOff x="0" y="0"/>
+          <a:chExt cx="0" cy="0"/>
+        </a:xfrm>
+      </p:grpSpPr>
+      <p:sp>
+        <p:nvSpPr>
+          <p:cNvPr id="2" name="标题 1"/>
+          <p:cNvSpPr>
+            <a:spLocks noGrp="1"/>
+          </p:cNvSpPr>
+          <p:nvPr>
+            <p:ph type="title"/>
+          </p:nvPr>
+        </p:nvSpPr>
+        <p:spPr/>
+        <p:txBody>
+          <a:bodyPr/>
+          <a:lstStyle/>
+          <a:p>
+            <a:r>
+              <a:rPr kumimoji="1" lang="zh-CN" altLang="en-US" dirty="0" smtClean="0"/>
+              <a:t>可能是最简单的</a:t>
+            </a:r>
+            <a:r>
+              <a:rPr kumimoji="1" lang="en-US" altLang="zh-CN" dirty="0" smtClean="0"/>
+              <a:t>http</a:t>
+            </a:r>
+            <a:r>
+              <a:rPr kumimoji="1" lang="zh-CN" altLang="en-US" dirty="0" smtClean="0"/>
+              <a:t>服务器</a:t>
+            </a:r>
+            <a:endParaRPr kumimoji="1" lang="zh-CN" altLang="en-US" dirty="0"/>
+          </a:p>
+        </p:txBody>
+      </p:sp>
+      <p:sp>
+        <p:nvSpPr>
+          <p:cNvPr id="3" name="内容占位符 2"/>
+          <p:cNvSpPr>
+            <a:spLocks noGrp="1"/>
+          </p:cNvSpPr>
+          <p:nvPr>
+            <p:ph idx="1"/>
+          </p:nvPr>
+        </p:nvSpPr>
+        <p:spPr/>
+        <p:txBody>
+          <a:bodyPr/>
+          <a:lstStyle/>
+          <a:p>
+            <a:r>
+              <a:rPr kumimoji="1" lang="en-US" altLang="en-US" dirty="0" err="1" smtClean="0"/>
+              <a:t>内置http服务器</a:t>
+            </a:r>
+            <a:endParaRPr kumimoji="1" lang="en-US" altLang="en-US" dirty="0" smtClean="0"/>
+          </a:p>
+          <a:p>
+            <a:r>
+              <a:rPr kumimoji="1" lang="en-US" altLang="en-US" dirty="0" err="1" smtClean="0"/>
+              <a:t>示例代码http.js</a:t>
+            </a:r>
+            <a:endParaRPr kumimoji="1" lang="zh-CN" altLang="en-US" dirty="0"/>
+          </a:p>
+        </p:txBody>
+      </p:sp>
+    </p:spTree>
+    <p:extLst>
+      <p:ext uri="{BB962C8B-B14F-4D97-AF65-F5344CB8AC3E}">
+        <p14:creationId xmlns:p14="http://schemas.microsoft.com/office/powerpoint/2010/main" val="485519517"/>
+      </p:ext>
+    </p:extLst>
+  </p:cSld>
+  <p:clrMapOvr>
+    <a:masterClrMapping/>
+  </p:clrMapOvr>
+</p:sld>
+</file>
+
+<file path=ppt/slides/slide5.xml><?xml version="1.0" encoding="utf-8"?>
+<p:sld xmlns:a="http://schemas.openxmlformats.org/drawingml/2006/main" xmlns:r="http://schemas.openxmlformats.org/officeDocument/2006/relationships" xmlns:p="http://schemas.openxmlformats.org/presentationml/2006/main">
+  <p:cSld>
+    <p:spTree>
+      <p:nvGrpSpPr>
+        <p:cNvPr id="1" name=""/>
+        <p:cNvGrpSpPr/>
+        <p:nvPr/>
+      </p:nvGrpSpPr>
+      <p:grpSpPr>
+        <a:xfrm>
+          <a:off x="0" y="0"/>
+          <a:ext cx="0" cy="0"/>
+          <a:chOff x="0" y="0"/>
+          <a:chExt cx="0" cy="0"/>
+        </a:xfrm>
+      </p:grpSpPr>
+      <p:sp>
+        <p:nvSpPr>
+          <p:cNvPr id="2" name="标题 1"/>
+          <p:cNvSpPr>
+            <a:spLocks noGrp="1"/>
+          </p:cNvSpPr>
+          <p:nvPr>
+            <p:ph type="title"/>
+          </p:nvPr>
+        </p:nvSpPr>
+        <p:spPr/>
+        <p:txBody>
+          <a:bodyPr/>
+          <a:lstStyle/>
+          <a:p>
+            <a:r>
+              <a:rPr kumimoji="1" lang="zh-CN" altLang="en-US" dirty="0" smtClean="0"/>
+              <a:t>模块机制</a:t>
+            </a:r>
+            <a:endParaRPr kumimoji="1" lang="zh-CN" altLang="en-US" dirty="0"/>
+          </a:p>
+        </p:txBody>
+      </p:sp>
+      <p:sp>
+        <p:nvSpPr>
+          <p:cNvPr id="3" name="内容占位符 2"/>
+          <p:cNvSpPr>
+            <a:spLocks noGrp="1"/>
+          </p:cNvSpPr>
+          <p:nvPr>
+            <p:ph idx="1"/>
+          </p:nvPr>
+        </p:nvSpPr>
+        <p:spPr/>
+        <p:txBody>
+          <a:bodyPr>
+            <a:normAutofit fontScale="92500" lnSpcReduction="10000"/>
+          </a:bodyPr>
+          <a:lstStyle/>
+          <a:p>
+            <a:r>
+              <a:rPr kumimoji="1" lang="zh-CN" altLang="en-US" dirty="0" smtClean="0"/>
+              <a:t>模块引用</a:t>
+            </a:r>
+            <a:r>
+              <a:rPr kumimoji="1" lang="en-US" altLang="zh-CN" dirty="0" smtClean="0"/>
+              <a:t>-require</a:t>
+            </a:r>
+          </a:p>
+          <a:p>
+            <a:r>
+              <a:rPr kumimoji="1" lang="zh-CN" altLang="en-US" dirty="0" smtClean="0"/>
+              <a:t>定义一个</a:t>
+            </a:r>
+            <a:r>
+              <a:rPr kumimoji="1" lang="en-US" altLang="zh-CN" dirty="0" smtClean="0"/>
+              <a:t>node</a:t>
+            </a:r>
+            <a:r>
+              <a:rPr kumimoji="1" lang="zh-CN" altLang="en-US" dirty="0" smtClean="0"/>
+              <a:t>模块</a:t>
+            </a:r>
+            <a:r>
+              <a:rPr kumimoji="1" lang="en-US" altLang="zh-CN" dirty="0" smtClean="0"/>
+              <a:t>:testRequire1.js</a:t>
+            </a:r>
+            <a:r>
+              <a:rPr kumimoji="1" lang="zh-CN" altLang="en-US" dirty="0" smtClean="0"/>
+              <a:t>，</a:t>
+            </a:r>
+            <a:r>
+              <a:rPr kumimoji="1" lang="en-US" altLang="zh-CN" dirty="0" err="1" smtClean="0"/>
+              <a:t>testRequireMain.js</a:t>
+            </a:r>
+            <a:endParaRPr kumimoji="1" lang="en-US" altLang="zh-CN" dirty="0" smtClean="0"/>
+          </a:p>
+          <a:p>
+            <a:r>
+              <a:rPr kumimoji="1" lang="en-US" altLang="zh-CN" dirty="0" smtClean="0"/>
+              <a:t>exports</a:t>
+            </a:r>
+            <a:r>
+              <a:rPr kumimoji="1" lang="zh-CN" altLang="en-US" dirty="0" smtClean="0"/>
+              <a:t>和</a:t>
+            </a:r>
+            <a:r>
+              <a:rPr kumimoji="1" lang="en-US" altLang="zh-CN" dirty="0" smtClean="0"/>
+              <a:t>module.exports:test5.js, test6.js</a:t>
+            </a:r>
+          </a:p>
+          <a:p>
+            <a:r>
+              <a:rPr kumimoji="1" lang="zh-CN" altLang="en-US" dirty="0" smtClean="0"/>
+              <a:t>模块寻址路径</a:t>
+            </a:r>
+            <a:r>
+              <a:rPr kumimoji="1" lang="en-US" altLang="zh-CN" dirty="0" smtClean="0"/>
+              <a:t>-</a:t>
+            </a:r>
+            <a:r>
+              <a:rPr kumimoji="1" lang="zh-CN" altLang="en-US" dirty="0" smtClean="0"/>
+              <a:t>同级目录</a:t>
+            </a:r>
+            <a:r>
+              <a:rPr kumimoji="1" lang="en-US" altLang="zh-CN" dirty="0" smtClean="0"/>
+              <a:t>-</a:t>
+            </a:r>
+            <a:r>
+              <a:rPr kumimoji="1" lang="zh-CN" altLang="en-US" dirty="0" smtClean="0"/>
+              <a:t>当前目录</a:t>
+            </a:r>
+            <a:r>
+              <a:rPr kumimoji="1" lang="en-US" altLang="zh-CN" dirty="0" err="1" smtClean="0"/>
+              <a:t>node_modules</a:t>
+            </a:r>
+            <a:r>
+              <a:rPr kumimoji="1" lang="zh-CN" altLang="en-US" dirty="0" smtClean="0"/>
+              <a:t>目录</a:t>
+            </a:r>
+            <a:r>
+              <a:rPr kumimoji="1" lang="en-US" altLang="zh-CN" dirty="0" smtClean="0"/>
+              <a:t>-</a:t>
+            </a:r>
+            <a:r>
+              <a:rPr kumimoji="1" lang="zh-CN" altLang="en-US" dirty="0" smtClean="0"/>
+              <a:t>父目录</a:t>
+            </a:r>
+            <a:r>
+              <a:rPr kumimoji="1" lang="en-US" altLang="zh-CN" dirty="0" smtClean="0"/>
+              <a:t>-</a:t>
+            </a:r>
+            <a:r>
+              <a:rPr kumimoji="1" lang="zh-CN" altLang="en-US" dirty="0" smtClean="0"/>
+              <a:t>环境变量</a:t>
+            </a:r>
+            <a:r>
+              <a:rPr kumimoji="1" lang="en-US" altLang="zh-CN" dirty="0" smtClean="0"/>
+              <a:t>NODE_PATH</a:t>
+            </a:r>
+            <a:r>
+              <a:rPr kumimoji="1" lang="zh-CN" altLang="en-US" dirty="0" smtClean="0"/>
+              <a:t>指定目录下</a:t>
+            </a:r>
+            <a:endParaRPr kumimoji="1" lang="en-US" altLang="zh-CN" dirty="0" smtClean="0"/>
+          </a:p>
+          <a:p>
+            <a:r>
+              <a:rPr kumimoji="1" lang="en-US" altLang="zh-CN" dirty="0" err="1"/>
+              <a:t>n</a:t>
+            </a:r>
+            <a:r>
+              <a:rPr kumimoji="1" lang="en-US" altLang="zh-CN" dirty="0" err="1" smtClean="0"/>
+              <a:t>pm</a:t>
+            </a:r>
+            <a:r>
+              <a:rPr kumimoji="1" lang="zh-CN" altLang="en-US" dirty="0" smtClean="0"/>
+              <a:t>包管理器</a:t>
+            </a:r>
+            <a:r>
+              <a:rPr kumimoji="1" lang="en-US" altLang="zh-CN" dirty="0" smtClean="0"/>
+              <a:t>-</a:t>
+            </a:r>
+            <a:r>
+              <a:rPr kumimoji="1" lang="zh-CN" altLang="en-US" dirty="0" smtClean="0"/>
+              <a:t>所有开源模块的仓库</a:t>
+            </a:r>
+            <a:r>
+              <a:rPr kumimoji="1" lang="en-US" altLang="zh-CN" dirty="0" smtClean="0"/>
+              <a:t>(</a:t>
+            </a:r>
+            <a:r>
+              <a:rPr kumimoji="1" lang="en-US" altLang="zh-CN" dirty="0" err="1" smtClean="0"/>
+              <a:t>npm</a:t>
+            </a:r>
+            <a:r>
+              <a:rPr kumimoji="1" lang="en-US" altLang="zh-CN" dirty="0" smtClean="0"/>
+              <a:t> install </a:t>
+            </a:r>
+            <a:r>
+              <a:rPr kumimoji="1" lang="en-US" altLang="zh-CN" dirty="0" err="1" smtClean="0"/>
+              <a:t>modulename;npm</a:t>
+            </a:r>
+            <a:r>
+              <a:rPr kumimoji="1" lang="en-US" altLang="zh-CN" dirty="0" smtClean="0"/>
+              <a:t> install </a:t>
+            </a:r>
+            <a:r>
+              <a:rPr kumimoji="1" lang="en-US" altLang="zh-CN" dirty="0" err="1" smtClean="0"/>
+              <a:t>modulename</a:t>
+            </a:r>
+            <a:r>
+              <a:rPr kumimoji="1" lang="en-US" altLang="zh-CN" dirty="0" smtClean="0"/>
+              <a:t> -g)</a:t>
+            </a:r>
+          </a:p>
+        </p:txBody>
+      </p:sp>
+    </p:spTree>
+    <p:extLst>
+      <p:ext uri="{BB962C8B-B14F-4D97-AF65-F5344CB8AC3E}">
+        <p14:creationId xmlns:p14="http://schemas.microsoft.com/office/powerpoint/2010/main" val="329036435"/>
+      </p:ext>
+    </p:extLst>
+  </p:cSld>
+  <p:clrMapOvr>
+    <a:masterClrMapping/>
+  </p:clrMapOvr>
+</p:sld>
+</file>
+
+<file path=ppt/slides/slide6.xml><?xml version="1.0" encoding="utf-8"?>
+<p:sld xmlns:a="http://schemas.openxmlformats.org/drawingml/2006/main" xmlns:r="http://schemas.openxmlformats.org/officeDocument/2006/relationships" xmlns:p="http://schemas.openxmlformats.org/presentationml/2006/main">
+  <p:cSld>
+    <p:spTree>
+      <p:nvGrpSpPr>
+        <p:cNvPr id="1" name=""/>
+        <p:cNvGrpSpPr/>
+        <p:nvPr/>
+      </p:nvGrpSpPr>
+      <p:grpSpPr>
+        <a:xfrm>
+          <a:off x="0" y="0"/>
+          <a:ext cx="0" cy="0"/>
+          <a:chOff x="0" y="0"/>
+          <a:chExt cx="0" cy="0"/>
+        </a:xfrm>
+      </p:grpSpPr>
+      <p:sp>
+        <p:nvSpPr>
+          <p:cNvPr id="2" name="标题 1"/>
+          <p:cNvSpPr>
+            <a:spLocks noGrp="1"/>
+          </p:cNvSpPr>
+          <p:nvPr>
+            <p:ph type="title"/>
+          </p:nvPr>
+        </p:nvSpPr>
+        <p:spPr/>
+        <p:txBody>
+          <a:bodyPr/>
+          <a:lstStyle/>
+          <a:p>
+            <a:r>
+              <a:rPr kumimoji="1" lang="en-US" altLang="zh-CN" dirty="0" err="1" smtClean="0"/>
+              <a:t>node.js</a:t>
+            </a:r>
+            <a:r>
+              <a:rPr kumimoji="1" lang="zh-CN" altLang="en-US" dirty="0" smtClean="0"/>
+              <a:t>访问数据</a:t>
+            </a:r>
+            <a:endParaRPr kumimoji="1" lang="zh-CN" altLang="en-US" dirty="0"/>
+          </a:p>
+        </p:txBody>
+      </p:sp>
+      <p:sp>
+        <p:nvSpPr>
+          <p:cNvPr id="3" name="内容占位符 2"/>
+          <p:cNvSpPr>
+            <a:spLocks noGrp="1"/>
+          </p:cNvSpPr>
+          <p:nvPr>
+            <p:ph idx="1"/>
+          </p:nvPr>
+        </p:nvSpPr>
+        <p:spPr/>
+        <p:txBody>
+          <a:bodyPr/>
+          <a:lstStyle/>
+          <a:p>
+            <a:r>
+              <a:rPr kumimoji="1" lang="zh-CN" altLang="en-US" dirty="0" smtClean="0"/>
+              <a:t>文件</a:t>
+            </a:r>
+            <a:r>
+              <a:rPr kumimoji="1" lang="en-US" altLang="zh-CN" dirty="0"/>
+              <a:t>,</a:t>
+            </a:r>
+            <a:r>
+              <a:rPr kumimoji="1" lang="en-US" altLang="zh-CN" dirty="0" smtClean="0"/>
+              <a:t>require(‘</a:t>
+            </a:r>
+            <a:r>
+              <a:rPr kumimoji="1" lang="en-US" altLang="zh-CN" dirty="0" err="1" smtClean="0"/>
+              <a:t>fs</a:t>
+            </a:r>
+            <a:r>
+              <a:rPr kumimoji="1" lang="en-US" altLang="zh-CN" dirty="0" smtClean="0"/>
+              <a:t>’),</a:t>
+            </a:r>
+            <a:r>
+              <a:rPr kumimoji="1" lang="zh-CN" altLang="en-US" dirty="0" smtClean="0"/>
+              <a:t>文件读写，文件流读写，文件基本操作</a:t>
+            </a:r>
+            <a:endParaRPr kumimoji="1" lang="en-US" altLang="zh-CN" dirty="0" smtClean="0"/>
+          </a:p>
+          <a:p>
+            <a:r>
+              <a:rPr kumimoji="1" lang="zh-CN" altLang="en-US" dirty="0" smtClean="0"/>
+              <a:t>数据库</a:t>
+            </a:r>
+            <a:r>
+              <a:rPr kumimoji="1" lang="en-US" altLang="zh-CN" dirty="0" err="1" smtClean="0"/>
+              <a:t>mysql,oracle</a:t>
+            </a:r>
+            <a:r>
+              <a:rPr kumimoji="1" lang="en-US" altLang="zh-CN" dirty="0" smtClean="0"/>
+              <a:t>(</a:t>
+            </a:r>
+            <a:r>
+              <a:rPr kumimoji="1" lang="zh-CN" altLang="en-US" dirty="0" smtClean="0"/>
+              <a:t>注意单线程并发</a:t>
+            </a:r>
+            <a:r>
+              <a:rPr kumimoji="1" lang="en-US" altLang="zh-CN" dirty="0" smtClean="0"/>
+              <a:t>):</a:t>
+            </a:r>
+            <a:r>
+              <a:rPr kumimoji="1" lang="en-US" altLang="zh-CN" dirty="0" err="1" smtClean="0"/>
+              <a:t>testMysql.js</a:t>
+            </a:r>
+            <a:r>
+              <a:rPr kumimoji="1" lang="en-US" altLang="zh-CN" dirty="0" smtClean="0"/>
+              <a:t>, </a:t>
+            </a:r>
+            <a:r>
+              <a:rPr kumimoji="1" lang="en-US" altLang="zh-CN" dirty="0" err="1" smtClean="0"/>
+              <a:t>testOracle.js</a:t>
+            </a:r>
+            <a:endParaRPr kumimoji="1" lang="en-US" altLang="zh-CN" dirty="0" smtClean="0"/>
+          </a:p>
+          <a:p>
+            <a:r>
+              <a:rPr kumimoji="1" lang="zh-CN" altLang="en-US" dirty="0" smtClean="0"/>
+              <a:t>缓存</a:t>
+            </a:r>
+            <a:r>
+              <a:rPr kumimoji="1" lang="en-US" altLang="zh-CN" dirty="0" err="1" smtClean="0"/>
+              <a:t>redis:testRedis.js</a:t>
+            </a:r>
+            <a:endParaRPr kumimoji="1" lang="en-US" altLang="zh-CN" dirty="0" smtClean="0"/>
+          </a:p>
+        </p:txBody>
+      </p:sp>
+    </p:spTree>
+    <p:extLst>
+      <p:ext uri="{BB962C8B-B14F-4D97-AF65-F5344CB8AC3E}">
+        <p14:creationId xmlns:p14="http://schemas.microsoft.com/office/powerpoint/2010/main" val="3831077612"/>
+      </p:ext>
+    </p:extLst>
+  </p:cSld>
+  <p:clrMapOvr>
+    <a:masterClrMapping/>
+  </p:clrMapOvr>
+</p:sld>
+</file>
+
+<file path=ppt/slides/slide7.xml><?xml version="1.0" encoding="utf-8"?>
+<p:sld xmlns:a="http://schemas.openxmlformats.org/drawingml/2006/main" xmlns:r="http://schemas.openxmlformats.org/officeDocument/2006/relationships" xmlns:p="http://schemas.openxmlformats.org/presentationml/2006/main">
+  <p:cSld>
+    <p:spTree>
+      <p:nvGrpSpPr>
+        <p:cNvPr id="1" name=""/>
+        <p:cNvGrpSpPr/>
+        <p:nvPr/>
+      </p:nvGrpSpPr>
+      <p:grpSpPr>
+        <a:xfrm>
+          <a:off x="0" y="0"/>
+          <a:ext cx="0" cy="0"/>
+          <a:chOff x="0" y="0"/>
+          <a:chExt cx="0" cy="0"/>
+        </a:xfrm>
+      </p:grpSpPr>
+      <p:sp>
+        <p:nvSpPr>
+          <p:cNvPr id="2" name="标题 1"/>
+          <p:cNvSpPr>
+            <a:spLocks noGrp="1"/>
+          </p:cNvSpPr>
+          <p:nvPr>
+            <p:ph type="title"/>
+          </p:nvPr>
+        </p:nvSpPr>
+        <p:spPr/>
+        <p:txBody>
+          <a:bodyPr/>
+          <a:lstStyle/>
+          <a:p>
+            <a:r>
+              <a:rPr kumimoji="1" lang="zh-CN" altLang="en-US" dirty="0" smtClean="0"/>
+              <a:t>异步编程的难点</a:t>
+            </a:r>
+            <a:endParaRPr kumimoji="1" lang="zh-CN" altLang="en-US" dirty="0"/>
+          </a:p>
+        </p:txBody>
+      </p:sp>
+      <p:sp>
+        <p:nvSpPr>
+          <p:cNvPr id="3" name="内容占位符 2"/>
+          <p:cNvSpPr>
+            <a:spLocks noGrp="1"/>
+          </p:cNvSpPr>
+          <p:nvPr>
+            <p:ph idx="1"/>
+          </p:nvPr>
+        </p:nvSpPr>
+        <p:spPr/>
+        <p:txBody>
+          <a:bodyPr/>
+          <a:lstStyle/>
+          <a:p>
+            <a:r>
+              <a:rPr kumimoji="1" lang="zh-CN" altLang="en-US" dirty="0" smtClean="0"/>
+              <a:t>对外服务应用永远不要阻塞线程</a:t>
+            </a:r>
+            <a:r>
+              <a:rPr kumimoji="1" lang="en-US" altLang="zh-CN" dirty="0" smtClean="0"/>
+              <a:t>:</a:t>
+            </a:r>
+            <a:r>
+              <a:rPr kumimoji="1" lang="en-US" altLang="zh-CN" dirty="0" err="1" smtClean="0"/>
+              <a:t>testAsyncHttp.js</a:t>
+            </a:r>
+            <a:r>
+              <a:rPr kumimoji="1" lang="en-US" altLang="zh-CN" dirty="0" smtClean="0"/>
+              <a:t>, </a:t>
+            </a:r>
+            <a:r>
+              <a:rPr kumimoji="1" lang="en-US" altLang="zh-CN" dirty="0" err="1" smtClean="0"/>
+              <a:t>testSyncHttp.js</a:t>
+            </a:r>
+            <a:endParaRPr kumimoji="1" lang="en-US" altLang="zh-CN" dirty="0" smtClean="0"/>
+          </a:p>
+          <a:p>
+            <a:r>
+              <a:rPr kumimoji="1" lang="en-US" altLang="zh-CN" dirty="0" err="1" smtClean="0"/>
+              <a:t>Ab</a:t>
+            </a:r>
+            <a:r>
+              <a:rPr kumimoji="1" lang="zh-CN" altLang="en-US" dirty="0" smtClean="0"/>
+              <a:t>压力测试</a:t>
+            </a:r>
+            <a:endParaRPr kumimoji="1" lang="en-US" altLang="zh-CN" dirty="0" smtClean="0"/>
+          </a:p>
+          <a:p>
+            <a:pPr marL="0" indent="0">
+              <a:buNone/>
+            </a:pPr>
+            <a:r>
+              <a:rPr kumimoji="1" lang="en-US" altLang="zh-CN" sz="2000" dirty="0" smtClean="0"/>
+              <a:t>	</a:t>
+            </a:r>
+            <a:r>
+              <a:rPr kumimoji="1" lang="en-US" altLang="zh-CN" sz="2000" dirty="0" err="1" smtClean="0"/>
+              <a:t>ab</a:t>
+            </a:r>
+            <a:r>
+              <a:rPr kumimoji="1" lang="en-US" altLang="zh-CN" sz="2000" dirty="0" smtClean="0"/>
+              <a:t> -n 1000 -c 50 127.0.0.1:3000/&gt;&gt;</a:t>
+            </a:r>
+            <a:r>
+              <a:rPr kumimoji="1" lang="en-US" altLang="zh-CN" sz="2000" dirty="0" err="1" smtClean="0"/>
+              <a:t>test.txt</a:t>
+            </a:r>
+            <a:endParaRPr kumimoji="1" lang="en-US" altLang="zh-CN" sz="2000" dirty="0" smtClean="0"/>
+          </a:p>
+          <a:p>
+            <a:pPr marL="0" indent="0">
+              <a:buNone/>
+            </a:pPr>
+            <a:r>
+              <a:rPr kumimoji="1" lang="en-US" altLang="zh-CN" sz="2000" dirty="0"/>
+              <a:t>	</a:t>
+            </a:r>
+            <a:endParaRPr kumimoji="1" lang="en-US" altLang="zh-CN" sz="2000" dirty="0" smtClean="0"/>
+          </a:p>
+          <a:p>
+            <a:endParaRPr kumimoji="1" lang="zh-CN" altLang="en-US" dirty="0"/>
+          </a:p>
+        </p:txBody>
+      </p:sp>
+      <p:graphicFrame>
+        <p:nvGraphicFramePr>
+          <p:cNvPr id="4" name="图表 3"/>
+          <p:cNvGraphicFramePr/>
+          <p:nvPr>
+            <p:extLst>
+              <p:ext uri="{D42A27DB-BD31-4B8C-83A1-F6EECF244321}">
+                <p14:modId xmlns:p14="http://schemas.microsoft.com/office/powerpoint/2010/main" val="3956640735"/>
+              </p:ext>
+            </p:extLst>
+          </p:nvPr>
+        </p:nvGraphicFramePr>
+        <p:xfrm>
+          <a:off x="1561721" y="3572446"/>
+          <a:ext cx="5630261" cy="2928743"/>
+        </p:xfrm>
+        <a:graphic>
+          <a:graphicData uri="http://schemas.openxmlformats.org/drawingml/2006/chart">
+            <c:chart xmlns:c="http://schemas.openxmlformats.org/drawingml/2006/chart" xmlns:r="http://schemas.openxmlformats.org/officeDocument/2006/relationships" r:id="rId2"/>
+          </a:graphicData>
+        </a:graphic>
+      </p:graphicFrame>
+    </p:spTree>
+    <p:extLst>
+      <p:ext uri="{BB962C8B-B14F-4D97-AF65-F5344CB8AC3E}">
+        <p14:creationId xmlns:p14="http://schemas.microsoft.com/office/powerpoint/2010/main" val="2081409088"/>
+      </p:ext>
+    </p:extLst>
+  </p:cSld>
+  <p:clrMapOvr>
+    <a:masterClrMapping/>
+  </p:clrMapOvr>
+</p:sld>
+</file>
+
+<file path=ppt/slides/slide8.xml><?xml version="1.0" encoding="utf-8"?>
+<p:sld xmlns:a="http://schemas.openxmlformats.org/drawingml/2006/main" xmlns:r="http://schemas.openxmlformats.org/officeDocument/2006/relationships" xmlns:p="http://schemas.openxmlformats.org/presentationml/2006/main">
+  <p:cSld>
+    <p:spTree>
+      <p:nvGrpSpPr>
+        <p:cNvPr id="1" name=""/>
+        <p:cNvGrpSpPr/>
+        <p:nvPr/>
+      </p:nvGrpSpPr>
+      <p:grpSpPr>
+        <a:xfrm>
+          <a:off x="0" y="0"/>
+          <a:ext cx="0" cy="0"/>
+          <a:chOff x="0" y="0"/>
+          <a:chExt cx="0" cy="0"/>
+        </a:xfrm>
+      </p:grpSpPr>
+      <p:sp>
+        <p:nvSpPr>
+          <p:cNvPr id="2" name="标题 1"/>
+          <p:cNvSpPr>
+            <a:spLocks noGrp="1"/>
+          </p:cNvSpPr>
+          <p:nvPr>
+            <p:ph type="title"/>
+          </p:nvPr>
+        </p:nvSpPr>
+        <p:spPr/>
+        <p:txBody>
+          <a:bodyPr/>
+          <a:lstStyle/>
+          <a:p>
+            <a:r>
+              <a:rPr kumimoji="1" lang="zh-CN" altLang="en-US" dirty="0" smtClean="0"/>
+              <a:t>异步编程的难点</a:t>
+            </a:r>
+            <a:endParaRPr kumimoji="1" lang="zh-CN" altLang="en-US" dirty="0"/>
+          </a:p>
+        </p:txBody>
+      </p:sp>
+      <p:sp>
+        <p:nvSpPr>
+          <p:cNvPr id="3" name="内容占位符 2"/>
+          <p:cNvSpPr>
+            <a:spLocks noGrp="1"/>
+          </p:cNvSpPr>
+          <p:nvPr>
+            <p:ph idx="1"/>
+          </p:nvPr>
+        </p:nvSpPr>
+        <p:spPr/>
+        <p:txBody>
+          <a:bodyPr/>
+          <a:lstStyle/>
+          <a:p>
+            <a:r>
+              <a:rPr kumimoji="1" lang="zh-CN" altLang="en-US" dirty="0" smtClean="0"/>
+              <a:t>考虑一个</a:t>
+            </a:r>
+            <a:r>
+              <a:rPr kumimoji="1" lang="en-US" altLang="zh-CN" dirty="0" smtClean="0"/>
+              <a:t>validation</a:t>
+            </a:r>
+            <a:r>
+              <a:rPr kumimoji="1" lang="zh-CN" altLang="en-US" dirty="0" smtClean="0"/>
+              <a:t>的情况</a:t>
+            </a:r>
+            <a:r>
+              <a:rPr kumimoji="1" lang="en-US" altLang="zh-CN" dirty="0" smtClean="0"/>
+              <a:t>:</a:t>
+            </a:r>
+            <a:r>
+              <a:rPr kumimoji="1" lang="en-US" altLang="zh-CN" dirty="0" err="1" smtClean="0"/>
+              <a:t>testValidation.js</a:t>
+            </a:r>
+            <a:endParaRPr kumimoji="1" lang="en-US" altLang="zh-CN" dirty="0" smtClean="0"/>
+          </a:p>
+          <a:p>
+            <a:r>
+              <a:rPr kumimoji="1" lang="en-US" altLang="zh-CN" dirty="0" err="1" smtClean="0"/>
+              <a:t>Async</a:t>
+            </a:r>
+            <a:r>
+              <a:rPr kumimoji="1" lang="zh-CN" altLang="en-US" dirty="0" smtClean="0"/>
+              <a:t>框架</a:t>
+            </a:r>
+            <a:r>
+              <a:rPr kumimoji="1" lang="en-US" altLang="zh-CN" dirty="0" smtClean="0"/>
+              <a:t>:</a:t>
+            </a:r>
+            <a:r>
+              <a:rPr kumimoji="1" lang="en-US" altLang="zh-CN" dirty="0" err="1" smtClean="0"/>
+              <a:t>asyncExample.js</a:t>
+            </a:r>
+            <a:endParaRPr kumimoji="1" lang="zh-CN" altLang="en-US" dirty="0"/>
+          </a:p>
+        </p:txBody>
+      </p:sp>
+    </p:spTree>
+    <p:extLst>
+      <p:ext uri="{BB962C8B-B14F-4D97-AF65-F5344CB8AC3E}">
+        <p14:creationId xmlns:p14="http://schemas.microsoft.com/office/powerpoint/2010/main" val="2319768964"/>
+      </p:ext>
+    </p:extLst>
+  </p:cSld>
+  <p:clrMapOvr>
+    <a:masterClrMapping/>
+  </p:clrMapOvr>
+</p:sld>
+</file>
+
+<file path=ppt/slides/slide9.xml><?xml version="1.0" encoding="utf-8"?>
+<p:sld xmlns:a="http://schemas.openxmlformats.org/drawingml/2006/main" xmlns:r="http://schemas.openxmlformats.org/officeDocument/2006/relationships" xmlns:p="http://schemas.openxmlformats.org/presentationml/2006/main">
+  <p:cSld>
+    <p:spTree>
+      <p:nvGrpSpPr>
+        <p:cNvPr id="1" name=""/>
+        <p:cNvGrpSpPr/>
+        <p:nvPr/>
+      </p:nvGrpSpPr>
+      <p:grpSpPr>
+        <a:xfrm>
+          <a:off x="0" y="0"/>
+          <a:ext cx="0" cy="0"/>
+          <a:chOff x="0" y="0"/>
+          <a:chExt cx="0" cy="0"/>
+        </a:xfrm>
+      </p:grpSpPr>
+      <p:sp>
+        <p:nvSpPr>
+          <p:cNvPr id="2" name="标题 1"/>
+          <p:cNvSpPr>
+            <a:spLocks noGrp="1"/>
+          </p:cNvSpPr>
+          <p:nvPr>
+            <p:ph type="title"/>
+          </p:nvPr>
+        </p:nvSpPr>
+        <p:spPr/>
+        <p:txBody>
+          <a:bodyPr/>
+          <a:lstStyle/>
+          <a:p>
+            <a:r>
+              <a:rPr kumimoji="1" lang="en-US" altLang="zh-CN" dirty="0" smtClean="0"/>
+              <a:t>Express</a:t>
+            </a:r>
+            <a:r>
+              <a:rPr kumimoji="1" lang="zh-CN" altLang="en-US" dirty="0" smtClean="0"/>
+              <a:t>框架</a:t>
+            </a:r>
+            <a:endParaRPr kumimoji="1" lang="zh-CN" altLang="en-US" dirty="0"/>
+          </a:p>
+        </p:txBody>
+      </p:sp>
+      <p:sp>
+        <p:nvSpPr>
+          <p:cNvPr id="3" name="内容占位符 2"/>
+          <p:cNvSpPr>
+            <a:spLocks noGrp="1"/>
+          </p:cNvSpPr>
+          <p:nvPr>
+            <p:ph idx="1"/>
+          </p:nvPr>
+        </p:nvSpPr>
+        <p:spPr/>
+        <p:txBody>
+          <a:bodyPr/>
+          <a:lstStyle/>
+          <a:p>
+            <a:r>
+              <a:rPr kumimoji="1" lang="zh-CN" altLang="en-US" dirty="0" smtClean="0"/>
+              <a:t>极简</a:t>
+            </a:r>
+            <a:r>
+              <a:rPr kumimoji="1" lang="en-US" altLang="zh-CN" dirty="0" smtClean="0"/>
+              <a:t>Web</a:t>
+            </a:r>
+            <a:r>
+              <a:rPr kumimoji="1" lang="zh-CN" altLang="en-US" dirty="0" smtClean="0"/>
+              <a:t>框架</a:t>
+            </a:r>
+            <a:endParaRPr kumimoji="1" lang="en-US" altLang="zh-CN" dirty="0" smtClean="0"/>
+          </a:p>
+          <a:p>
+            <a:r>
+              <a:rPr kumimoji="1" lang="zh-CN" altLang="en-US" dirty="0" smtClean="0"/>
+              <a:t>路由</a:t>
+            </a:r>
+            <a:endParaRPr kumimoji="1" lang="en-US" altLang="zh-CN" dirty="0" smtClean="0"/>
+          </a:p>
+          <a:p>
+            <a:r>
+              <a:rPr kumimoji="1" lang="zh-CN" altLang="en-US" dirty="0"/>
+              <a:t>静态文件处</a:t>
+            </a:r>
+            <a:r>
+              <a:rPr kumimoji="1" lang="zh-CN" altLang="en-US" dirty="0" smtClean="0"/>
+              <a:t>理</a:t>
+            </a:r>
+            <a:endParaRPr kumimoji="1" lang="en-US" altLang="zh-CN" dirty="0" smtClean="0"/>
+          </a:p>
+          <a:p>
+            <a:r>
+              <a:rPr kumimoji="1" lang="zh-CN" altLang="en-US" dirty="0" smtClean="0"/>
+              <a:t>中间件</a:t>
+            </a:r>
+            <a:endParaRPr kumimoji="1" lang="en-US" altLang="zh-CN" dirty="0" smtClean="0"/>
+          </a:p>
+          <a:p>
+            <a:r>
+              <a:rPr kumimoji="1" lang="zh-CN" altLang="en-US" dirty="0" smtClean="0"/>
+              <a:t>模板生成器</a:t>
+            </a:r>
+            <a:endParaRPr kumimoji="1" lang="en-US" altLang="zh-CN" dirty="0" smtClean="0"/>
+          </a:p>
+          <a:p>
+            <a:r>
+              <a:rPr kumimoji="1" lang="en-US" altLang="zh-CN" dirty="0" err="1" smtClean="0"/>
+              <a:t>expressExample.js</a:t>
+            </a:r>
+            <a:endParaRPr kumimoji="1" lang="en-US" altLang="zh-CN" dirty="0" smtClean="0"/>
+          </a:p>
+        </p:txBody>
+      </p:sp>
+    </p:spTree>
+    <p:extLst>
+      <p:ext uri="{BB962C8B-B14F-4D97-AF65-F5344CB8AC3E}">
+        <p14:creationId xmlns:p14="http://schemas.microsoft.com/office/powerpoint/2010/main" val="1565805867"/>
       </p:ext>
     </p:extLst>
   </p:cSld>

--- a/演示文稿2.pptx
+++ b/演示文稿2.pptx
@@ -2,7 +2,7 @@
 <file path=ppt/presentation.xml><?xml version="1.0" encoding="utf-8"?>
 <p:presentation xmlns:a="http://schemas.openxmlformats.org/drawingml/2006/main" xmlns:r="http://schemas.openxmlformats.org/officeDocument/2006/relationships" xmlns:p="http://schemas.openxmlformats.org/presentationml/2006/main" saveSubsetFonts="1" autoCompressPictures="0">
   <p:sldMasterIdLst>
-    <p:sldMasterId id="2147483648" r:id="rId1"/>
+    <p:sldMasterId id="2147483830" r:id="rId1"/>
   </p:sldMasterIdLst>
   <p:sldIdLst>
     <p:sldId id="256" r:id="rId2"/>
@@ -20,6 +20,7 @@
     <p:sldId id="264" r:id="rId14"/>
     <p:sldId id="265" r:id="rId15"/>
     <p:sldId id="269" r:id="rId16"/>
+    <p:sldId id="272" r:id="rId17"/>
   </p:sldIdLst>
   <p:sldSz cx="9144000" cy="6858000" type="screen4x3"/>
   <p:notesSz cx="6858000" cy="9144000"/>
@@ -138,6 +139,7 @@
             <p14:sldId id="264"/>
             <p14:sldId id="265"/>
             <p14:sldId id="269"/>
+            <p14:sldId id="272"/>
           </p14:sldIdLst>
         </p14:section>
       </p14:sectionLst>
@@ -336,7 +338,7 @@
                   <c:v>342.68</c:v>
                 </c:pt>
                 <c:pt idx="4">
-                  <c:v>560.8199999999999</c:v>
+                  <c:v>560.8199999999997</c:v>
                 </c:pt>
                 <c:pt idx="5">
                   <c:v>709.51</c:v>
@@ -345,7 +347,7 @@
                   <c:v>820.17</c:v>
                 </c:pt>
                 <c:pt idx="7">
-                  <c:v>809.3399999999999</c:v>
+                  <c:v>809.3399999999997</c:v>
                 </c:pt>
                 <c:pt idx="8">
                   <c:v>766.91</c:v>
@@ -368,11 +370,11 @@
         </c:dLbls>
         <c:marker val="1"/>
         <c:smooth val="0"/>
-        <c:axId val="2124236008"/>
-        <c:axId val="2124238792"/>
+        <c:axId val="2115736536"/>
+        <c:axId val="2121877112"/>
       </c:lineChart>
       <c:catAx>
-        <c:axId val="2124236008"/>
+        <c:axId val="2115736536"/>
         <c:scaling>
           <c:orientation val="minMax"/>
         </c:scaling>
@@ -381,7 +383,7 @@
         <c:majorTickMark val="out"/>
         <c:minorTickMark val="none"/>
         <c:tickLblPos val="nextTo"/>
-        <c:crossAx val="2124238792"/>
+        <c:crossAx val="2121877112"/>
         <c:crosses val="autoZero"/>
         <c:auto val="1"/>
         <c:lblAlgn val="ctr"/>
@@ -389,7 +391,7 @@
         <c:noMultiLvlLbl val="0"/>
       </c:catAx>
       <c:valAx>
-        <c:axId val="2124238792"/>
+        <c:axId val="2121877112"/>
         <c:scaling>
           <c:orientation val="minMax"/>
         </c:scaling>
@@ -400,7 +402,7 @@
         <c:majorTickMark val="out"/>
         <c:minorTickMark val="none"/>
         <c:tickLblPos val="nextTo"/>
-        <c:crossAx val="2124236008"/>
+        <c:crossAx val="2115736536"/>
         <c:crosses val="autoZero"/>
         <c:crossBetween val="between"/>
       </c:valAx>
@@ -611,7 +613,7 @@
           <a:p>
             <a:fld id="{35CD3CBF-F0F6-9241-8A5F-BE64095346A6}" type="datetimeFigureOut">
               <a:rPr kumimoji="1" lang="zh-CN" altLang="en-US" smtClean="0"/>
-              <a:t>3/31/16</a:t>
+              <a:t>4/5/16</a:t>
             </a:fld>
             <a:endParaRPr kumimoji="1" lang="zh-CN" altLang="en-US"/>
           </a:p>
@@ -651,7 +653,7 @@
           <a:bodyPr/>
           <a:lstStyle/>
           <a:p>
-            <a:fld id="{E563851C-C894-C441-A35A-C82A6B00C773}" type="slidenum">
+            <a:fld id="{68214CA6-69A5-4E40-B509-49D8A176609A}" type="slidenum">
               <a:rPr kumimoji="1" lang="zh-CN" altLang="en-US" smtClean="0"/>
               <a:t>‹#›</a:t>
             </a:fld>
@@ -662,7 +664,7 @@
     </p:spTree>
     <p:extLst>
       <p:ext uri="{BB962C8B-B14F-4D97-AF65-F5344CB8AC3E}">
-        <p14:creationId xmlns:p14="http://schemas.microsoft.com/office/powerpoint/2010/main" val="3444062236"/>
+        <p14:creationId xmlns:p14="http://schemas.microsoft.com/office/powerpoint/2010/main" val="4217657674"/>
       </p:ext>
     </p:extLst>
   </p:cSld>
@@ -781,7 +783,7 @@
           <a:p>
             <a:fld id="{35CD3CBF-F0F6-9241-8A5F-BE64095346A6}" type="datetimeFigureOut">
               <a:rPr kumimoji="1" lang="zh-CN" altLang="en-US" smtClean="0"/>
-              <a:t>3/31/16</a:t>
+              <a:t>4/5/16</a:t>
             </a:fld>
             <a:endParaRPr kumimoji="1" lang="zh-CN" altLang="en-US"/>
           </a:p>
@@ -832,7 +834,7 @@
     </p:spTree>
     <p:extLst>
       <p:ext uri="{BB962C8B-B14F-4D97-AF65-F5344CB8AC3E}">
-        <p14:creationId xmlns:p14="http://schemas.microsoft.com/office/powerpoint/2010/main" val="3662832629"/>
+        <p14:creationId xmlns:p14="http://schemas.microsoft.com/office/powerpoint/2010/main" val="1485151282"/>
       </p:ext>
     </p:extLst>
   </p:cSld>
@@ -961,7 +963,7 @@
           <a:p>
             <a:fld id="{35CD3CBF-F0F6-9241-8A5F-BE64095346A6}" type="datetimeFigureOut">
               <a:rPr kumimoji="1" lang="zh-CN" altLang="en-US" smtClean="0"/>
-              <a:t>3/31/16</a:t>
+              <a:t>4/5/16</a:t>
             </a:fld>
             <a:endParaRPr kumimoji="1" lang="zh-CN" altLang="en-US"/>
           </a:p>
@@ -1012,7 +1014,7 @@
     </p:spTree>
     <p:extLst>
       <p:ext uri="{BB962C8B-B14F-4D97-AF65-F5344CB8AC3E}">
-        <p14:creationId xmlns:p14="http://schemas.microsoft.com/office/powerpoint/2010/main" val="3777576160"/>
+        <p14:creationId xmlns:p14="http://schemas.microsoft.com/office/powerpoint/2010/main" val="1850105170"/>
       </p:ext>
     </p:extLst>
   </p:cSld>
@@ -1131,7 +1133,7 @@
           <a:p>
             <a:fld id="{35CD3CBF-F0F6-9241-8A5F-BE64095346A6}" type="datetimeFigureOut">
               <a:rPr kumimoji="1" lang="zh-CN" altLang="en-US" smtClean="0"/>
-              <a:t>3/31/16</a:t>
+              <a:t>4/5/16</a:t>
             </a:fld>
             <a:endParaRPr kumimoji="1" lang="zh-CN" altLang="en-US"/>
           </a:p>
@@ -1182,7 +1184,7 @@
     </p:spTree>
     <p:extLst>
       <p:ext uri="{BB962C8B-B14F-4D97-AF65-F5344CB8AC3E}">
-        <p14:creationId xmlns:p14="http://schemas.microsoft.com/office/powerpoint/2010/main" val="1896490385"/>
+        <p14:creationId xmlns:p14="http://schemas.microsoft.com/office/powerpoint/2010/main" val="566028653"/>
       </p:ext>
     </p:extLst>
   </p:cSld>
@@ -1377,7 +1379,7 @@
           <a:p>
             <a:fld id="{35CD3CBF-F0F6-9241-8A5F-BE64095346A6}" type="datetimeFigureOut">
               <a:rPr kumimoji="1" lang="zh-CN" altLang="en-US" smtClean="0"/>
-              <a:t>3/31/16</a:t>
+              <a:t>4/5/16</a:t>
             </a:fld>
             <a:endParaRPr kumimoji="1" lang="zh-CN" altLang="en-US"/>
           </a:p>
@@ -1417,18 +1419,19 @@
           <a:bodyPr/>
           <a:lstStyle/>
           <a:p>
-            <a:fld id="{E563851C-C894-C441-A35A-C82A6B00C773}" type="slidenum">
-              <a:rPr kumimoji="1" lang="zh-CN" altLang="en-US" smtClean="0"/>
+            <a:fld id="{1789C0F2-17E0-497A-9BBE-0C73201AAFE3}" type="slidenum">
+              <a:rPr lang="en-US" smtClean="0"/>
+              <a:pPr/>
               <a:t>‹#›</a:t>
             </a:fld>
-            <a:endParaRPr kumimoji="1" lang="zh-CN" altLang="en-US"/>
+            <a:endParaRPr lang="en-US" dirty="0"/>
           </a:p>
         </p:txBody>
       </p:sp>
     </p:spTree>
     <p:extLst>
       <p:ext uri="{BB962C8B-B14F-4D97-AF65-F5344CB8AC3E}">
-        <p14:creationId xmlns:p14="http://schemas.microsoft.com/office/powerpoint/2010/main" val="3898341761"/>
+        <p14:creationId xmlns:p14="http://schemas.microsoft.com/office/powerpoint/2010/main" val="356646340"/>
       </p:ext>
     </p:extLst>
   </p:cSld>
@@ -1665,7 +1668,7 @@
           <a:p>
             <a:fld id="{35CD3CBF-F0F6-9241-8A5F-BE64095346A6}" type="datetimeFigureOut">
               <a:rPr kumimoji="1" lang="zh-CN" altLang="en-US" smtClean="0"/>
-              <a:t>3/31/16</a:t>
+              <a:t>4/5/16</a:t>
             </a:fld>
             <a:endParaRPr kumimoji="1" lang="zh-CN" altLang="en-US"/>
           </a:p>
@@ -1716,7 +1719,7 @@
     </p:spTree>
     <p:extLst>
       <p:ext uri="{BB962C8B-B14F-4D97-AF65-F5344CB8AC3E}">
-        <p14:creationId xmlns:p14="http://schemas.microsoft.com/office/powerpoint/2010/main" val="3470695647"/>
+        <p14:creationId xmlns:p14="http://schemas.microsoft.com/office/powerpoint/2010/main" val="1563355342"/>
       </p:ext>
     </p:extLst>
   </p:cSld>
@@ -2087,7 +2090,7 @@
           <a:p>
             <a:fld id="{35CD3CBF-F0F6-9241-8A5F-BE64095346A6}" type="datetimeFigureOut">
               <a:rPr kumimoji="1" lang="zh-CN" altLang="en-US" smtClean="0"/>
-              <a:t>3/31/16</a:t>
+              <a:t>4/5/16</a:t>
             </a:fld>
             <a:endParaRPr kumimoji="1" lang="zh-CN" altLang="en-US"/>
           </a:p>
@@ -2138,7 +2141,7 @@
     </p:spTree>
     <p:extLst>
       <p:ext uri="{BB962C8B-B14F-4D97-AF65-F5344CB8AC3E}">
-        <p14:creationId xmlns:p14="http://schemas.microsoft.com/office/powerpoint/2010/main" val="3732478006"/>
+        <p14:creationId xmlns:p14="http://schemas.microsoft.com/office/powerpoint/2010/main" val="1259689958"/>
       </p:ext>
     </p:extLst>
   </p:cSld>
@@ -2205,7 +2208,7 @@
           <a:p>
             <a:fld id="{35CD3CBF-F0F6-9241-8A5F-BE64095346A6}" type="datetimeFigureOut">
               <a:rPr kumimoji="1" lang="zh-CN" altLang="en-US" smtClean="0"/>
-              <a:t>3/31/16</a:t>
+              <a:t>4/5/16</a:t>
             </a:fld>
             <a:endParaRPr kumimoji="1" lang="zh-CN" altLang="en-US"/>
           </a:p>
@@ -2256,7 +2259,7 @@
     </p:spTree>
     <p:extLst>
       <p:ext uri="{BB962C8B-B14F-4D97-AF65-F5344CB8AC3E}">
-        <p14:creationId xmlns:p14="http://schemas.microsoft.com/office/powerpoint/2010/main" val="2343559398"/>
+        <p14:creationId xmlns:p14="http://schemas.microsoft.com/office/powerpoint/2010/main" val="1316620482"/>
       </p:ext>
     </p:extLst>
   </p:cSld>
@@ -2300,7 +2303,7 @@
           <a:p>
             <a:fld id="{35CD3CBF-F0F6-9241-8A5F-BE64095346A6}" type="datetimeFigureOut">
               <a:rPr kumimoji="1" lang="zh-CN" altLang="en-US" smtClean="0"/>
-              <a:t>3/31/16</a:t>
+              <a:t>4/5/16</a:t>
             </a:fld>
             <a:endParaRPr kumimoji="1" lang="zh-CN" altLang="en-US"/>
           </a:p>
@@ -2351,7 +2354,7 @@
     </p:spTree>
     <p:extLst>
       <p:ext uri="{BB962C8B-B14F-4D97-AF65-F5344CB8AC3E}">
-        <p14:creationId xmlns:p14="http://schemas.microsoft.com/office/powerpoint/2010/main" val="2979819465"/>
+        <p14:creationId xmlns:p14="http://schemas.microsoft.com/office/powerpoint/2010/main" val="115131185"/>
       </p:ext>
     </p:extLst>
   </p:cSld>
@@ -2577,7 +2580,7 @@
           <a:p>
             <a:fld id="{35CD3CBF-F0F6-9241-8A5F-BE64095346A6}" type="datetimeFigureOut">
               <a:rPr kumimoji="1" lang="zh-CN" altLang="en-US" smtClean="0"/>
-              <a:t>3/31/16</a:t>
+              <a:t>4/5/16</a:t>
             </a:fld>
             <a:endParaRPr kumimoji="1" lang="zh-CN" altLang="en-US"/>
           </a:p>
@@ -2617,18 +2620,18 @@
           <a:bodyPr/>
           <a:lstStyle/>
           <a:p>
-            <a:fld id="{E563851C-C894-C441-A35A-C82A6B00C773}" type="slidenum">
-              <a:rPr kumimoji="1" lang="zh-CN" altLang="en-US" smtClean="0"/>
+            <a:fld id="{5DBAE4E6-4D12-4A48-9B6B-6FA0B79BEE93}" type="slidenum">
+              <a:rPr lang="en-US" smtClean="0"/>
               <a:t>‹#›</a:t>
             </a:fld>
-            <a:endParaRPr kumimoji="1" lang="zh-CN" altLang="en-US"/>
+            <a:endParaRPr lang="en-US"/>
           </a:p>
         </p:txBody>
       </p:sp>
     </p:spTree>
     <p:extLst>
       <p:ext uri="{BB962C8B-B14F-4D97-AF65-F5344CB8AC3E}">
-        <p14:creationId xmlns:p14="http://schemas.microsoft.com/office/powerpoint/2010/main" val="2337217019"/>
+        <p14:creationId xmlns:p14="http://schemas.microsoft.com/office/powerpoint/2010/main" val="1348975854"/>
       </p:ext>
     </p:extLst>
   </p:cSld>
@@ -2830,7 +2833,7 @@
           <a:p>
             <a:fld id="{35CD3CBF-F0F6-9241-8A5F-BE64095346A6}" type="datetimeFigureOut">
               <a:rPr kumimoji="1" lang="zh-CN" altLang="en-US" smtClean="0"/>
-              <a:t>3/31/16</a:t>
+              <a:t>4/5/16</a:t>
             </a:fld>
             <a:endParaRPr kumimoji="1" lang="zh-CN" altLang="en-US"/>
           </a:p>
@@ -2881,7 +2884,7 @@
     </p:spTree>
     <p:extLst>
       <p:ext uri="{BB962C8B-B14F-4D97-AF65-F5344CB8AC3E}">
-        <p14:creationId xmlns:p14="http://schemas.microsoft.com/office/powerpoint/2010/main" val="4009152078"/>
+        <p14:creationId xmlns:p14="http://schemas.microsoft.com/office/powerpoint/2010/main" val="1724903630"/>
       </p:ext>
     </p:extLst>
   </p:cSld>
@@ -3043,7 +3046,7 @@
           <a:p>
             <a:fld id="{35CD3CBF-F0F6-9241-8A5F-BE64095346A6}" type="datetimeFigureOut">
               <a:rPr kumimoji="1" lang="zh-CN" altLang="en-US" smtClean="0"/>
-              <a:t>3/31/16</a:t>
+              <a:t>4/5/16</a:t>
             </a:fld>
             <a:endParaRPr kumimoji="1" lang="zh-CN" altLang="en-US"/>
           </a:p>
@@ -3130,23 +3133,23 @@
     </p:spTree>
     <p:extLst>
       <p:ext uri="{BB962C8B-B14F-4D97-AF65-F5344CB8AC3E}">
-        <p14:creationId xmlns:p14="http://schemas.microsoft.com/office/powerpoint/2010/main" val="1413350867"/>
+        <p14:creationId xmlns:p14="http://schemas.microsoft.com/office/powerpoint/2010/main" val="1401211626"/>
       </p:ext>
     </p:extLst>
   </p:cSld>
   <p:clrMap bg1="lt1" tx1="dk1" bg2="lt2" tx2="dk2" accent1="accent1" accent2="accent2" accent3="accent3" accent4="accent4" accent5="accent5" accent6="accent6" hlink="hlink" folHlink="folHlink"/>
   <p:sldLayoutIdLst>
-    <p:sldLayoutId id="2147483649" r:id="rId1"/>
-    <p:sldLayoutId id="2147483650" r:id="rId2"/>
-    <p:sldLayoutId id="2147483651" r:id="rId3"/>
-    <p:sldLayoutId id="2147483652" r:id="rId4"/>
-    <p:sldLayoutId id="2147483653" r:id="rId5"/>
-    <p:sldLayoutId id="2147483654" r:id="rId6"/>
-    <p:sldLayoutId id="2147483655" r:id="rId7"/>
-    <p:sldLayoutId id="2147483656" r:id="rId8"/>
-    <p:sldLayoutId id="2147483657" r:id="rId9"/>
-    <p:sldLayoutId id="2147483658" r:id="rId10"/>
-    <p:sldLayoutId id="2147483659" r:id="rId11"/>
+    <p:sldLayoutId id="2147483831" r:id="rId1"/>
+    <p:sldLayoutId id="2147483832" r:id="rId2"/>
+    <p:sldLayoutId id="2147483833" r:id="rId3"/>
+    <p:sldLayoutId id="2147483834" r:id="rId4"/>
+    <p:sldLayoutId id="2147483835" r:id="rId5"/>
+    <p:sldLayoutId id="2147483836" r:id="rId6"/>
+    <p:sldLayoutId id="2147483837" r:id="rId7"/>
+    <p:sldLayoutId id="2147483838" r:id="rId8"/>
+    <p:sldLayoutId id="2147483839" r:id="rId9"/>
+    <p:sldLayoutId id="2147483840" r:id="rId10"/>
+    <p:sldLayoutId id="2147483841" r:id="rId11"/>
   </p:sldLayoutIdLst>
   <p:txStyles>
     <p:titleStyle>
@@ -3656,7 +3659,9 @@
         </p:nvSpPr>
         <p:spPr/>
         <p:txBody>
-          <a:bodyPr/>
+          <a:bodyPr>
+            <a:normAutofit/>
+          </a:bodyPr>
           <a:lstStyle/>
           <a:p>
             <a:r>
@@ -4217,15 +4222,7 @@
           <a:p>
             <a:r>
               <a:rPr kumimoji="1" lang="en-US" altLang="en-US" dirty="0" smtClean="0"/>
-              <a:t>大规模接入服务（资源消耗低</a:t>
-            </a:r>
-            <a:r>
-              <a:rPr kumimoji="1" lang="en-US" altLang="en-US" dirty="0" smtClean="0"/>
-              <a:t>，性能</a:t>
-            </a:r>
-            <a:r>
-              <a:rPr kumimoji="1" lang="en-US" altLang="en-US" dirty="0" smtClean="0"/>
-              <a:t>）</a:t>
+              <a:t>大规模接入服务（资源消耗低，性能）</a:t>
             </a:r>
           </a:p>
           <a:p>
@@ -4286,6 +4283,117 @@
     <p:extLst>
       <p:ext uri="{BB962C8B-B14F-4D97-AF65-F5344CB8AC3E}">
         <p14:creationId xmlns:p14="http://schemas.microsoft.com/office/powerpoint/2010/main" val="4095755232"/>
+      </p:ext>
+    </p:extLst>
+  </p:cSld>
+  <p:clrMapOvr>
+    <a:masterClrMapping/>
+  </p:clrMapOvr>
+</p:sld>
+</file>
+
+<file path=ppt/slides/slide16.xml><?xml version="1.0" encoding="utf-8"?>
+<p:sld xmlns:a="http://schemas.openxmlformats.org/drawingml/2006/main" xmlns:r="http://schemas.openxmlformats.org/officeDocument/2006/relationships" xmlns:p="http://schemas.openxmlformats.org/presentationml/2006/main">
+  <p:cSld>
+    <p:spTree>
+      <p:nvGrpSpPr>
+        <p:cNvPr id="1" name=""/>
+        <p:cNvGrpSpPr/>
+        <p:nvPr/>
+      </p:nvGrpSpPr>
+      <p:grpSpPr>
+        <a:xfrm>
+          <a:off x="0" y="0"/>
+          <a:ext cx="0" cy="0"/>
+          <a:chOff x="0" y="0"/>
+          <a:chExt cx="0" cy="0"/>
+        </a:xfrm>
+      </p:grpSpPr>
+      <p:sp>
+        <p:nvSpPr>
+          <p:cNvPr id="4" name="文本框 3"/>
+          <p:cNvSpPr txBox="1"/>
+          <p:nvPr/>
+        </p:nvSpPr>
+        <p:spPr>
+          <a:xfrm>
+            <a:off x="2235200" y="1892300"/>
+            <a:ext cx="5092700" cy="1015663"/>
+          </a:xfrm>
+          <a:prstGeom prst="rect">
+            <a:avLst/>
+          </a:prstGeom>
+          <a:noFill/>
+        </p:spPr>
+        <p:txBody>
+          <a:bodyPr wrap="square" rtlCol="0">
+            <a:spAutoFit/>
+          </a:bodyPr>
+          <a:lstStyle/>
+          <a:p>
+            <a:pPr algn="ctr"/>
+            <a:r>
+              <a:rPr kumimoji="1" lang="zh-CN" altLang="en-US" sz="6000" dirty="0" smtClean="0"/>
+              <a:t>谢谢</a:t>
+            </a:r>
+            <a:endParaRPr kumimoji="1" lang="zh-CN" altLang="en-US" sz="6000" dirty="0"/>
+          </a:p>
+        </p:txBody>
+      </p:sp>
+      <p:sp>
+        <p:nvSpPr>
+          <p:cNvPr id="5" name="文本框 4"/>
+          <p:cNvSpPr txBox="1"/>
+          <p:nvPr/>
+        </p:nvSpPr>
+        <p:spPr>
+          <a:xfrm>
+            <a:off x="2463800" y="3213100"/>
+            <a:ext cx="5194300" cy="369332"/>
+          </a:xfrm>
+          <a:prstGeom prst="rect">
+            <a:avLst/>
+          </a:prstGeom>
+          <a:noFill/>
+        </p:spPr>
+        <p:txBody>
+          <a:bodyPr wrap="square" rtlCol="0">
+            <a:spAutoFit/>
+          </a:bodyPr>
+          <a:lstStyle/>
+          <a:p>
+            <a:r>
+              <a:rPr kumimoji="1" lang="en-US" altLang="zh-CN" dirty="0"/>
+              <a:t>https://</a:t>
+            </a:r>
+            <a:r>
+              <a:rPr kumimoji="1" lang="en-US" altLang="zh-CN" dirty="0" err="1"/>
+              <a:t>github.com</a:t>
+            </a:r>
+            <a:r>
+              <a:rPr kumimoji="1" lang="en-US" altLang="zh-CN" dirty="0"/>
+              <a:t>/</a:t>
+            </a:r>
+            <a:r>
+              <a:rPr kumimoji="1" lang="en-US" altLang="zh-CN" dirty="0" err="1"/>
+              <a:t>JamCode</a:t>
+            </a:r>
+            <a:r>
+              <a:rPr kumimoji="1" lang="en-US" altLang="zh-CN" dirty="0"/>
+              <a:t>/</a:t>
+            </a:r>
+            <a:r>
+              <a:rPr kumimoji="1" lang="en-US" altLang="zh-CN" dirty="0" err="1"/>
+              <a:t>nodePresentation</a:t>
+            </a:r>
+            <a:endParaRPr kumimoji="1" lang="zh-CN" altLang="en-US" dirty="0"/>
+          </a:p>
+        </p:txBody>
+      </p:sp>
+    </p:spTree>
+    <p:extLst>
+      <p:ext uri="{BB962C8B-B14F-4D97-AF65-F5344CB8AC3E}">
+        <p14:creationId xmlns:p14="http://schemas.microsoft.com/office/powerpoint/2010/main" val="318316012"/>
       </p:ext>
     </p:extLst>
   </p:cSld>
@@ -4359,7 +4467,9 @@
         </p:nvSpPr>
         <p:spPr/>
         <p:txBody>
-          <a:bodyPr/>
+          <a:bodyPr>
+            <a:normAutofit/>
+          </a:bodyPr>
           <a:lstStyle/>
           <a:p>
             <a:r>
@@ -4565,8 +4675,12 @@
           <a:lstStyle/>
           <a:p>
             <a:r>
-              <a:rPr kumimoji="1" lang="zh-CN" altLang="en-US" dirty="0" smtClean="0"/>
-              <a:t>可能是最简单的</a:t>
+              <a:rPr kumimoji="1" lang="zh-CN" altLang="en-US" smtClean="0"/>
+              <a:t>简单</a:t>
+            </a:r>
+            <a:r>
+              <a:rPr kumimoji="1" lang="zh-CN" altLang="en-US" dirty="0" smtClean="0"/>
+              <a:t>的</a:t>
             </a:r>
             <a:r>
               <a:rPr kumimoji="1" lang="en-US" altLang="zh-CN" dirty="0" smtClean="0"/>

--- a/演示文稿2.pptx
+++ b/演示文稿2.pptx
@@ -7,20 +7,19 @@
   <p:sldIdLst>
     <p:sldId id="256" r:id="rId2"/>
     <p:sldId id="257" r:id="rId3"/>
-    <p:sldId id="270" r:id="rId4"/>
-    <p:sldId id="258" r:id="rId5"/>
-    <p:sldId id="259" r:id="rId6"/>
-    <p:sldId id="267" r:id="rId7"/>
-    <p:sldId id="268" r:id="rId8"/>
-    <p:sldId id="271" r:id="rId9"/>
-    <p:sldId id="260" r:id="rId10"/>
-    <p:sldId id="261" r:id="rId11"/>
-    <p:sldId id="263" r:id="rId12"/>
-    <p:sldId id="262" r:id="rId13"/>
-    <p:sldId id="264" r:id="rId14"/>
-    <p:sldId id="265" r:id="rId15"/>
-    <p:sldId id="269" r:id="rId16"/>
-    <p:sldId id="272" r:id="rId17"/>
+    <p:sldId id="258" r:id="rId4"/>
+    <p:sldId id="259" r:id="rId5"/>
+    <p:sldId id="267" r:id="rId6"/>
+    <p:sldId id="268" r:id="rId7"/>
+    <p:sldId id="271" r:id="rId8"/>
+    <p:sldId id="260" r:id="rId9"/>
+    <p:sldId id="261" r:id="rId10"/>
+    <p:sldId id="263" r:id="rId11"/>
+    <p:sldId id="262" r:id="rId12"/>
+    <p:sldId id="264" r:id="rId13"/>
+    <p:sldId id="265" r:id="rId14"/>
+    <p:sldId id="269" r:id="rId15"/>
+    <p:sldId id="272" r:id="rId16"/>
   </p:sldIdLst>
   <p:sldSz cx="9144000" cy="6858000" type="screen4x3"/>
   <p:notesSz cx="6858000" cy="9144000"/>
@@ -126,7 +125,6 @@
           <p14:sldIdLst>
             <p14:sldId id="256"/>
             <p14:sldId id="257"/>
-            <p14:sldId id="270"/>
             <p14:sldId id="258"/>
             <p14:sldId id="259"/>
             <p14:sldId id="267"/>
@@ -3517,8 +3515,12 @@
           <a:lstStyle/>
           <a:p>
             <a:r>
-              <a:rPr kumimoji="1" lang="zh-CN" altLang="en-US" dirty="0" smtClean="0"/>
-              <a:t>集群实现</a:t>
+              <a:rPr kumimoji="1" lang="en-US" altLang="zh-CN" dirty="0" err="1"/>
+              <a:t>s</a:t>
+            </a:r>
+            <a:r>
+              <a:rPr kumimoji="1" lang="en-US" altLang="zh-CN" dirty="0" err="1" smtClean="0"/>
+              <a:t>ocket.io</a:t>
             </a:r>
             <a:endParaRPr kumimoji="1" lang="zh-CN" altLang="en-US" dirty="0"/>
           </a:p>
@@ -3536,56 +3538,91 @@
         </p:nvSpPr>
         <p:spPr/>
         <p:txBody>
-          <a:bodyPr/>
-          <a:lstStyle/>
-          <a:p>
-            <a:r>
-              <a:rPr kumimoji="1" lang="zh-CN" altLang="en-US" dirty="0" smtClean="0"/>
-              <a:t>单线程</a:t>
+          <a:bodyPr>
+            <a:normAutofit/>
+          </a:bodyPr>
+          <a:lstStyle/>
+          <a:p>
+            <a:r>
+              <a:rPr kumimoji="1" lang="zh-CN" altLang="en-US" dirty="0" smtClean="0"/>
+              <a:t>长连接需求</a:t>
+            </a:r>
+            <a:endParaRPr kumimoji="1" lang="en-US" altLang="zh-CN" dirty="0" smtClean="0"/>
+          </a:p>
+          <a:p>
+            <a:r>
+              <a:rPr kumimoji="1" lang="zh-CN" altLang="en-US" dirty="0" smtClean="0"/>
+              <a:t>绑定</a:t>
             </a:r>
             <a:r>
               <a:rPr kumimoji="1" lang="en-US" altLang="zh-CN" dirty="0" smtClean="0"/>
-              <a:t>-</a:t>
-            </a:r>
-            <a:r>
-              <a:rPr kumimoji="1" lang="zh-CN" altLang="en-US" dirty="0" smtClean="0"/>
-              <a:t>多核服务器</a:t>
+              <a:t>web</a:t>
+            </a:r>
+            <a:r>
+              <a:rPr kumimoji="1" lang="zh-CN" altLang="en-US" dirty="0" smtClean="0"/>
+              <a:t>服务</a:t>
             </a:r>
             <a:endParaRPr kumimoji="1" lang="en-US" altLang="zh-CN" dirty="0" smtClean="0"/>
           </a:p>
           <a:p>
             <a:r>
               <a:rPr kumimoji="1" lang="zh-CN" altLang="en-US" dirty="0" smtClean="0"/>
-              <a:t>引入</a:t>
+              <a:t>独立服务</a:t>
+            </a:r>
+            <a:endParaRPr kumimoji="1" lang="en-US" altLang="zh-CN" dirty="0" smtClean="0"/>
+          </a:p>
+          <a:p>
+            <a:r>
+              <a:rPr kumimoji="1" lang="zh-CN" altLang="en-US" dirty="0" smtClean="0"/>
+              <a:t>事件驱动</a:t>
+            </a:r>
+            <a:r>
+              <a:rPr kumimoji="1" lang="en-US" altLang="zh-CN" dirty="0" smtClean="0"/>
+              <a:t>, emit</a:t>
+            </a:r>
+          </a:p>
+          <a:p>
+            <a:r>
+              <a:rPr kumimoji="1" lang="zh-CN" altLang="en-US" dirty="0" smtClean="0"/>
+              <a:t>连接数问题</a:t>
+            </a:r>
+            <a:r>
+              <a:rPr kumimoji="1" lang="en-US" altLang="zh-CN" dirty="0" smtClean="0"/>
+              <a:t>(</a:t>
+            </a:r>
+            <a:r>
+              <a:rPr lang="en-US" altLang="zh-CN" dirty="0" err="1"/>
+              <a:t>ulimit</a:t>
+            </a:r>
+            <a:r>
+              <a:rPr lang="en-US" altLang="zh-CN" dirty="0"/>
+              <a:t> -n</a:t>
+            </a:r>
+            <a:r>
+              <a:rPr kumimoji="1" lang="en-US" altLang="zh-CN" dirty="0" smtClean="0"/>
+              <a:t>)</a:t>
+            </a:r>
+          </a:p>
+          <a:p>
+            <a:r>
+              <a:rPr kumimoji="1" lang="zh-CN" altLang="en-US" dirty="0" smtClean="0"/>
+              <a:t>部署多节点问题（</a:t>
             </a:r>
             <a:r>
               <a:rPr kumimoji="1" lang="en-US" altLang="zh-CN" dirty="0" smtClean="0"/>
               <a:t>cluster</a:t>
             </a:r>
-          </a:p>
-          <a:p>
-            <a:r>
-              <a:rPr kumimoji="1" lang="zh-CN" altLang="en-US" dirty="0" smtClean="0"/>
-              <a:t>多台机器</a:t>
-            </a:r>
-            <a:r>
-              <a:rPr kumimoji="1" lang="en-US" altLang="zh-CN" dirty="0" smtClean="0"/>
-              <a:t>cluster</a:t>
-            </a:r>
-            <a:r>
-              <a:rPr kumimoji="1" lang="zh-CN" altLang="en-US" dirty="0" smtClean="0"/>
-              <a:t>，负载均衡</a:t>
+            <a:r>
+              <a:rPr kumimoji="1" lang="zh-CN" altLang="en-US" dirty="0" smtClean="0"/>
+              <a:t>问题，负载）</a:t>
             </a:r>
             <a:endParaRPr kumimoji="1" lang="en-US" altLang="zh-CN" dirty="0" smtClean="0"/>
           </a:p>
           <a:p>
             <a:r>
               <a:rPr kumimoji="1" lang="en-US" altLang="zh-CN" dirty="0" err="1" smtClean="0"/>
-              <a:t>Cluster.js</a:t>
-            </a:r>
-            <a:endParaRPr kumimoji="1" lang="en-US" altLang="zh-CN" dirty="0" smtClean="0"/>
-          </a:p>
-          <a:p>
+              <a:t>socketExample.js</a:t>
+            </a:r>
             <a:endParaRPr kumimoji="1" lang="zh-CN" altLang="en-US" dirty="0"/>
           </a:p>
         </p:txBody>
@@ -3593,7 +3630,7 @@
     </p:spTree>
     <p:extLst>
       <p:ext uri="{BB962C8B-B14F-4D97-AF65-F5344CB8AC3E}">
-        <p14:creationId xmlns:p14="http://schemas.microsoft.com/office/powerpoint/2010/main" val="4251629299"/>
+        <p14:creationId xmlns:p14="http://schemas.microsoft.com/office/powerpoint/2010/main" val="304035340"/>
       </p:ext>
     </p:extLst>
   </p:cSld>
@@ -3636,114 +3673,85 @@
           <a:lstStyle/>
           <a:p>
             <a:r>
+              <a:rPr kumimoji="1" lang="zh-CN" altLang="en-US" dirty="0" smtClean="0"/>
+              <a:t>单元测试</a:t>
+            </a:r>
+            <a:endParaRPr kumimoji="1" lang="zh-CN" altLang="en-US" dirty="0"/>
+          </a:p>
+        </p:txBody>
+      </p:sp>
+      <p:sp>
+        <p:nvSpPr>
+          <p:cNvPr id="3" name="内容占位符 2"/>
+          <p:cNvSpPr>
+            <a:spLocks noGrp="1"/>
+          </p:cNvSpPr>
+          <p:nvPr>
+            <p:ph idx="1"/>
+          </p:nvPr>
+        </p:nvSpPr>
+        <p:spPr/>
+        <p:txBody>
+          <a:bodyPr/>
+          <a:lstStyle/>
+          <a:p>
+            <a:r>
+              <a:rPr kumimoji="1" lang="en-US" altLang="en-US" dirty="0" smtClean="0"/>
+              <a:t>Mocha</a:t>
+            </a:r>
+            <a:r>
+              <a:rPr kumimoji="1" lang="zh-CN" altLang="en-US" dirty="0" smtClean="0"/>
+              <a:t>：</a:t>
+            </a:r>
+            <a:r>
+              <a:rPr kumimoji="1" lang="en-US" altLang="zh-CN" dirty="0" err="1" smtClean="0"/>
+              <a:t>mocha.js</a:t>
+            </a:r>
+            <a:endParaRPr kumimoji="1" lang="en-US" altLang="en-US" dirty="0" smtClean="0"/>
+          </a:p>
+          <a:p>
+            <a:r>
               <a:rPr kumimoji="1" lang="en-US" altLang="zh-CN" dirty="0" err="1"/>
-              <a:t>s</a:t>
+              <a:t>a</a:t>
             </a:r>
             <a:r>
               <a:rPr kumimoji="1" lang="en-US" altLang="zh-CN" dirty="0" err="1" smtClean="0"/>
-              <a:t>ocket.io</a:t>
-            </a:r>
-            <a:endParaRPr kumimoji="1" lang="zh-CN" altLang="en-US" dirty="0"/>
-          </a:p>
-        </p:txBody>
-      </p:sp>
-      <p:sp>
-        <p:nvSpPr>
-          <p:cNvPr id="3" name="内容占位符 2"/>
-          <p:cNvSpPr>
-            <a:spLocks noGrp="1"/>
-          </p:cNvSpPr>
-          <p:nvPr>
-            <p:ph idx="1"/>
-          </p:nvPr>
-        </p:nvSpPr>
-        <p:spPr/>
-        <p:txBody>
-          <a:bodyPr>
-            <a:normAutofit/>
-          </a:bodyPr>
-          <a:lstStyle/>
-          <a:p>
-            <a:r>
-              <a:rPr kumimoji="1" lang="zh-CN" altLang="en-US" dirty="0" smtClean="0"/>
-              <a:t>长连接需求</a:t>
+              <a:t>pi</a:t>
+            </a:r>
+            <a:r>
+              <a:rPr kumimoji="1" lang="zh-CN" altLang="en-US" dirty="0" smtClean="0"/>
+              <a:t>测试</a:t>
             </a:r>
             <a:endParaRPr kumimoji="1" lang="en-US" altLang="zh-CN" dirty="0" smtClean="0"/>
           </a:p>
           <a:p>
             <a:r>
               <a:rPr kumimoji="1" lang="zh-CN" altLang="en-US" dirty="0" smtClean="0"/>
-              <a:t>绑定</a:t>
-            </a:r>
-            <a:r>
-              <a:rPr kumimoji="1" lang="en-US" altLang="zh-CN" dirty="0" smtClean="0"/>
-              <a:t>web</a:t>
-            </a:r>
-            <a:r>
-              <a:rPr kumimoji="1" lang="zh-CN" altLang="en-US" dirty="0" smtClean="0"/>
-              <a:t>服务</a:t>
-            </a:r>
-            <a:endParaRPr kumimoji="1" lang="en-US" altLang="zh-CN" dirty="0" smtClean="0"/>
-          </a:p>
-          <a:p>
-            <a:r>
-              <a:rPr kumimoji="1" lang="zh-CN" altLang="en-US" dirty="0" smtClean="0"/>
-              <a:t>独立服务</a:t>
-            </a:r>
-            <a:endParaRPr kumimoji="1" lang="en-US" altLang="zh-CN" dirty="0" smtClean="0"/>
-          </a:p>
-          <a:p>
-            <a:r>
-              <a:rPr kumimoji="1" lang="zh-CN" altLang="en-US" dirty="0" smtClean="0"/>
-              <a:t>事件驱动</a:t>
-            </a:r>
-            <a:r>
-              <a:rPr kumimoji="1" lang="en-US" altLang="zh-CN" dirty="0" smtClean="0"/>
-              <a:t>, emit</a:t>
-            </a:r>
-          </a:p>
-          <a:p>
-            <a:r>
-              <a:rPr kumimoji="1" lang="zh-CN" altLang="en-US" dirty="0" smtClean="0"/>
-              <a:t>连接数问题</a:t>
+              <a:t>自动化</a:t>
             </a:r>
             <a:r>
               <a:rPr kumimoji="1" lang="en-US" altLang="zh-CN" dirty="0" smtClean="0"/>
               <a:t>(</a:t>
             </a:r>
             <a:r>
-              <a:rPr lang="en-US" altLang="zh-CN" dirty="0" err="1"/>
-              <a:t>ulimit</a:t>
-            </a:r>
-            <a:r>
-              <a:rPr lang="en-US" altLang="zh-CN" dirty="0"/>
-              <a:t> -n</a:t>
+              <a:rPr kumimoji="1" lang="en-US" altLang="zh-CN" dirty="0" err="1" smtClean="0"/>
+              <a:t>checkin</a:t>
             </a:r>
             <a:r>
               <a:rPr kumimoji="1" lang="en-US" altLang="zh-CN" dirty="0" smtClean="0"/>
-              <a:t>)</a:t>
-            </a:r>
-          </a:p>
-          <a:p>
-            <a:r>
-              <a:rPr kumimoji="1" lang="zh-CN" altLang="en-US" dirty="0" smtClean="0"/>
-              <a:t>部署多节点问题（</a:t>
+              <a:t>, </a:t>
+            </a:r>
+            <a:r>
+              <a:rPr kumimoji="1" lang="en-US" altLang="zh-CN" dirty="0" err="1" smtClean="0"/>
+              <a:t>crontab</a:t>
             </a:r>
             <a:r>
               <a:rPr kumimoji="1" lang="en-US" altLang="zh-CN" dirty="0" smtClean="0"/>
-              <a:t>cluster</a:t>
-            </a:r>
-            <a:r>
-              <a:rPr kumimoji="1" lang="zh-CN" altLang="en-US" dirty="0" smtClean="0"/>
-              <a:t>问题，负载）</a:t>
-            </a:r>
-            <a:endParaRPr kumimoji="1" lang="en-US" altLang="zh-CN" dirty="0" smtClean="0"/>
-          </a:p>
-          <a:p>
-            <a:r>
-              <a:rPr kumimoji="1" lang="en-US" altLang="zh-CN" dirty="0" err="1" smtClean="0"/>
-              <a:t>socketExample.js</a:t>
-            </a:r>
+              <a:t> and report)</a:t>
+            </a:r>
+            <a:endParaRPr kumimoji="1" lang="en-US" altLang="en-US" dirty="0" smtClean="0"/>
+          </a:p>
+          <a:p>
             <a:endParaRPr kumimoji="1" lang="zh-CN" altLang="en-US" dirty="0"/>
           </a:p>
         </p:txBody>
@@ -3751,7 +3759,7 @@
     </p:spTree>
     <p:extLst>
       <p:ext uri="{BB962C8B-B14F-4D97-AF65-F5344CB8AC3E}">
-        <p14:creationId xmlns:p14="http://schemas.microsoft.com/office/powerpoint/2010/main" val="304035340"/>
+        <p14:creationId xmlns:p14="http://schemas.microsoft.com/office/powerpoint/2010/main" val="2009781946"/>
       </p:ext>
     </p:extLst>
   </p:cSld>
@@ -3795,135 +3803,6 @@
           <a:p>
             <a:r>
               <a:rPr kumimoji="1" lang="zh-CN" altLang="en-US" dirty="0" smtClean="0"/>
-              <a:t>单元测试</a:t>
-            </a:r>
-            <a:endParaRPr kumimoji="1" lang="zh-CN" altLang="en-US" dirty="0"/>
-          </a:p>
-        </p:txBody>
-      </p:sp>
-      <p:sp>
-        <p:nvSpPr>
-          <p:cNvPr id="3" name="内容占位符 2"/>
-          <p:cNvSpPr>
-            <a:spLocks noGrp="1"/>
-          </p:cNvSpPr>
-          <p:nvPr>
-            <p:ph idx="1"/>
-          </p:nvPr>
-        </p:nvSpPr>
-        <p:spPr/>
-        <p:txBody>
-          <a:bodyPr/>
-          <a:lstStyle/>
-          <a:p>
-            <a:r>
-              <a:rPr kumimoji="1" lang="en-US" altLang="en-US" dirty="0" smtClean="0"/>
-              <a:t>Mocha</a:t>
-            </a:r>
-            <a:r>
-              <a:rPr kumimoji="1" lang="zh-CN" altLang="en-US" dirty="0" smtClean="0"/>
-              <a:t>：</a:t>
-            </a:r>
-            <a:r>
-              <a:rPr kumimoji="1" lang="en-US" altLang="zh-CN" dirty="0" err="1" smtClean="0"/>
-              <a:t>mocha.js</a:t>
-            </a:r>
-            <a:endParaRPr kumimoji="1" lang="en-US" altLang="en-US" dirty="0" smtClean="0"/>
-          </a:p>
-          <a:p>
-            <a:r>
-              <a:rPr kumimoji="1" lang="en-US" altLang="zh-CN" dirty="0" err="1"/>
-              <a:t>a</a:t>
-            </a:r>
-            <a:r>
-              <a:rPr kumimoji="1" lang="en-US" altLang="zh-CN" dirty="0" err="1" smtClean="0"/>
-              <a:t>pi</a:t>
-            </a:r>
-            <a:r>
-              <a:rPr kumimoji="1" lang="zh-CN" altLang="en-US" dirty="0" smtClean="0"/>
-              <a:t>测试</a:t>
-            </a:r>
-            <a:endParaRPr kumimoji="1" lang="en-US" altLang="zh-CN" dirty="0" smtClean="0"/>
-          </a:p>
-          <a:p>
-            <a:r>
-              <a:rPr kumimoji="1" lang="zh-CN" altLang="en-US" dirty="0" smtClean="0"/>
-              <a:t>自动化</a:t>
-            </a:r>
-            <a:r>
-              <a:rPr kumimoji="1" lang="en-US" altLang="zh-CN" dirty="0" smtClean="0"/>
-              <a:t>(</a:t>
-            </a:r>
-            <a:r>
-              <a:rPr kumimoji="1" lang="en-US" altLang="zh-CN" dirty="0" err="1" smtClean="0"/>
-              <a:t>checkin</a:t>
-            </a:r>
-            <a:r>
-              <a:rPr kumimoji="1" lang="en-US" altLang="zh-CN" dirty="0" smtClean="0"/>
-              <a:t>, </a:t>
-            </a:r>
-            <a:r>
-              <a:rPr kumimoji="1" lang="en-US" altLang="zh-CN" dirty="0" err="1" smtClean="0"/>
-              <a:t>crontab</a:t>
-            </a:r>
-            <a:r>
-              <a:rPr kumimoji="1" lang="en-US" altLang="zh-CN" dirty="0" smtClean="0"/>
-              <a:t> and report)</a:t>
-            </a:r>
-            <a:endParaRPr kumimoji="1" lang="en-US" altLang="en-US" dirty="0" smtClean="0"/>
-          </a:p>
-          <a:p>
-            <a:endParaRPr kumimoji="1" lang="zh-CN" altLang="en-US" dirty="0"/>
-          </a:p>
-        </p:txBody>
-      </p:sp>
-    </p:spTree>
-    <p:extLst>
-      <p:ext uri="{BB962C8B-B14F-4D97-AF65-F5344CB8AC3E}">
-        <p14:creationId xmlns:p14="http://schemas.microsoft.com/office/powerpoint/2010/main" val="2009781946"/>
-      </p:ext>
-    </p:extLst>
-  </p:cSld>
-  <p:clrMapOvr>
-    <a:masterClrMapping/>
-  </p:clrMapOvr>
-</p:sld>
-</file>
-
-<file path=ppt/slides/slide13.xml><?xml version="1.0" encoding="utf-8"?>
-<p:sld xmlns:a="http://schemas.openxmlformats.org/drawingml/2006/main" xmlns:r="http://schemas.openxmlformats.org/officeDocument/2006/relationships" xmlns:p="http://schemas.openxmlformats.org/presentationml/2006/main">
-  <p:cSld>
-    <p:spTree>
-      <p:nvGrpSpPr>
-        <p:cNvPr id="1" name=""/>
-        <p:cNvGrpSpPr/>
-        <p:nvPr/>
-      </p:nvGrpSpPr>
-      <p:grpSpPr>
-        <a:xfrm>
-          <a:off x="0" y="0"/>
-          <a:ext cx="0" cy="0"/>
-          <a:chOff x="0" y="0"/>
-          <a:chExt cx="0" cy="0"/>
-        </a:xfrm>
-      </p:grpSpPr>
-      <p:sp>
-        <p:nvSpPr>
-          <p:cNvPr id="2" name="标题 1"/>
-          <p:cNvSpPr>
-            <a:spLocks noGrp="1"/>
-          </p:cNvSpPr>
-          <p:nvPr>
-            <p:ph type="title"/>
-          </p:nvPr>
-        </p:nvSpPr>
-        <p:spPr/>
-        <p:txBody>
-          <a:bodyPr/>
-          <a:lstStyle/>
-          <a:p>
-            <a:r>
-              <a:rPr kumimoji="1" lang="zh-CN" altLang="en-US" dirty="0" smtClean="0"/>
               <a:t>调试</a:t>
             </a:r>
             <a:endParaRPr kumimoji="1" lang="zh-CN" altLang="en-US" dirty="0"/>
@@ -3951,8 +3830,9 @@
             </a:r>
             <a:r>
               <a:rPr lang="en-US" altLang="zh-CN" dirty="0" smtClean="0"/>
-              <a:t>inspector</a:t>
-            </a:r>
+              <a:t>inspector &amp;</a:t>
+            </a:r>
+            <a:endParaRPr lang="en-US" altLang="zh-CN" dirty="0" smtClean="0"/>
           </a:p>
           <a:p>
             <a:r>
@@ -4022,6 +3902,141 @@
 </p:sld>
 </file>
 
+<file path=ppt/slides/slide13.xml><?xml version="1.0" encoding="utf-8"?>
+<p:sld xmlns:a="http://schemas.openxmlformats.org/drawingml/2006/main" xmlns:r="http://schemas.openxmlformats.org/officeDocument/2006/relationships" xmlns:p="http://schemas.openxmlformats.org/presentationml/2006/main">
+  <p:cSld>
+    <p:spTree>
+      <p:nvGrpSpPr>
+        <p:cNvPr id="1" name=""/>
+        <p:cNvGrpSpPr/>
+        <p:nvPr/>
+      </p:nvGrpSpPr>
+      <p:grpSpPr>
+        <a:xfrm>
+          <a:off x="0" y="0"/>
+          <a:ext cx="0" cy="0"/>
+          <a:chOff x="0" y="0"/>
+          <a:chExt cx="0" cy="0"/>
+        </a:xfrm>
+      </p:grpSpPr>
+      <p:sp>
+        <p:nvSpPr>
+          <p:cNvPr id="2" name="标题 1"/>
+          <p:cNvSpPr>
+            <a:spLocks noGrp="1"/>
+          </p:cNvSpPr>
+          <p:nvPr>
+            <p:ph type="title"/>
+          </p:nvPr>
+        </p:nvSpPr>
+        <p:spPr/>
+        <p:txBody>
+          <a:bodyPr/>
+          <a:lstStyle/>
+          <a:p>
+            <a:r>
+              <a:rPr kumimoji="1" lang="en-US" altLang="zh-CN" dirty="0" err="1" smtClean="0"/>
+              <a:t>node.js</a:t>
+            </a:r>
+            <a:r>
+              <a:rPr kumimoji="1" lang="zh-CN" altLang="en-US" dirty="0" smtClean="0"/>
+              <a:t>的一些坑</a:t>
+            </a:r>
+            <a:endParaRPr kumimoji="1" lang="zh-CN" altLang="en-US" dirty="0"/>
+          </a:p>
+        </p:txBody>
+      </p:sp>
+      <p:sp>
+        <p:nvSpPr>
+          <p:cNvPr id="3" name="内容占位符 2"/>
+          <p:cNvSpPr>
+            <a:spLocks noGrp="1"/>
+          </p:cNvSpPr>
+          <p:nvPr>
+            <p:ph idx="1"/>
+          </p:nvPr>
+        </p:nvSpPr>
+        <p:spPr/>
+        <p:txBody>
+          <a:bodyPr/>
+          <a:lstStyle/>
+          <a:p>
+            <a:r>
+              <a:rPr kumimoji="1" lang="en-US" altLang="zh-CN" dirty="0" err="1" smtClean="0"/>
+              <a:t>uncaughtException</a:t>
+            </a:r>
+            <a:endParaRPr kumimoji="1" lang="en-US" altLang="zh-CN" dirty="0" smtClean="0"/>
+          </a:p>
+          <a:p>
+            <a:r>
+              <a:rPr kumimoji="1" lang="en-US" altLang="zh-CN" dirty="0" smtClean="0"/>
+              <a:t>System killed /</a:t>
+            </a:r>
+            <a:r>
+              <a:rPr kumimoji="1" lang="en-US" altLang="zh-CN" dirty="0" err="1" smtClean="0"/>
+              <a:t>var</a:t>
+            </a:r>
+            <a:r>
+              <a:rPr kumimoji="1" lang="en-US" altLang="zh-CN" dirty="0" smtClean="0"/>
+              <a:t>/log/messages</a:t>
+            </a:r>
+          </a:p>
+          <a:p>
+            <a:r>
+              <a:rPr kumimoji="1" lang="en-US" altLang="zh-CN" dirty="0" err="1"/>
+              <a:t>p</a:t>
+            </a:r>
+            <a:r>
+              <a:rPr kumimoji="1" lang="en-US" altLang="zh-CN" dirty="0" err="1" smtClean="0"/>
+              <a:t>stack</a:t>
+            </a:r>
+            <a:endParaRPr kumimoji="1" lang="en-US" altLang="zh-CN" dirty="0" smtClean="0"/>
+          </a:p>
+          <a:p>
+            <a:r>
+              <a:rPr kumimoji="1" lang="en-US" altLang="zh-CN" dirty="0" err="1" smtClean="0"/>
+              <a:t>Heapdump</a:t>
+            </a:r>
+            <a:r>
+              <a:rPr kumimoji="1" lang="en-US" altLang="zh-CN" dirty="0" smtClean="0"/>
+              <a:t> </a:t>
+            </a:r>
+            <a:r>
+              <a:rPr kumimoji="1" lang="zh-CN" altLang="en-US" dirty="0" smtClean="0"/>
+              <a:t>内存泄露分析</a:t>
+            </a:r>
+            <a:endParaRPr kumimoji="1" lang="en-US" altLang="zh-CN" dirty="0" smtClean="0"/>
+          </a:p>
+          <a:p>
+            <a:r>
+              <a:rPr kumimoji="1" lang="zh-CN" altLang="en-US" dirty="0" smtClean="0"/>
+              <a:t>闭包问题</a:t>
+            </a:r>
+            <a:r>
+              <a:rPr kumimoji="1" lang="en-US" altLang="zh-CN" dirty="0" smtClean="0"/>
+              <a:t>:</a:t>
+            </a:r>
+            <a:r>
+              <a:rPr kumimoji="1" lang="en-US" altLang="zh-CN" dirty="0" err="1" smtClean="0"/>
+              <a:t>closures.js</a:t>
+            </a:r>
+            <a:endParaRPr kumimoji="1" lang="en-US" altLang="zh-CN" dirty="0" smtClean="0"/>
+          </a:p>
+        </p:txBody>
+      </p:sp>
+    </p:spTree>
+    <p:extLst>
+      <p:ext uri="{BB962C8B-B14F-4D97-AF65-F5344CB8AC3E}">
+        <p14:creationId xmlns:p14="http://schemas.microsoft.com/office/powerpoint/2010/main" val="2970422303"/>
+      </p:ext>
+    </p:extLst>
+  </p:cSld>
+  <p:clrMapOvr>
+    <a:masterClrMapping/>
+  </p:clrMapOvr>
+</p:sld>
+</file>
+
 <file path=ppt/slides/slide14.xml><?xml version="1.0" encoding="utf-8"?>
 <p:sld xmlns:a="http://schemas.openxmlformats.org/drawingml/2006/main" xmlns:r="http://schemas.openxmlformats.org/officeDocument/2006/relationships" xmlns:p="http://schemas.openxmlformats.org/presentationml/2006/main">
   <p:cSld>
@@ -4051,141 +4066,6 @@
         </p:nvSpPr>
         <p:spPr/>
         <p:txBody>
-          <a:bodyPr/>
-          <a:lstStyle/>
-          <a:p>
-            <a:r>
-              <a:rPr kumimoji="1" lang="en-US" altLang="zh-CN" dirty="0" err="1" smtClean="0"/>
-              <a:t>node.js</a:t>
-            </a:r>
-            <a:r>
-              <a:rPr kumimoji="1" lang="zh-CN" altLang="en-US" dirty="0" smtClean="0"/>
-              <a:t>的一些坑</a:t>
-            </a:r>
-            <a:endParaRPr kumimoji="1" lang="zh-CN" altLang="en-US" dirty="0"/>
-          </a:p>
-        </p:txBody>
-      </p:sp>
-      <p:sp>
-        <p:nvSpPr>
-          <p:cNvPr id="3" name="内容占位符 2"/>
-          <p:cNvSpPr>
-            <a:spLocks noGrp="1"/>
-          </p:cNvSpPr>
-          <p:nvPr>
-            <p:ph idx="1"/>
-          </p:nvPr>
-        </p:nvSpPr>
-        <p:spPr/>
-        <p:txBody>
-          <a:bodyPr/>
-          <a:lstStyle/>
-          <a:p>
-            <a:r>
-              <a:rPr kumimoji="1" lang="en-US" altLang="zh-CN" dirty="0" err="1" smtClean="0"/>
-              <a:t>uncaughtException</a:t>
-            </a:r>
-            <a:endParaRPr kumimoji="1" lang="en-US" altLang="zh-CN" dirty="0" smtClean="0"/>
-          </a:p>
-          <a:p>
-            <a:r>
-              <a:rPr kumimoji="1" lang="en-US" altLang="zh-CN" dirty="0" smtClean="0"/>
-              <a:t>System killed /</a:t>
-            </a:r>
-            <a:r>
-              <a:rPr kumimoji="1" lang="en-US" altLang="zh-CN" dirty="0" err="1" smtClean="0"/>
-              <a:t>var</a:t>
-            </a:r>
-            <a:r>
-              <a:rPr kumimoji="1" lang="en-US" altLang="zh-CN" dirty="0" smtClean="0"/>
-              <a:t>/log/messages</a:t>
-            </a:r>
-          </a:p>
-          <a:p>
-            <a:r>
-              <a:rPr kumimoji="1" lang="en-US" altLang="zh-CN" dirty="0" err="1"/>
-              <a:t>p</a:t>
-            </a:r>
-            <a:r>
-              <a:rPr kumimoji="1" lang="en-US" altLang="zh-CN" dirty="0" err="1" smtClean="0"/>
-              <a:t>stack</a:t>
-            </a:r>
-            <a:endParaRPr kumimoji="1" lang="en-US" altLang="zh-CN" dirty="0" smtClean="0"/>
-          </a:p>
-          <a:p>
-            <a:r>
-              <a:rPr kumimoji="1" lang="en-US" altLang="zh-CN" dirty="0" err="1" smtClean="0"/>
-              <a:t>Heapdump</a:t>
-            </a:r>
-            <a:r>
-              <a:rPr kumimoji="1" lang="en-US" altLang="zh-CN" dirty="0" smtClean="0"/>
-              <a:t> </a:t>
-            </a:r>
-            <a:r>
-              <a:rPr kumimoji="1" lang="zh-CN" altLang="en-US" dirty="0" smtClean="0"/>
-              <a:t>内存泄露分析</a:t>
-            </a:r>
-            <a:endParaRPr kumimoji="1" lang="en-US" altLang="zh-CN" dirty="0" smtClean="0"/>
-          </a:p>
-          <a:p>
-            <a:r>
-              <a:rPr kumimoji="1" lang="zh-CN" altLang="en-US" dirty="0" smtClean="0"/>
-              <a:t>闭包问题</a:t>
-            </a:r>
-            <a:r>
-              <a:rPr kumimoji="1" lang="en-US" altLang="zh-CN" dirty="0" smtClean="0"/>
-              <a:t>:</a:t>
-            </a:r>
-            <a:r>
-              <a:rPr kumimoji="1" lang="en-US" altLang="zh-CN" dirty="0" err="1" smtClean="0"/>
-              <a:t>closures.js</a:t>
-            </a:r>
-            <a:endParaRPr kumimoji="1" lang="en-US" altLang="zh-CN" dirty="0" smtClean="0"/>
-          </a:p>
-        </p:txBody>
-      </p:sp>
-    </p:spTree>
-    <p:extLst>
-      <p:ext uri="{BB962C8B-B14F-4D97-AF65-F5344CB8AC3E}">
-        <p14:creationId xmlns:p14="http://schemas.microsoft.com/office/powerpoint/2010/main" val="2970422303"/>
-      </p:ext>
-    </p:extLst>
-  </p:cSld>
-  <p:clrMapOvr>
-    <a:masterClrMapping/>
-  </p:clrMapOvr>
-</p:sld>
-</file>
-
-<file path=ppt/slides/slide15.xml><?xml version="1.0" encoding="utf-8"?>
-<p:sld xmlns:a="http://schemas.openxmlformats.org/drawingml/2006/main" xmlns:r="http://schemas.openxmlformats.org/officeDocument/2006/relationships" xmlns:p="http://schemas.openxmlformats.org/presentationml/2006/main">
-  <p:cSld>
-    <p:spTree>
-      <p:nvGrpSpPr>
-        <p:cNvPr id="1" name=""/>
-        <p:cNvGrpSpPr/>
-        <p:nvPr/>
-      </p:nvGrpSpPr>
-      <p:grpSpPr>
-        <a:xfrm>
-          <a:off x="0" y="0"/>
-          <a:ext cx="0" cy="0"/>
-          <a:chOff x="0" y="0"/>
-          <a:chExt cx="0" cy="0"/>
-        </a:xfrm>
-      </p:grpSpPr>
-      <p:sp>
-        <p:nvSpPr>
-          <p:cNvPr id="2" name="标题 1"/>
-          <p:cNvSpPr>
-            <a:spLocks noGrp="1"/>
-          </p:cNvSpPr>
-          <p:nvPr>
-            <p:ph type="title"/>
-          </p:nvPr>
-        </p:nvSpPr>
-        <p:spPr/>
-        <p:txBody>
           <a:bodyPr>
             <a:normAutofit/>
           </a:bodyPr>
@@ -4292,7 +4172,7 @@
 </p:sld>
 </file>
 
-<file path=ppt/slides/slide16.xml><?xml version="1.0" encoding="utf-8"?>
+<file path=ppt/slides/slide15.xml><?xml version="1.0" encoding="utf-8"?>
 <p:sld xmlns:a="http://schemas.openxmlformats.org/drawingml/2006/main" xmlns:r="http://schemas.openxmlformats.org/officeDocument/2006/relationships" xmlns:p="http://schemas.openxmlformats.org/presentationml/2006/main">
   <p:cSld>
     <p:spTree>
@@ -4588,12 +4468,20 @@
           <a:lstStyle/>
           <a:p>
             <a:r>
-              <a:rPr kumimoji="1" lang="en-US" altLang="zh-CN" dirty="0" err="1" smtClean="0"/>
-              <a:t>node.js</a:t>
-            </a:r>
-            <a:r>
-              <a:rPr kumimoji="1" lang="zh-CN" altLang="en-US" dirty="0" smtClean="0"/>
-              <a:t>用来做什么？</a:t>
+              <a:rPr kumimoji="1" lang="zh-CN" altLang="en-US" dirty="0" smtClean="0"/>
+              <a:t>简单</a:t>
+            </a:r>
+            <a:r>
+              <a:rPr kumimoji="1" lang="zh-CN" altLang="en-US" dirty="0" smtClean="0"/>
+              <a:t>的</a:t>
+            </a:r>
+            <a:r>
+              <a:rPr kumimoji="1" lang="en-US" altLang="zh-CN" dirty="0" smtClean="0"/>
+              <a:t>http</a:t>
+            </a:r>
+            <a:r>
+              <a:rPr kumimoji="1" lang="zh-CN" altLang="en-US" dirty="0" smtClean="0"/>
+              <a:t>服务器</a:t>
             </a:r>
             <a:endParaRPr kumimoji="1" lang="zh-CN" altLang="en-US" dirty="0"/>
           </a:p>
@@ -4615,15 +4503,15 @@
           <a:lstStyle/>
           <a:p>
             <a:r>
-              <a:rPr kumimoji="1" lang="zh-CN" altLang="en-US" dirty="0" smtClean="0"/>
-              <a:t>适合做什么</a:t>
-            </a:r>
-            <a:endParaRPr kumimoji="1" lang="en-US" altLang="zh-CN" dirty="0" smtClean="0"/>
-          </a:p>
-          <a:p>
-            <a:r>
-              <a:rPr kumimoji="1" lang="zh-CN" altLang="en-US" dirty="0" smtClean="0"/>
-              <a:t>不适合做什么</a:t>
+              <a:rPr kumimoji="1" lang="en-US" altLang="en-US" dirty="0" err="1" smtClean="0"/>
+              <a:t>内置http服务器</a:t>
+            </a:r>
+            <a:endParaRPr kumimoji="1" lang="en-US" altLang="en-US" dirty="0" smtClean="0"/>
+          </a:p>
+          <a:p>
+            <a:r>
+              <a:rPr kumimoji="1" lang="en-US" altLang="en-US" dirty="0" err="1" smtClean="0"/>
+              <a:t>示例代码http.js</a:t>
             </a:r>
             <a:endParaRPr kumimoji="1" lang="zh-CN" altLang="en-US" dirty="0"/>
           </a:p>
@@ -4632,7 +4520,7 @@
     </p:spTree>
     <p:extLst>
       <p:ext uri="{BB962C8B-B14F-4D97-AF65-F5344CB8AC3E}">
-        <p14:creationId xmlns:p14="http://schemas.microsoft.com/office/powerpoint/2010/main" val="808015901"/>
+        <p14:creationId xmlns:p14="http://schemas.microsoft.com/office/powerpoint/2010/main" val="485519517"/>
       </p:ext>
     </p:extLst>
   </p:cSld>
@@ -4675,59 +4563,204 @@
           <a:lstStyle/>
           <a:p>
             <a:r>
-              <a:rPr kumimoji="1" lang="zh-CN" altLang="en-US" smtClean="0"/>
-              <a:t>简单</a:t>
-            </a:r>
-            <a:r>
-              <a:rPr kumimoji="1" lang="zh-CN" altLang="en-US" dirty="0" smtClean="0"/>
-              <a:t>的</a:t>
+              <a:rPr kumimoji="1" lang="zh-CN" altLang="en-US" dirty="0" smtClean="0"/>
+              <a:t>模块机制</a:t>
+            </a:r>
+            <a:endParaRPr kumimoji="1" lang="zh-CN" altLang="en-US" dirty="0"/>
+          </a:p>
+        </p:txBody>
+      </p:sp>
+      <p:sp>
+        <p:nvSpPr>
+          <p:cNvPr id="3" name="内容占位符 2"/>
+          <p:cNvSpPr>
+            <a:spLocks noGrp="1"/>
+          </p:cNvSpPr>
+          <p:nvPr>
+            <p:ph idx="1"/>
+          </p:nvPr>
+        </p:nvSpPr>
+        <p:spPr/>
+        <p:txBody>
+          <a:bodyPr>
+            <a:normAutofit fontScale="92500" lnSpcReduction="20000"/>
+          </a:bodyPr>
+          <a:lstStyle/>
+          <a:p>
+            <a:r>
+              <a:rPr kumimoji="1" lang="zh-CN" altLang="en-US" dirty="0" smtClean="0"/>
+              <a:t>模块引用</a:t>
             </a:r>
             <a:r>
               <a:rPr kumimoji="1" lang="en-US" altLang="zh-CN" dirty="0" smtClean="0"/>
-              <a:t>http</a:t>
-            </a:r>
-            <a:r>
-              <a:rPr kumimoji="1" lang="zh-CN" altLang="en-US" dirty="0" smtClean="0"/>
-              <a:t>服务器</a:t>
-            </a:r>
-            <a:endParaRPr kumimoji="1" lang="zh-CN" altLang="en-US" dirty="0"/>
-          </a:p>
-        </p:txBody>
-      </p:sp>
-      <p:sp>
-        <p:nvSpPr>
-          <p:cNvPr id="3" name="内容占位符 2"/>
-          <p:cNvSpPr>
-            <a:spLocks noGrp="1"/>
-          </p:cNvSpPr>
-          <p:nvPr>
-            <p:ph idx="1"/>
-          </p:nvPr>
-        </p:nvSpPr>
-        <p:spPr/>
-        <p:txBody>
-          <a:bodyPr/>
-          <a:lstStyle/>
-          <a:p>
-            <a:r>
-              <a:rPr kumimoji="1" lang="en-US" altLang="en-US" dirty="0" err="1" smtClean="0"/>
-              <a:t>内置http服务器</a:t>
-            </a:r>
-            <a:endParaRPr kumimoji="1" lang="en-US" altLang="en-US" dirty="0" smtClean="0"/>
-          </a:p>
-          <a:p>
-            <a:r>
-              <a:rPr kumimoji="1" lang="en-US" altLang="en-US" dirty="0" err="1" smtClean="0"/>
-              <a:t>示例代码http.js</a:t>
-            </a:r>
-            <a:endParaRPr kumimoji="1" lang="zh-CN" altLang="en-US" dirty="0"/>
+              <a:t>-require</a:t>
+            </a:r>
+          </a:p>
+          <a:p>
+            <a:r>
+              <a:rPr kumimoji="1" lang="zh-CN" altLang="en-US" dirty="0" smtClean="0"/>
+              <a:t>定义一个</a:t>
+            </a:r>
+            <a:r>
+              <a:rPr kumimoji="1" lang="en-US" altLang="zh-CN" dirty="0" smtClean="0"/>
+              <a:t>node</a:t>
+            </a:r>
+            <a:r>
+              <a:rPr kumimoji="1" lang="zh-CN" altLang="en-US" dirty="0" smtClean="0"/>
+              <a:t>模块</a:t>
+            </a:r>
+            <a:r>
+              <a:rPr kumimoji="1" lang="en-US" altLang="zh-CN" dirty="0" smtClean="0"/>
+              <a:t>:testRequire1.js</a:t>
+            </a:r>
+            <a:r>
+              <a:rPr kumimoji="1" lang="zh-CN" altLang="en-US" dirty="0" smtClean="0"/>
+              <a:t>，</a:t>
+            </a:r>
+            <a:r>
+              <a:rPr kumimoji="1" lang="en-US" altLang="zh-CN" dirty="0" err="1" smtClean="0"/>
+              <a:t>testRequireMain.js</a:t>
+            </a:r>
+            <a:endParaRPr kumimoji="1" lang="en-US" altLang="zh-CN" dirty="0" smtClean="0"/>
+          </a:p>
+          <a:p>
+            <a:r>
+              <a:rPr kumimoji="1" lang="en-US" altLang="zh-CN" dirty="0" smtClean="0"/>
+              <a:t>exports</a:t>
+            </a:r>
+            <a:r>
+              <a:rPr kumimoji="1" lang="zh-CN" altLang="en-US" dirty="0" smtClean="0"/>
+              <a:t>和</a:t>
+            </a:r>
+            <a:r>
+              <a:rPr kumimoji="1" lang="en-US" altLang="zh-CN" dirty="0" err="1" smtClean="0"/>
+              <a:t>module.exports:testExport.js</a:t>
+            </a:r>
+            <a:r>
+              <a:rPr kumimoji="1" lang="en-US" altLang="zh-CN" dirty="0" smtClean="0"/>
+              <a:t>, </a:t>
+            </a:r>
+            <a:r>
+              <a:rPr kumimoji="1" lang="en-US" altLang="zh-CN" dirty="0" err="1" smtClean="0"/>
+              <a:t>testExportMain</a:t>
+            </a:r>
+            <a:r>
+              <a:rPr kumimoji="1" lang="en-US" altLang="zh-CN" dirty="0" err="1" smtClean="0"/>
+              <a:t>.js</a:t>
+            </a:r>
+            <a:endParaRPr kumimoji="1" lang="en-US" altLang="zh-CN" dirty="0" smtClean="0"/>
+          </a:p>
+          <a:p>
+            <a:r>
+              <a:rPr kumimoji="1" lang="zh-CN" altLang="en-US" dirty="0" smtClean="0"/>
+              <a:t>模块寻址路径</a:t>
+            </a:r>
+            <a:r>
+              <a:rPr kumimoji="1" lang="en-US" altLang="zh-CN" dirty="0" smtClean="0"/>
+              <a:t>-</a:t>
+            </a:r>
+            <a:r>
+              <a:rPr kumimoji="1" lang="zh-CN" altLang="en-US" dirty="0" smtClean="0"/>
+              <a:t>同级目录</a:t>
+            </a:r>
+            <a:r>
+              <a:rPr kumimoji="1" lang="en-US" altLang="zh-CN" dirty="0" smtClean="0"/>
+              <a:t>-</a:t>
+            </a:r>
+            <a:r>
+              <a:rPr kumimoji="1" lang="zh-CN" altLang="en-US" dirty="0" smtClean="0"/>
+              <a:t>当前目录</a:t>
+            </a:r>
+            <a:r>
+              <a:rPr kumimoji="1" lang="en-US" altLang="zh-CN" dirty="0" err="1" smtClean="0"/>
+              <a:t>node_modules</a:t>
+            </a:r>
+            <a:r>
+              <a:rPr kumimoji="1" lang="zh-CN" altLang="en-US" dirty="0" smtClean="0"/>
+              <a:t>目录</a:t>
+            </a:r>
+            <a:r>
+              <a:rPr kumimoji="1" lang="en-US" altLang="zh-CN" dirty="0" smtClean="0"/>
+              <a:t>-</a:t>
+            </a:r>
+            <a:r>
+              <a:rPr kumimoji="1" lang="zh-CN" altLang="en-US" dirty="0" smtClean="0"/>
+              <a:t>父目录</a:t>
+            </a:r>
+            <a:r>
+              <a:rPr kumimoji="1" lang="en-US" altLang="zh-CN" dirty="0" smtClean="0"/>
+              <a:t>-</a:t>
+            </a:r>
+            <a:r>
+              <a:rPr kumimoji="1" lang="zh-CN" altLang="en-US" dirty="0" smtClean="0"/>
+              <a:t>环境变量</a:t>
+            </a:r>
+            <a:r>
+              <a:rPr kumimoji="1" lang="en-US" altLang="zh-CN" dirty="0" smtClean="0"/>
+              <a:t>NODE_PATH</a:t>
+            </a:r>
+            <a:r>
+              <a:rPr kumimoji="1" lang="zh-CN" altLang="en-US" dirty="0" smtClean="0"/>
+              <a:t>指定目录下</a:t>
+            </a:r>
+            <a:endParaRPr kumimoji="1" lang="en-US" altLang="zh-CN" dirty="0" smtClean="0"/>
+          </a:p>
+          <a:p>
+            <a:r>
+              <a:rPr kumimoji="1" lang="en-US" altLang="zh-CN" dirty="0" err="1"/>
+              <a:t>n</a:t>
+            </a:r>
+            <a:r>
+              <a:rPr kumimoji="1" lang="en-US" altLang="zh-CN" dirty="0" err="1" smtClean="0"/>
+              <a:t>pm</a:t>
+            </a:r>
+            <a:r>
+              <a:rPr kumimoji="1" lang="zh-CN" altLang="en-US" dirty="0" smtClean="0"/>
+              <a:t>包管理器</a:t>
+            </a:r>
+            <a:r>
+              <a:rPr kumimoji="1" lang="en-US" altLang="zh-CN" dirty="0" smtClean="0"/>
+              <a:t>-</a:t>
+            </a:r>
+            <a:r>
+              <a:rPr kumimoji="1" lang="zh-CN" altLang="en-US" dirty="0" smtClean="0"/>
+              <a:t>所有开源模块的仓库</a:t>
+            </a:r>
+            <a:r>
+              <a:rPr kumimoji="1" lang="en-US" altLang="zh-CN" dirty="0" smtClean="0"/>
+              <a:t>(</a:t>
+            </a:r>
+            <a:r>
+              <a:rPr kumimoji="1" lang="en-US" altLang="zh-CN" dirty="0" err="1" smtClean="0"/>
+              <a:t>npm</a:t>
+            </a:r>
+            <a:r>
+              <a:rPr kumimoji="1" lang="en-US" altLang="zh-CN" dirty="0" smtClean="0"/>
+              <a:t> install </a:t>
+            </a:r>
+            <a:r>
+              <a:rPr kumimoji="1" lang="en-US" altLang="zh-CN" dirty="0" err="1" smtClean="0"/>
+              <a:t>modulename;npm</a:t>
+            </a:r>
+            <a:r>
+              <a:rPr kumimoji="1" lang="en-US" altLang="zh-CN" dirty="0" smtClean="0"/>
+              <a:t> install </a:t>
+            </a:r>
+            <a:r>
+              <a:rPr kumimoji="1" lang="en-US" altLang="zh-CN" dirty="0" err="1" smtClean="0"/>
+              <a:t>modulename</a:t>
+            </a:r>
+            <a:r>
+              <a:rPr kumimoji="1" lang="en-US" altLang="zh-CN" dirty="0" smtClean="0"/>
+              <a:t> -g)</a:t>
+            </a:r>
           </a:p>
         </p:txBody>
       </p:sp>
     </p:spTree>
     <p:extLst>
       <p:ext uri="{BB962C8B-B14F-4D97-AF65-F5344CB8AC3E}">
-        <p14:creationId xmlns:p14="http://schemas.microsoft.com/office/powerpoint/2010/main" val="485519517"/>
+        <p14:creationId xmlns:p14="http://schemas.microsoft.com/office/powerpoint/2010/main" val="329036435"/>
       </p:ext>
     </p:extLst>
   </p:cSld>
@@ -4770,8 +4803,12 @@
           <a:lstStyle/>
           <a:p>
             <a:r>
-              <a:rPr kumimoji="1" lang="zh-CN" altLang="en-US" dirty="0" smtClean="0"/>
-              <a:t>模块机制</a:t>
+              <a:rPr kumimoji="1" lang="en-US" altLang="zh-CN" dirty="0" err="1" smtClean="0"/>
+              <a:t>node.js</a:t>
+            </a:r>
+            <a:r>
+              <a:rPr kumimoji="1" lang="zh-CN" altLang="en-US" dirty="0" smtClean="0"/>
+              <a:t>访问数据</a:t>
             </a:r>
             <a:endParaRPr kumimoji="1" lang="zh-CN" altLang="en-US" dirty="0"/>
           </a:p>
@@ -4789,172 +4826,87 @@
         </p:nvSpPr>
         <p:spPr/>
         <p:txBody>
-          <a:bodyPr>
-            <a:normAutofit fontScale="92500" lnSpcReduction="10000"/>
-          </a:bodyPr>
-          <a:lstStyle/>
-          <a:p>
-            <a:r>
-              <a:rPr kumimoji="1" lang="zh-CN" altLang="en-US" dirty="0" smtClean="0"/>
-              <a:t>模块引用</a:t>
+          <a:bodyPr/>
+          <a:lstStyle/>
+          <a:p>
+            <a:r>
+              <a:rPr kumimoji="1" lang="zh-CN" altLang="en-US" dirty="0" smtClean="0"/>
+              <a:t>文件</a:t>
+            </a:r>
+            <a:r>
+              <a:rPr kumimoji="1" lang="en-US" altLang="zh-CN" dirty="0"/>
+              <a:t>,</a:t>
             </a:r>
             <a:r>
               <a:rPr kumimoji="1" lang="en-US" altLang="zh-CN" dirty="0" smtClean="0"/>
-              <a:t>-require</a:t>
-            </a:r>
-          </a:p>
-          <a:p>
-            <a:r>
-              <a:rPr kumimoji="1" lang="zh-CN" altLang="en-US" dirty="0" smtClean="0"/>
-              <a:t>定义一个</a:t>
+              <a:t>require(‘</a:t>
+            </a:r>
+            <a:r>
+              <a:rPr kumimoji="1" lang="en-US" altLang="zh-CN" dirty="0" err="1" smtClean="0"/>
+              <a:t>fs</a:t>
             </a:r>
             <a:r>
               <a:rPr kumimoji="1" lang="en-US" altLang="zh-CN" dirty="0" smtClean="0"/>
-              <a:t>node</a:t>
-            </a:r>
-            <a:r>
-              <a:rPr kumimoji="1" lang="zh-CN" altLang="en-US" dirty="0" smtClean="0"/>
-              <a:t>模块</a:t>
-            </a:r>
-            <a:r>
-              <a:rPr kumimoji="1" lang="en-US" altLang="zh-CN" dirty="0" smtClean="0"/>
-              <a:t>:testRequire1.js</a:t>
-            </a:r>
-            <a:r>
-              <a:rPr kumimoji="1" lang="zh-CN" altLang="en-US" dirty="0" smtClean="0"/>
-              <a:t>，</a:t>
+              <a:t>’),</a:t>
+            </a:r>
+            <a:r>
+              <a:rPr kumimoji="1" lang="zh-CN" altLang="en-US" dirty="0" smtClean="0"/>
+              <a:t>文件读写，文件流读写，文件基本操作</a:t>
+            </a:r>
+            <a:endParaRPr kumimoji="1" lang="en-US" altLang="zh-CN" dirty="0" smtClean="0"/>
+          </a:p>
+          <a:p>
+            <a:r>
+              <a:rPr kumimoji="1" lang="zh-CN" altLang="en-US" dirty="0" smtClean="0"/>
+              <a:t>数据库</a:t>
             </a:r>
             <a:r>
               <a:rPr kumimoji="1" lang="en-US" altLang="zh-CN" dirty="0" err="1" smtClean="0"/>
-              <a:t>testRequireMain.js</a:t>
-            </a:r>
-            <a:endParaRPr kumimoji="1" lang="en-US" altLang="zh-CN" dirty="0" smtClean="0"/>
-          </a:p>
-          <a:p>
-            <a:r>
-              <a:rPr kumimoji="1" lang="en-US" altLang="zh-CN" dirty="0" smtClean="0"/>
-              <a:t>exports</a:t>
-            </a:r>
-            <a:r>
-              <a:rPr kumimoji="1" lang="zh-CN" altLang="en-US" dirty="0" smtClean="0"/>
-              <a:t>和</a:t>
-            </a:r>
-            <a:r>
-              <a:rPr kumimoji="1" lang="en-US" altLang="zh-CN" dirty="0" smtClean="0"/>
-              <a:t>module.exports:test5.js, test6.js</a:t>
-            </a:r>
-          </a:p>
-          <a:p>
-            <a:r>
-              <a:rPr kumimoji="1" lang="zh-CN" altLang="en-US" dirty="0" smtClean="0"/>
-              <a:t>模块寻址路径</a:t>
-            </a:r>
-            <a:r>
-              <a:rPr kumimoji="1" lang="en-US" altLang="zh-CN" dirty="0" smtClean="0"/>
-              <a:t>-</a:t>
-            </a:r>
-            <a:r>
-              <a:rPr kumimoji="1" lang="zh-CN" altLang="en-US" dirty="0" smtClean="0"/>
-              <a:t>同级目录</a:t>
-            </a:r>
-            <a:r>
-              <a:rPr kumimoji="1" lang="en-US" altLang="zh-CN" dirty="0" smtClean="0"/>
-              <a:t>-</a:t>
-            </a:r>
-            <a:r>
-              <a:rPr kumimoji="1" lang="zh-CN" altLang="en-US" dirty="0" smtClean="0"/>
-              <a:t>当前目录</a:t>
-            </a:r>
-            <a:r>
-              <a:rPr kumimoji="1" lang="en-US" altLang="zh-CN" dirty="0" err="1" smtClean="0"/>
-              <a:t>node_modules</a:t>
-            </a:r>
-            <a:r>
-              <a:rPr kumimoji="1" lang="zh-CN" altLang="en-US" dirty="0" smtClean="0"/>
-              <a:t>目录</a:t>
-            </a:r>
-            <a:r>
-              <a:rPr kumimoji="1" lang="en-US" altLang="zh-CN" dirty="0" smtClean="0"/>
-              <a:t>-</a:t>
-            </a:r>
-            <a:r>
-              <a:rPr kumimoji="1" lang="zh-CN" altLang="en-US" dirty="0" smtClean="0"/>
-              <a:t>父目录</a:t>
-            </a:r>
-            <a:r>
-              <a:rPr kumimoji="1" lang="en-US" altLang="zh-CN" dirty="0" smtClean="0"/>
-              <a:t>-</a:t>
-            </a:r>
-            <a:r>
-              <a:rPr kumimoji="1" lang="zh-CN" altLang="en-US" dirty="0" smtClean="0"/>
-              <a:t>环境变量</a:t>
-            </a:r>
-            <a:r>
-              <a:rPr kumimoji="1" lang="en-US" altLang="zh-CN" dirty="0" smtClean="0"/>
-              <a:t>NODE_PATH</a:t>
-            </a:r>
-            <a:r>
-              <a:rPr kumimoji="1" lang="zh-CN" altLang="en-US" dirty="0" smtClean="0"/>
-              <a:t>指定目录下</a:t>
-            </a:r>
-            <a:endParaRPr kumimoji="1" lang="en-US" altLang="zh-CN" dirty="0" smtClean="0"/>
-          </a:p>
-          <a:p>
-            <a:r>
-              <a:rPr kumimoji="1" lang="en-US" altLang="zh-CN" dirty="0" err="1"/>
-              <a:t>n</a:t>
-            </a:r>
-            <a:r>
-              <a:rPr kumimoji="1" lang="en-US" altLang="zh-CN" dirty="0" err="1" smtClean="0"/>
-              <a:t>pm</a:t>
-            </a:r>
-            <a:r>
-              <a:rPr kumimoji="1" lang="zh-CN" altLang="en-US" dirty="0" smtClean="0"/>
-              <a:t>包管理器</a:t>
-            </a:r>
-            <a:r>
-              <a:rPr kumimoji="1" lang="en-US" altLang="zh-CN" dirty="0" smtClean="0"/>
-              <a:t>-</a:t>
-            </a:r>
-            <a:r>
-              <a:rPr kumimoji="1" lang="zh-CN" altLang="en-US" dirty="0" smtClean="0"/>
-              <a:t>所有开源模块的仓库</a:t>
+              <a:t>mysql,oracle</a:t>
             </a:r>
             <a:r>
               <a:rPr kumimoji="1" lang="en-US" altLang="zh-CN" dirty="0" smtClean="0"/>
               <a:t>(</a:t>
             </a:r>
             <a:r>
+              <a:rPr kumimoji="1" lang="zh-CN" altLang="en-US" dirty="0" smtClean="0"/>
+              <a:t>注意单线程并发</a:t>
+            </a:r>
+            <a:r>
+              <a:rPr kumimoji="1" lang="en-US" altLang="zh-CN" dirty="0" smtClean="0"/>
+              <a:t>):</a:t>
+            </a:r>
+            <a:r>
               <a:rPr kumimoji="1" lang="en-US" altLang="zh-CN" dirty="0" err="1" smtClean="0"/>
-              <a:t>npm</a:t>
+              <a:t>testMysql.js</a:t>
             </a:r>
             <a:r>
               <a:rPr kumimoji="1" lang="en-US" altLang="zh-CN" dirty="0" smtClean="0"/>
-              <a:t> install </a:t>
+              <a:t>, </a:t>
             </a:r>
             <a:r>
               <a:rPr kumimoji="1" lang="en-US" altLang="zh-CN" dirty="0" err="1" smtClean="0"/>
-              <a:t>modulename;npm</a:t>
-            </a:r>
-            <a:r>
-              <a:rPr kumimoji="1" lang="en-US" altLang="zh-CN" dirty="0" smtClean="0"/>
-              <a:t> install </a:t>
+              <a:t>testOracle.js</a:t>
+            </a:r>
+            <a:endParaRPr kumimoji="1" lang="en-US" altLang="zh-CN" dirty="0" smtClean="0"/>
+          </a:p>
+          <a:p>
+            <a:r>
+              <a:rPr kumimoji="1" lang="zh-CN" altLang="en-US" dirty="0" smtClean="0"/>
+              <a:t>缓存</a:t>
             </a:r>
             <a:r>
               <a:rPr kumimoji="1" lang="en-US" altLang="zh-CN" dirty="0" err="1" smtClean="0"/>
-              <a:t>modulename</a:t>
-            </a:r>
-            <a:r>
-              <a:rPr kumimoji="1" lang="en-US" altLang="zh-CN" dirty="0" smtClean="0"/>
-              <a:t> -g)</a:t>
-            </a:r>
+              <a:t>redis:testRedis.js</a:t>
+            </a:r>
+            <a:endParaRPr kumimoji="1" lang="en-US" altLang="zh-CN" dirty="0" smtClean="0"/>
           </a:p>
         </p:txBody>
       </p:sp>
     </p:spTree>
     <p:extLst>
       <p:ext uri="{BB962C8B-B14F-4D97-AF65-F5344CB8AC3E}">
-        <p14:creationId xmlns:p14="http://schemas.microsoft.com/office/powerpoint/2010/main" val="329036435"/>
+        <p14:creationId xmlns:p14="http://schemas.microsoft.com/office/powerpoint/2010/main" val="3831077612"/>
       </p:ext>
     </p:extLst>
   </p:cSld>
@@ -4997,82 +4949,39 @@
           <a:lstStyle/>
           <a:p>
             <a:r>
+              <a:rPr kumimoji="1" lang="zh-CN" altLang="en-US" dirty="0" smtClean="0"/>
+              <a:t>异步编程的难点</a:t>
+            </a:r>
+            <a:endParaRPr kumimoji="1" lang="zh-CN" altLang="en-US" dirty="0"/>
+          </a:p>
+        </p:txBody>
+      </p:sp>
+      <p:sp>
+        <p:nvSpPr>
+          <p:cNvPr id="3" name="内容占位符 2"/>
+          <p:cNvSpPr>
+            <a:spLocks noGrp="1"/>
+          </p:cNvSpPr>
+          <p:nvPr>
+            <p:ph idx="1"/>
+          </p:nvPr>
+        </p:nvSpPr>
+        <p:spPr/>
+        <p:txBody>
+          <a:bodyPr/>
+          <a:lstStyle/>
+          <a:p>
+            <a:r>
+              <a:rPr kumimoji="1" lang="zh-CN" altLang="en-US" dirty="0" smtClean="0"/>
+              <a:t>对外服务应用永远不要阻塞线程</a:t>
+            </a:r>
+            <a:r>
+              <a:rPr kumimoji="1" lang="en-US" altLang="zh-CN" dirty="0" smtClean="0"/>
+              <a:t>:</a:t>
+            </a:r>
+            <a:r>
               <a:rPr kumimoji="1" lang="en-US" altLang="zh-CN" dirty="0" err="1" smtClean="0"/>
-              <a:t>node.js</a:t>
-            </a:r>
-            <a:r>
-              <a:rPr kumimoji="1" lang="zh-CN" altLang="en-US" dirty="0" smtClean="0"/>
-              <a:t>访问数据</a:t>
-            </a:r>
-            <a:endParaRPr kumimoji="1" lang="zh-CN" altLang="en-US" dirty="0"/>
-          </a:p>
-        </p:txBody>
-      </p:sp>
-      <p:sp>
-        <p:nvSpPr>
-          <p:cNvPr id="3" name="内容占位符 2"/>
-          <p:cNvSpPr>
-            <a:spLocks noGrp="1"/>
-          </p:cNvSpPr>
-          <p:nvPr>
-            <p:ph idx="1"/>
-          </p:nvPr>
-        </p:nvSpPr>
-        <p:spPr/>
-        <p:txBody>
-          <a:bodyPr/>
-          <a:lstStyle/>
-          <a:p>
-            <a:r>
-              <a:rPr kumimoji="1" lang="zh-CN" altLang="en-US" dirty="0" smtClean="0"/>
-              <a:t>文件</a:t>
-            </a:r>
-            <a:r>
-              <a:rPr kumimoji="1" lang="en-US" altLang="zh-CN" dirty="0"/>
-              <a:t>,</a:t>
-            </a:r>
-            <a:r>
-              <a:rPr kumimoji="1" lang="en-US" altLang="zh-CN" dirty="0" smtClean="0"/>
-              <a:t>require(‘</a:t>
-            </a:r>
-            <a:r>
-              <a:rPr kumimoji="1" lang="en-US" altLang="zh-CN" dirty="0" err="1" smtClean="0"/>
-              <a:t>fs</a:t>
-            </a:r>
-            <a:r>
-              <a:rPr kumimoji="1" lang="en-US" altLang="zh-CN" dirty="0" smtClean="0"/>
-              <a:t>’),</a:t>
-            </a:r>
-            <a:r>
-              <a:rPr kumimoji="1" lang="zh-CN" altLang="en-US" dirty="0" smtClean="0"/>
-              <a:t>文件读写，文件流读写，文件基本操作</a:t>
-            </a:r>
-            <a:endParaRPr kumimoji="1" lang="en-US" altLang="zh-CN" dirty="0" smtClean="0"/>
-          </a:p>
-          <a:p>
-            <a:r>
-              <a:rPr kumimoji="1" lang="zh-CN" altLang="en-US" dirty="0" smtClean="0"/>
-              <a:t>数据库</a:t>
-            </a:r>
-            <a:r>
-              <a:rPr kumimoji="1" lang="en-US" altLang="zh-CN" dirty="0" err="1" smtClean="0"/>
-              <a:t>mysql,oracle</a:t>
-            </a:r>
-            <a:r>
-              <a:rPr kumimoji="1" lang="en-US" altLang="zh-CN" dirty="0" smtClean="0"/>
-              <a:t>(</a:t>
-            </a:r>
-            <a:r>
-              <a:rPr kumimoji="1" lang="zh-CN" altLang="en-US" dirty="0" smtClean="0"/>
-              <a:t>注意单线程并发</a:t>
-            </a:r>
-            <a:r>
-              <a:rPr kumimoji="1" lang="en-US" altLang="zh-CN" dirty="0" smtClean="0"/>
-              <a:t>):</a:t>
-            </a:r>
-            <a:r>
-              <a:rPr kumimoji="1" lang="en-US" altLang="zh-CN" dirty="0" err="1" smtClean="0"/>
-              <a:t>testMysql.js</a:t>
+              <a:t>testAsyncHttp.js</a:t>
             </a:r>
             <a:r>
               <a:rPr kumimoji="1" lang="en-US" altLang="zh-CN" dirty="0" smtClean="0"/>
@@ -5080,27 +4989,84 @@
             </a:r>
             <a:r>
               <a:rPr kumimoji="1" lang="en-US" altLang="zh-CN" dirty="0" err="1" smtClean="0"/>
-              <a:t>testOracle.js</a:t>
+              <a:t>testSyncHttp.js</a:t>
             </a:r>
             <a:endParaRPr kumimoji="1" lang="en-US" altLang="zh-CN" dirty="0" smtClean="0"/>
           </a:p>
           <a:p>
             <a:r>
-              <a:rPr kumimoji="1" lang="zh-CN" altLang="en-US" dirty="0" smtClean="0"/>
-              <a:t>缓存</a:t>
-            </a:r>
-            <a:r>
               <a:rPr kumimoji="1" lang="en-US" altLang="zh-CN" dirty="0" err="1" smtClean="0"/>
-              <a:t>redis:testRedis.js</a:t>
+              <a:t>Ab</a:t>
+            </a:r>
+            <a:r>
+              <a:rPr kumimoji="1" lang="zh-CN" altLang="en-US" dirty="0" smtClean="0"/>
+              <a:t>压力测试</a:t>
             </a:r>
             <a:endParaRPr kumimoji="1" lang="en-US" altLang="zh-CN" dirty="0" smtClean="0"/>
           </a:p>
-        </p:txBody>
-      </p:sp>
+          <a:p>
+            <a:pPr marL="0" indent="0">
+              <a:buNone/>
+            </a:pPr>
+            <a:r>
+              <a:rPr kumimoji="1" lang="en-US" altLang="zh-CN" sz="2000" dirty="0" smtClean="0"/>
+              <a:t>	</a:t>
+            </a:r>
+            <a:r>
+              <a:rPr kumimoji="1" lang="en-US" altLang="zh-CN" sz="2000" dirty="0" err="1" smtClean="0"/>
+              <a:t>ab</a:t>
+            </a:r>
+            <a:r>
+              <a:rPr kumimoji="1" lang="en-US" altLang="zh-CN" sz="2000" dirty="0" smtClean="0"/>
+              <a:t> -n 1000 -c 50 127.0.0.1:3000/&gt;&gt;</a:t>
+            </a:r>
+            <a:r>
+              <a:rPr kumimoji="1" lang="en-US" altLang="zh-CN" sz="2000" dirty="0" err="1" smtClean="0"/>
+              <a:t>test.txt</a:t>
+            </a:r>
+            <a:endParaRPr kumimoji="1" lang="en-US" altLang="zh-CN" sz="2000" dirty="0" smtClean="0"/>
+          </a:p>
+          <a:p>
+            <a:pPr marL="0" indent="0">
+              <a:buNone/>
+            </a:pPr>
+            <a:r>
+              <a:rPr kumimoji="1" lang="en-US" altLang="zh-CN" sz="2000" dirty="0"/>
+              <a:t>	</a:t>
+            </a:r>
+            <a:endParaRPr kumimoji="1" lang="en-US" altLang="zh-CN" sz="2000" dirty="0" smtClean="0"/>
+          </a:p>
+          <a:p>
+            <a:endParaRPr kumimoji="1" lang="zh-CN" altLang="en-US" dirty="0"/>
+          </a:p>
+        </p:txBody>
+      </p:sp>
+      <p:graphicFrame>
+        <p:nvGraphicFramePr>
+          <p:cNvPr id="4" name="图表 3"/>
+          <p:cNvGraphicFramePr/>
+          <p:nvPr>
+            <p:extLst>
+              <p:ext uri="{D42A27DB-BD31-4B8C-83A1-F6EECF244321}">
+                <p14:modId xmlns:p14="http://schemas.microsoft.com/office/powerpoint/2010/main" val="3956640735"/>
+              </p:ext>
+            </p:extLst>
+          </p:nvPr>
+        </p:nvGraphicFramePr>
+        <p:xfrm>
+          <a:off x="1561721" y="3572446"/>
+          <a:ext cx="5630261" cy="2928743"/>
+        </p:xfrm>
+        <a:graphic>
+          <a:graphicData uri="http://schemas.openxmlformats.org/drawingml/2006/chart">
+            <c:chart xmlns:c="http://schemas.openxmlformats.org/drawingml/2006/chart" xmlns:r="http://schemas.openxmlformats.org/officeDocument/2006/relationships" r:id="rId2"/>
+          </a:graphicData>
+        </a:graphic>
+      </p:graphicFrame>
     </p:spTree>
     <p:extLst>
       <p:ext uri="{BB962C8B-B14F-4D97-AF65-F5344CB8AC3E}">
-        <p14:creationId xmlns:p14="http://schemas.microsoft.com/office/powerpoint/2010/main" val="3831077612"/>
+        <p14:creationId xmlns:p14="http://schemas.microsoft.com/office/powerpoint/2010/main" val="2081409088"/>
       </p:ext>
     </p:extLst>
   </p:cSld>
@@ -5167,7 +5133,15 @@
           <a:p>
             <a:r>
               <a:rPr kumimoji="1" lang="zh-CN" altLang="en-US" dirty="0" smtClean="0"/>
-              <a:t>对外服务应用永远不要阻塞线程</a:t>
+              <a:t>考虑一个</a:t>
+            </a:r>
+            <a:r>
+              <a:rPr kumimoji="1" lang="en-US" altLang="zh-CN" dirty="0" smtClean="0"/>
+              <a:t>validation</a:t>
+            </a:r>
+            <a:r>
+              <a:rPr kumimoji="1" lang="zh-CN" altLang="en-US" dirty="0" smtClean="0"/>
+              <a:t>的情况</a:t>
             </a:r>
             <a:r>
               <a:rPr kumimoji="1" lang="en-US" altLang="zh-CN" dirty="0" smtClean="0"/>
@@ -5175,92 +5149,35 @@
             </a:r>
             <a:r>
               <a:rPr kumimoji="1" lang="en-US" altLang="zh-CN" dirty="0" err="1" smtClean="0"/>
-              <a:t>testAsyncHttp.js</a:t>
+              <a:t>testValidation.js</a:t>
+            </a:r>
+            <a:endParaRPr kumimoji="1" lang="en-US" altLang="zh-CN" dirty="0" smtClean="0"/>
+          </a:p>
+          <a:p>
+            <a:r>
+              <a:rPr kumimoji="1" lang="en-US" altLang="zh-CN" dirty="0" err="1" smtClean="0"/>
+              <a:t>Async</a:t>
+            </a:r>
+            <a:r>
+              <a:rPr kumimoji="1" lang="zh-CN" altLang="en-US" dirty="0" smtClean="0"/>
+              <a:t>框架</a:t>
             </a:r>
             <a:r>
               <a:rPr kumimoji="1" lang="en-US" altLang="zh-CN" dirty="0" smtClean="0"/>
-              <a:t>, </a:t>
+              <a:t>:</a:t>
             </a:r>
             <a:r>
               <a:rPr kumimoji="1" lang="en-US" altLang="zh-CN" dirty="0" err="1" smtClean="0"/>
-              <a:t>testSyncHttp.js</a:t>
-            </a:r>
-            <a:endParaRPr kumimoji="1" lang="en-US" altLang="zh-CN" dirty="0" smtClean="0"/>
-          </a:p>
-          <a:p>
-            <a:r>
-              <a:rPr kumimoji="1" lang="en-US" altLang="zh-CN" dirty="0" err="1" smtClean="0"/>
-              <a:t>Ab</a:t>
-            </a:r>
-            <a:r>
-              <a:rPr kumimoji="1" lang="zh-CN" altLang="en-US" dirty="0" smtClean="0"/>
-              <a:t>压力测试</a:t>
-            </a:r>
-            <a:endParaRPr kumimoji="1" lang="en-US" altLang="zh-CN" dirty="0" smtClean="0"/>
-          </a:p>
-          <a:p>
-            <a:pPr marL="0" indent="0">
-              <a:buNone/>
-            </a:pPr>
-            <a:r>
-              <a:rPr kumimoji="1" lang="en-US" altLang="zh-CN" sz="2000" dirty="0" smtClean="0"/>
-              <a:t>	</a:t>
-            </a:r>
-            <a:r>
-              <a:rPr kumimoji="1" lang="en-US" altLang="zh-CN" sz="2000" dirty="0" err="1" smtClean="0"/>
-              <a:t>ab</a:t>
-            </a:r>
-            <a:r>
-              <a:rPr kumimoji="1" lang="en-US" altLang="zh-CN" sz="2000" dirty="0" smtClean="0"/>
-              <a:t> -n 1000 -c 50 127.0.0.1:3000/&gt;&gt;</a:t>
-            </a:r>
-            <a:r>
-              <a:rPr kumimoji="1" lang="en-US" altLang="zh-CN" sz="2000" dirty="0" err="1" smtClean="0"/>
-              <a:t>test.txt</a:t>
-            </a:r>
-            <a:endParaRPr kumimoji="1" lang="en-US" altLang="zh-CN" sz="2000" dirty="0" smtClean="0"/>
-          </a:p>
-          <a:p>
-            <a:pPr marL="0" indent="0">
-              <a:buNone/>
-            </a:pPr>
-            <a:r>
-              <a:rPr kumimoji="1" lang="en-US" altLang="zh-CN" sz="2000" dirty="0"/>
-              <a:t>	</a:t>
-            </a:r>
-            <a:endParaRPr kumimoji="1" lang="en-US" altLang="zh-CN" sz="2000" dirty="0" smtClean="0"/>
-          </a:p>
-          <a:p>
+              <a:t>asyncExample.js</a:t>
+            </a:r>
             <a:endParaRPr kumimoji="1" lang="zh-CN" altLang="en-US" dirty="0"/>
           </a:p>
         </p:txBody>
       </p:sp>
-      <p:graphicFrame>
-        <p:nvGraphicFramePr>
-          <p:cNvPr id="4" name="图表 3"/>
-          <p:cNvGraphicFramePr/>
-          <p:nvPr>
-            <p:extLst>
-              <p:ext uri="{D42A27DB-BD31-4B8C-83A1-F6EECF244321}">
-                <p14:modId xmlns:p14="http://schemas.microsoft.com/office/powerpoint/2010/main" val="3956640735"/>
-              </p:ext>
-            </p:extLst>
-          </p:nvPr>
-        </p:nvGraphicFramePr>
-        <p:xfrm>
-          <a:off x="1561721" y="3572446"/>
-          <a:ext cx="5630261" cy="2928743"/>
-        </p:xfrm>
-        <a:graphic>
-          <a:graphicData uri="http://schemas.openxmlformats.org/drawingml/2006/chart">
-            <c:chart xmlns:c="http://schemas.openxmlformats.org/drawingml/2006/chart" xmlns:r="http://schemas.openxmlformats.org/officeDocument/2006/relationships" r:id="rId2"/>
-          </a:graphicData>
-        </a:graphic>
-      </p:graphicFrame>
     </p:spTree>
     <p:extLst>
       <p:ext uri="{BB962C8B-B14F-4D97-AF65-F5344CB8AC3E}">
-        <p14:creationId xmlns:p14="http://schemas.microsoft.com/office/powerpoint/2010/main" val="2081409088"/>
+        <p14:creationId xmlns:p14="http://schemas.microsoft.com/office/powerpoint/2010/main" val="2319768964"/>
       </p:ext>
     </p:extLst>
   </p:cSld>
@@ -5303,8 +5220,12 @@
           <a:lstStyle/>
           <a:p>
             <a:r>
-              <a:rPr kumimoji="1" lang="zh-CN" altLang="en-US" dirty="0" smtClean="0"/>
-              <a:t>异步编程的难点</a:t>
+              <a:rPr kumimoji="1" lang="en-US" altLang="zh-CN" dirty="0" smtClean="0"/>
+              <a:t>Express</a:t>
+            </a:r>
+            <a:r>
+              <a:rPr kumimoji="1" lang="zh-CN" altLang="en-US" dirty="0" smtClean="0"/>
+              <a:t>框架</a:t>
             </a:r>
             <a:endParaRPr kumimoji="1" lang="zh-CN" altLang="en-US" dirty="0"/>
           </a:p>
@@ -5327,51 +5248,63 @@
           <a:p>
             <a:r>
               <a:rPr kumimoji="1" lang="zh-CN" altLang="en-US" dirty="0" smtClean="0"/>
-              <a:t>考虑一个</a:t>
+              <a:t>极简</a:t>
             </a:r>
             <a:r>
               <a:rPr kumimoji="1" lang="en-US" altLang="zh-CN" dirty="0" smtClean="0"/>
-              <a:t>validation</a:t>
-            </a:r>
-            <a:r>
-              <a:rPr kumimoji="1" lang="zh-CN" altLang="en-US" dirty="0" smtClean="0"/>
-              <a:t>的情况</a:t>
-            </a:r>
-            <a:r>
-              <a:rPr kumimoji="1" lang="en-US" altLang="zh-CN" dirty="0" smtClean="0"/>
-              <a:t>:</a:t>
-            </a:r>
+              <a:t>Web</a:t>
+            </a:r>
+            <a:r>
+              <a:rPr kumimoji="1" lang="zh-CN" altLang="en-US" dirty="0" smtClean="0"/>
+              <a:t>框架</a:t>
+            </a:r>
+            <a:endParaRPr kumimoji="1" lang="en-US" altLang="zh-CN" dirty="0" smtClean="0"/>
+          </a:p>
+          <a:p>
+            <a:r>
+              <a:rPr kumimoji="1" lang="zh-CN" altLang="en-US" dirty="0" smtClean="0"/>
+              <a:t>路由</a:t>
+            </a:r>
+            <a:endParaRPr kumimoji="1" lang="en-US" altLang="zh-CN" dirty="0" smtClean="0"/>
+          </a:p>
+          <a:p>
+            <a:r>
+              <a:rPr kumimoji="1" lang="zh-CN" altLang="en-US" dirty="0"/>
+              <a:t>静态文件处</a:t>
+            </a:r>
+            <a:r>
+              <a:rPr kumimoji="1" lang="zh-CN" altLang="en-US" dirty="0" smtClean="0"/>
+              <a:t>理</a:t>
+            </a:r>
+            <a:endParaRPr kumimoji="1" lang="en-US" altLang="zh-CN" dirty="0" smtClean="0"/>
+          </a:p>
+          <a:p>
+            <a:r>
+              <a:rPr kumimoji="1" lang="zh-CN" altLang="en-US" dirty="0" smtClean="0"/>
+              <a:t>中间件</a:t>
+            </a:r>
+            <a:endParaRPr kumimoji="1" lang="en-US" altLang="zh-CN" dirty="0" smtClean="0"/>
+          </a:p>
+          <a:p>
+            <a:r>
+              <a:rPr kumimoji="1" lang="zh-CN" altLang="en-US" dirty="0" smtClean="0"/>
+              <a:t>模板生成器</a:t>
+            </a:r>
+            <a:endParaRPr kumimoji="1" lang="en-US" altLang="zh-CN" dirty="0" smtClean="0"/>
+          </a:p>
+          <a:p>
             <a:r>
               <a:rPr kumimoji="1" lang="en-US" altLang="zh-CN" dirty="0" err="1" smtClean="0"/>
-              <a:t>testValidation.js</a:t>
+              <a:t>expressExample.js</a:t>
             </a:r>
             <a:endParaRPr kumimoji="1" lang="en-US" altLang="zh-CN" dirty="0" smtClean="0"/>
-          </a:p>
-          <a:p>
-            <a:r>
-              <a:rPr kumimoji="1" lang="en-US" altLang="zh-CN" dirty="0" err="1" smtClean="0"/>
-              <a:t>Async</a:t>
-            </a:r>
-            <a:r>
-              <a:rPr kumimoji="1" lang="zh-CN" altLang="en-US" dirty="0" smtClean="0"/>
-              <a:t>框架</a:t>
-            </a:r>
-            <a:r>
-              <a:rPr kumimoji="1" lang="en-US" altLang="zh-CN" dirty="0" smtClean="0"/>
-              <a:t>:</a:t>
-            </a:r>
-            <a:r>
-              <a:rPr kumimoji="1" lang="en-US" altLang="zh-CN" dirty="0" err="1" smtClean="0"/>
-              <a:t>asyncExample.js</a:t>
-            </a:r>
-            <a:endParaRPr kumimoji="1" lang="zh-CN" altLang="en-US" dirty="0"/>
           </a:p>
         </p:txBody>
       </p:sp>
     </p:spTree>
     <p:extLst>
       <p:ext uri="{BB962C8B-B14F-4D97-AF65-F5344CB8AC3E}">
-        <p14:creationId xmlns:p14="http://schemas.microsoft.com/office/powerpoint/2010/main" val="2319768964"/>
+        <p14:creationId xmlns:p14="http://schemas.microsoft.com/office/powerpoint/2010/main" val="1565805867"/>
       </p:ext>
     </p:extLst>
   </p:cSld>
@@ -5414,91 +5347,83 @@
           <a:lstStyle/>
           <a:p>
             <a:r>
+              <a:rPr kumimoji="1" lang="zh-CN" altLang="en-US" dirty="0" smtClean="0"/>
+              <a:t>集群实现</a:t>
+            </a:r>
+            <a:endParaRPr kumimoji="1" lang="zh-CN" altLang="en-US" dirty="0"/>
+          </a:p>
+        </p:txBody>
+      </p:sp>
+      <p:sp>
+        <p:nvSpPr>
+          <p:cNvPr id="3" name="内容占位符 2"/>
+          <p:cNvSpPr>
+            <a:spLocks noGrp="1"/>
+          </p:cNvSpPr>
+          <p:nvPr>
+            <p:ph idx="1"/>
+          </p:nvPr>
+        </p:nvSpPr>
+        <p:spPr/>
+        <p:txBody>
+          <a:bodyPr/>
+          <a:lstStyle/>
+          <a:p>
+            <a:r>
+              <a:rPr kumimoji="1" lang="zh-CN" altLang="en-US" dirty="0" smtClean="0"/>
+              <a:t>单线程</a:t>
+            </a:r>
+            <a:r>
               <a:rPr kumimoji="1" lang="en-US" altLang="zh-CN" dirty="0" smtClean="0"/>
-              <a:t>Express</a:t>
-            </a:r>
-            <a:r>
-              <a:rPr kumimoji="1" lang="zh-CN" altLang="en-US" dirty="0" smtClean="0"/>
-              <a:t>框架</a:t>
-            </a:r>
+              <a:t>-</a:t>
+            </a:r>
+            <a:r>
+              <a:rPr kumimoji="1" lang="zh-CN" altLang="en-US" dirty="0" smtClean="0"/>
+              <a:t>多核服务器</a:t>
+            </a:r>
+            <a:endParaRPr kumimoji="1" lang="en-US" altLang="zh-CN" dirty="0" smtClean="0"/>
+          </a:p>
+          <a:p>
+            <a:r>
+              <a:rPr kumimoji="1" lang="zh-CN" altLang="en-US" dirty="0" smtClean="0"/>
+              <a:t>引入</a:t>
+            </a:r>
+            <a:r>
+              <a:rPr kumimoji="1" lang="en-US" altLang="zh-CN" dirty="0" smtClean="0"/>
+              <a:t>cluster</a:t>
+            </a:r>
+          </a:p>
+          <a:p>
+            <a:r>
+              <a:rPr kumimoji="1" lang="zh-CN" altLang="en-US" dirty="0" smtClean="0"/>
+              <a:t>多台机器</a:t>
+            </a:r>
+            <a:r>
+              <a:rPr kumimoji="1" lang="en-US" altLang="zh-CN" dirty="0" smtClean="0"/>
+              <a:t>cluster</a:t>
+            </a:r>
+            <a:r>
+              <a:rPr kumimoji="1" lang="zh-CN" altLang="en-US" dirty="0" smtClean="0"/>
+              <a:t>，负载均衡</a:t>
+            </a:r>
+            <a:endParaRPr kumimoji="1" lang="en-US" altLang="zh-CN" dirty="0" smtClean="0"/>
+          </a:p>
+          <a:p>
+            <a:r>
+              <a:rPr kumimoji="1" lang="en-US" altLang="zh-CN" dirty="0" err="1" smtClean="0"/>
+              <a:t>Cluster.js</a:t>
+            </a:r>
+            <a:endParaRPr kumimoji="1" lang="en-US" altLang="zh-CN" dirty="0" smtClean="0"/>
+          </a:p>
+          <a:p>
             <a:endParaRPr kumimoji="1" lang="zh-CN" altLang="en-US" dirty="0"/>
-          </a:p>
-        </p:txBody>
-      </p:sp>
-      <p:sp>
-        <p:nvSpPr>
-          <p:cNvPr id="3" name="内容占位符 2"/>
-          <p:cNvSpPr>
-            <a:spLocks noGrp="1"/>
-          </p:cNvSpPr>
-          <p:nvPr>
-            <p:ph idx="1"/>
-          </p:nvPr>
-        </p:nvSpPr>
-        <p:spPr/>
-        <p:txBody>
-          <a:bodyPr/>
-          <a:lstStyle/>
-          <a:p>
-            <a:r>
-              <a:rPr kumimoji="1" lang="zh-CN" altLang="en-US" dirty="0" smtClean="0"/>
-              <a:t>极简</a:t>
-            </a:r>
-            <a:r>
-              <a:rPr kumimoji="1" lang="en-US" altLang="zh-CN" dirty="0" smtClean="0"/>
-              <a:t>Web</a:t>
-            </a:r>
-            <a:r>
-              <a:rPr kumimoji="1" lang="zh-CN" altLang="en-US" dirty="0" smtClean="0"/>
-              <a:t>框架</a:t>
-            </a:r>
-            <a:endParaRPr kumimoji="1" lang="en-US" altLang="zh-CN" dirty="0" smtClean="0"/>
-          </a:p>
-          <a:p>
-            <a:r>
-              <a:rPr kumimoji="1" lang="zh-CN" altLang="en-US" dirty="0" smtClean="0"/>
-              <a:t>路由</a:t>
-            </a:r>
-            <a:endParaRPr kumimoji="1" lang="en-US" altLang="zh-CN" dirty="0" smtClean="0"/>
-          </a:p>
-          <a:p>
-            <a:r>
-              <a:rPr kumimoji="1" lang="zh-CN" altLang="en-US" dirty="0"/>
-              <a:t>静态文件处</a:t>
-            </a:r>
-            <a:r>
-              <a:rPr kumimoji="1" lang="zh-CN" altLang="en-US" dirty="0" smtClean="0"/>
-              <a:t>理</a:t>
-            </a:r>
-            <a:endParaRPr kumimoji="1" lang="en-US" altLang="zh-CN" dirty="0" smtClean="0"/>
-          </a:p>
-          <a:p>
-            <a:r>
-              <a:rPr kumimoji="1" lang="zh-CN" altLang="en-US" dirty="0" smtClean="0"/>
-              <a:t>中间件</a:t>
-            </a:r>
-            <a:endParaRPr kumimoji="1" lang="en-US" altLang="zh-CN" dirty="0" smtClean="0"/>
-          </a:p>
-          <a:p>
-            <a:r>
-              <a:rPr kumimoji="1" lang="zh-CN" altLang="en-US" dirty="0" smtClean="0"/>
-              <a:t>模板生成器</a:t>
-            </a:r>
-            <a:endParaRPr kumimoji="1" lang="en-US" altLang="zh-CN" dirty="0" smtClean="0"/>
-          </a:p>
-          <a:p>
-            <a:r>
-              <a:rPr kumimoji="1" lang="en-US" altLang="zh-CN" dirty="0" err="1" smtClean="0"/>
-              <a:t>expressExample.js</a:t>
-            </a:r>
-            <a:endParaRPr kumimoji="1" lang="en-US" altLang="zh-CN" dirty="0" smtClean="0"/>
           </a:p>
         </p:txBody>
       </p:sp>
     </p:spTree>
     <p:extLst>
       <p:ext uri="{BB962C8B-B14F-4D97-AF65-F5344CB8AC3E}">
-        <p14:creationId xmlns:p14="http://schemas.microsoft.com/office/powerpoint/2010/main" val="1565805867"/>
+        <p14:creationId xmlns:p14="http://schemas.microsoft.com/office/powerpoint/2010/main" val="4251629299"/>
       </p:ext>
     </p:extLst>
   </p:cSld>
